--- a/docs/imgs/img.source.pptx
+++ b/docs/imgs/img.source.pptx
@@ -11,6 +11,12 @@
     <p:sldId id="259" r:id="rId5"/>
     <p:sldId id="260" r:id="rId6"/>
     <p:sldId id="261" r:id="rId7"/>
+    <p:sldId id="262" r:id="rId8"/>
+    <p:sldId id="263" r:id="rId9"/>
+    <p:sldId id="264" r:id="rId10"/>
+    <p:sldId id="265" r:id="rId11"/>
+    <p:sldId id="266" r:id="rId12"/>
+    <p:sldId id="267" r:id="rId13"/>
   </p:sldIdLst>
   <p:sldSz cx="9144000" cy="6858000" type="screen4x3"/>
   <p:notesSz cx="6858000" cy="9144000"/>
@@ -293,7 +299,7 @@
           <a:p>
             <a:fld id="{FED51C0B-6B68-4CF7-9748-1BDBA488D877}" type="datetimeFigureOut">
               <a:rPr lang="en-US" smtClean="0"/>
-              <a:t>11/14/2011</a:t>
+              <a:t>11/16/2011</a:t>
             </a:fld>
             <a:endParaRPr lang="en-US"/>
           </a:p>
@@ -463,7 +469,7 @@
           <a:p>
             <a:fld id="{FED51C0B-6B68-4CF7-9748-1BDBA488D877}" type="datetimeFigureOut">
               <a:rPr lang="en-US" smtClean="0"/>
-              <a:t>11/14/2011</a:t>
+              <a:t>11/16/2011</a:t>
             </a:fld>
             <a:endParaRPr lang="en-US"/>
           </a:p>
@@ -643,7 +649,7 @@
           <a:p>
             <a:fld id="{FED51C0B-6B68-4CF7-9748-1BDBA488D877}" type="datetimeFigureOut">
               <a:rPr lang="en-US" smtClean="0"/>
-              <a:t>11/14/2011</a:t>
+              <a:t>11/16/2011</a:t>
             </a:fld>
             <a:endParaRPr lang="en-US"/>
           </a:p>
@@ -813,7 +819,7 @@
           <a:p>
             <a:fld id="{FED51C0B-6B68-4CF7-9748-1BDBA488D877}" type="datetimeFigureOut">
               <a:rPr lang="en-US" smtClean="0"/>
-              <a:t>11/14/2011</a:t>
+              <a:t>11/16/2011</a:t>
             </a:fld>
             <a:endParaRPr lang="en-US"/>
           </a:p>
@@ -1059,7 +1065,7 @@
           <a:p>
             <a:fld id="{FED51C0B-6B68-4CF7-9748-1BDBA488D877}" type="datetimeFigureOut">
               <a:rPr lang="en-US" smtClean="0"/>
-              <a:t>11/14/2011</a:t>
+              <a:t>11/16/2011</a:t>
             </a:fld>
             <a:endParaRPr lang="en-US"/>
           </a:p>
@@ -1347,7 +1353,7 @@
           <a:p>
             <a:fld id="{FED51C0B-6B68-4CF7-9748-1BDBA488D877}" type="datetimeFigureOut">
               <a:rPr lang="en-US" smtClean="0"/>
-              <a:t>11/14/2011</a:t>
+              <a:t>11/16/2011</a:t>
             </a:fld>
             <a:endParaRPr lang="en-US"/>
           </a:p>
@@ -1769,7 +1775,7 @@
           <a:p>
             <a:fld id="{FED51C0B-6B68-4CF7-9748-1BDBA488D877}" type="datetimeFigureOut">
               <a:rPr lang="en-US" smtClean="0"/>
-              <a:t>11/14/2011</a:t>
+              <a:t>11/16/2011</a:t>
             </a:fld>
             <a:endParaRPr lang="en-US"/>
           </a:p>
@@ -1887,7 +1893,7 @@
           <a:p>
             <a:fld id="{FED51C0B-6B68-4CF7-9748-1BDBA488D877}" type="datetimeFigureOut">
               <a:rPr lang="en-US" smtClean="0"/>
-              <a:t>11/14/2011</a:t>
+              <a:t>11/16/2011</a:t>
             </a:fld>
             <a:endParaRPr lang="en-US"/>
           </a:p>
@@ -1982,7 +1988,7 @@
           <a:p>
             <a:fld id="{FED51C0B-6B68-4CF7-9748-1BDBA488D877}" type="datetimeFigureOut">
               <a:rPr lang="en-US" smtClean="0"/>
-              <a:t>11/14/2011</a:t>
+              <a:t>11/16/2011</a:t>
             </a:fld>
             <a:endParaRPr lang="en-US"/>
           </a:p>
@@ -2259,7 +2265,7 @@
           <a:p>
             <a:fld id="{FED51C0B-6B68-4CF7-9748-1BDBA488D877}" type="datetimeFigureOut">
               <a:rPr lang="en-US" smtClean="0"/>
-              <a:t>11/14/2011</a:t>
+              <a:t>11/16/2011</a:t>
             </a:fld>
             <a:endParaRPr lang="en-US"/>
           </a:p>
@@ -2512,7 +2518,7 @@
           <a:p>
             <a:fld id="{FED51C0B-6B68-4CF7-9748-1BDBA488D877}" type="datetimeFigureOut">
               <a:rPr lang="en-US" smtClean="0"/>
-              <a:t>11/14/2011</a:t>
+              <a:t>11/16/2011</a:t>
             </a:fld>
             <a:endParaRPr lang="en-US"/>
           </a:p>
@@ -2725,7 +2731,7 @@
           <a:p>
             <a:fld id="{FED51C0B-6B68-4CF7-9748-1BDBA488D877}" type="datetimeFigureOut">
               <a:rPr lang="en-US" smtClean="0"/>
-              <a:t>11/14/2011</a:t>
+              <a:t>11/16/2011</a:t>
             </a:fld>
             <a:endParaRPr lang="en-US"/>
           </a:p>
@@ -3151,6 +3157,3879 @@
 </p:sld>
 </file>
 
+<file path=ppt/slides/slide10.xml><?xml version="1.0" encoding="utf-8"?>
+<p:sld xmlns:a="http://schemas.openxmlformats.org/drawingml/2006/main" xmlns:r="http://schemas.openxmlformats.org/officeDocument/2006/relationships" xmlns:p="http://schemas.openxmlformats.org/presentationml/2006/main">
+  <p:cSld>
+    <p:spTree>
+      <p:nvGrpSpPr>
+        <p:cNvPr id="1" name=""/>
+        <p:cNvGrpSpPr/>
+        <p:nvPr/>
+      </p:nvGrpSpPr>
+      <p:grpSpPr>
+        <a:xfrm>
+          <a:off x="0" y="0"/>
+          <a:ext cx="0" cy="0"/>
+          <a:chOff x="0" y="0"/>
+          <a:chExt cx="0" cy="0"/>
+        </a:xfrm>
+      </p:grpSpPr>
+      <p:sp>
+        <p:nvSpPr>
+          <p:cNvPr id="2" name="Rectangle 1"/>
+          <p:cNvSpPr/>
+          <p:nvPr/>
+        </p:nvSpPr>
+        <p:spPr bwMode="auto">
+          <a:xfrm>
+            <a:off x="357158" y="3940802"/>
+            <a:ext cx="1910586" cy="500066"/>
+          </a:xfrm>
+          <a:prstGeom prst="rect">
+            <a:avLst/>
+          </a:prstGeom>
+          <a:ln>
+            <a:headEnd type="none" w="med" len="med"/>
+            <a:tailEnd type="none" w="med" len="med"/>
+          </a:ln>
+        </p:spPr>
+        <p:style>
+          <a:lnRef idx="2">
+            <a:schemeClr val="accent1">
+              <a:shade val="50000"/>
+            </a:schemeClr>
+          </a:lnRef>
+          <a:fillRef idx="1">
+            <a:schemeClr val="accent1"/>
+          </a:fillRef>
+          <a:effectRef idx="0">
+            <a:schemeClr val="accent1"/>
+          </a:effectRef>
+          <a:fontRef idx="minor">
+            <a:schemeClr val="lt1"/>
+          </a:fontRef>
+        </p:style>
+        <p:txBody>
+          <a:bodyPr vert="horz" wrap="square" lIns="91436" tIns="45718" rIns="91436" bIns="45718" numCol="1" rtlCol="0" anchor="ctr" anchorCtr="0" compatLnSpc="1">
+            <a:prstTxWarp prst="textNoShape">
+              <a:avLst/>
+            </a:prstTxWarp>
+          </a:bodyPr>
+          <a:lstStyle/>
+          <a:p>
+            <a:pPr algn="ctr" defTabSz="914099" fontAlgn="base">
+              <a:spcBef>
+                <a:spcPct val="0"/>
+              </a:spcBef>
+              <a:spcAft>
+                <a:spcPct val="0"/>
+              </a:spcAft>
+            </a:pPr>
+            <a:r>
+              <a:rPr lang="pt-PT" dirty="0" err="1" smtClean="0">
+                <a:solidFill>
+                  <a:schemeClr val="bg1"/>
+                </a:solidFill>
+                <a:latin typeface="Consolas" pitchFamily="49" charset="0"/>
+              </a:rPr>
+              <a:t>WSHttpBinding</a:t>
+            </a:r>
+            <a:endParaRPr lang="pt-PT" dirty="0" smtClean="0">
+              <a:solidFill>
+                <a:schemeClr val="bg1"/>
+              </a:solidFill>
+              <a:latin typeface="Consolas" pitchFamily="49" charset="0"/>
+            </a:endParaRPr>
+          </a:p>
+        </p:txBody>
+      </p:sp>
+      <p:sp>
+        <p:nvSpPr>
+          <p:cNvPr id="3" name="Rectangle 2"/>
+          <p:cNvSpPr/>
+          <p:nvPr/>
+        </p:nvSpPr>
+        <p:spPr bwMode="auto">
+          <a:xfrm>
+            <a:off x="3203848" y="2959031"/>
+            <a:ext cx="4673110" cy="500066"/>
+          </a:xfrm>
+          <a:prstGeom prst="rect">
+            <a:avLst/>
+          </a:prstGeom>
+          <a:ln>
+            <a:headEnd type="none" w="med" len="med"/>
+            <a:tailEnd type="none" w="med" len="med"/>
+          </a:ln>
+        </p:spPr>
+        <p:style>
+          <a:lnRef idx="2">
+            <a:schemeClr val="accent1">
+              <a:shade val="50000"/>
+            </a:schemeClr>
+          </a:lnRef>
+          <a:fillRef idx="1">
+            <a:schemeClr val="accent1"/>
+          </a:fillRef>
+          <a:effectRef idx="0">
+            <a:schemeClr val="accent1"/>
+          </a:effectRef>
+          <a:fontRef idx="minor">
+            <a:schemeClr val="lt1"/>
+          </a:fontRef>
+        </p:style>
+        <p:txBody>
+          <a:bodyPr vert="horz" wrap="square" lIns="91436" tIns="45718" rIns="91436" bIns="45718" numCol="1" rtlCol="0" anchor="ctr" anchorCtr="0" compatLnSpc="1">
+            <a:prstTxWarp prst="textNoShape">
+              <a:avLst/>
+            </a:prstTxWarp>
+          </a:bodyPr>
+          <a:lstStyle/>
+          <a:p>
+            <a:pPr algn="ctr" defTabSz="914099" fontAlgn="base">
+              <a:spcBef>
+                <a:spcPct val="0"/>
+              </a:spcBef>
+              <a:spcAft>
+                <a:spcPct val="0"/>
+              </a:spcAft>
+            </a:pPr>
+            <a:r>
+              <a:rPr lang="pt-PT" b="1" dirty="0" err="1" smtClean="0">
+                <a:solidFill>
+                  <a:schemeClr val="bg1"/>
+                </a:solidFill>
+                <a:latin typeface="Consolas" pitchFamily="49" charset="0"/>
+              </a:rPr>
+              <a:t>Transaction</a:t>
+            </a:r>
+            <a:r>
+              <a:rPr lang="pt-PT" dirty="0" err="1" smtClean="0">
+                <a:solidFill>
+                  <a:schemeClr val="bg1"/>
+                </a:solidFill>
+                <a:latin typeface="Consolas" pitchFamily="49" charset="0"/>
+              </a:rPr>
+              <a:t>FlowBindingElement</a:t>
+            </a:r>
+            <a:endParaRPr lang="pt-PT" dirty="0" smtClean="0">
+              <a:solidFill>
+                <a:schemeClr val="bg1"/>
+              </a:solidFill>
+              <a:latin typeface="Consolas" pitchFamily="49" charset="0"/>
+            </a:endParaRPr>
+          </a:p>
+        </p:txBody>
+      </p:sp>
+      <p:sp>
+        <p:nvSpPr>
+          <p:cNvPr id="4" name="Rectangle 3"/>
+          <p:cNvSpPr/>
+          <p:nvPr/>
+        </p:nvSpPr>
+        <p:spPr bwMode="auto">
+          <a:xfrm>
+            <a:off x="3203848" y="3744849"/>
+            <a:ext cx="4673110" cy="500066"/>
+          </a:xfrm>
+          <a:prstGeom prst="rect">
+            <a:avLst/>
+          </a:prstGeom>
+          <a:ln>
+            <a:headEnd type="none" w="med" len="med"/>
+            <a:tailEnd type="none" w="med" len="med"/>
+          </a:ln>
+        </p:spPr>
+        <p:style>
+          <a:lnRef idx="2">
+            <a:schemeClr val="accent1">
+              <a:shade val="50000"/>
+            </a:schemeClr>
+          </a:lnRef>
+          <a:fillRef idx="1">
+            <a:schemeClr val="accent1"/>
+          </a:fillRef>
+          <a:effectRef idx="0">
+            <a:schemeClr val="accent1"/>
+          </a:effectRef>
+          <a:fontRef idx="minor">
+            <a:schemeClr val="lt1"/>
+          </a:fontRef>
+        </p:style>
+        <p:txBody>
+          <a:bodyPr vert="horz" wrap="square" lIns="91436" tIns="45718" rIns="91436" bIns="45718" numCol="1" rtlCol="0" anchor="ctr" anchorCtr="0" compatLnSpc="1">
+            <a:prstTxWarp prst="textNoShape">
+              <a:avLst/>
+            </a:prstTxWarp>
+          </a:bodyPr>
+          <a:lstStyle/>
+          <a:p>
+            <a:pPr algn="ctr" defTabSz="914099" fontAlgn="base">
+              <a:spcBef>
+                <a:spcPct val="0"/>
+              </a:spcBef>
+              <a:spcAft>
+                <a:spcPct val="0"/>
+              </a:spcAft>
+            </a:pPr>
+            <a:r>
+              <a:rPr lang="pt-PT" dirty="0" err="1" smtClean="0">
+                <a:solidFill>
+                  <a:schemeClr val="bg1"/>
+                </a:solidFill>
+                <a:latin typeface="Consolas" pitchFamily="49" charset="0"/>
+              </a:rPr>
+              <a:t>Symmetric</a:t>
+            </a:r>
+            <a:r>
+              <a:rPr lang="pt-PT" b="1" dirty="0" err="1" smtClean="0">
+                <a:solidFill>
+                  <a:schemeClr val="bg1"/>
+                </a:solidFill>
+                <a:latin typeface="Consolas" pitchFamily="49" charset="0"/>
+              </a:rPr>
+              <a:t>Security</a:t>
+            </a:r>
+            <a:r>
+              <a:rPr lang="pt-PT" dirty="0" err="1" smtClean="0">
+                <a:solidFill>
+                  <a:schemeClr val="bg1"/>
+                </a:solidFill>
+                <a:latin typeface="Consolas" pitchFamily="49" charset="0"/>
+              </a:rPr>
+              <a:t>BindingElement</a:t>
+            </a:r>
+            <a:endParaRPr lang="pt-PT" dirty="0" smtClean="0">
+              <a:solidFill>
+                <a:schemeClr val="bg1"/>
+              </a:solidFill>
+              <a:latin typeface="Consolas" pitchFamily="49" charset="0"/>
+            </a:endParaRPr>
+          </a:p>
+        </p:txBody>
+      </p:sp>
+      <p:sp>
+        <p:nvSpPr>
+          <p:cNvPr id="5" name="Rectangle 4"/>
+          <p:cNvSpPr/>
+          <p:nvPr/>
+        </p:nvSpPr>
+        <p:spPr bwMode="auto">
+          <a:xfrm>
+            <a:off x="3203848" y="4530667"/>
+            <a:ext cx="4673110" cy="500066"/>
+          </a:xfrm>
+          <a:prstGeom prst="rect">
+            <a:avLst/>
+          </a:prstGeom>
+          <a:ln>
+            <a:headEnd type="none" w="med" len="med"/>
+            <a:tailEnd type="none" w="med" len="med"/>
+          </a:ln>
+        </p:spPr>
+        <p:style>
+          <a:lnRef idx="2">
+            <a:schemeClr val="accent1">
+              <a:shade val="50000"/>
+            </a:schemeClr>
+          </a:lnRef>
+          <a:fillRef idx="1">
+            <a:schemeClr val="accent1"/>
+          </a:fillRef>
+          <a:effectRef idx="0">
+            <a:schemeClr val="accent1"/>
+          </a:effectRef>
+          <a:fontRef idx="minor">
+            <a:schemeClr val="lt1"/>
+          </a:fontRef>
+        </p:style>
+        <p:txBody>
+          <a:bodyPr vert="horz" wrap="square" lIns="91436" tIns="45718" rIns="91436" bIns="45718" numCol="1" rtlCol="0" anchor="ctr" anchorCtr="0" compatLnSpc="1">
+            <a:prstTxWarp prst="textNoShape">
+              <a:avLst/>
+            </a:prstTxWarp>
+          </a:bodyPr>
+          <a:lstStyle/>
+          <a:p>
+            <a:pPr algn="ctr" defTabSz="914099" fontAlgn="base">
+              <a:spcBef>
+                <a:spcPct val="0"/>
+              </a:spcBef>
+              <a:spcAft>
+                <a:spcPct val="0"/>
+              </a:spcAft>
+            </a:pPr>
+            <a:r>
+              <a:rPr lang="pt-PT" dirty="0" err="1" smtClean="0">
+                <a:solidFill>
+                  <a:schemeClr val="bg1"/>
+                </a:solidFill>
+                <a:latin typeface="Consolas" pitchFamily="49" charset="0"/>
+              </a:rPr>
+              <a:t>TextMessage</a:t>
+            </a:r>
+            <a:r>
+              <a:rPr lang="pt-PT" b="1" dirty="0" err="1" smtClean="0">
+                <a:solidFill>
+                  <a:schemeClr val="bg1"/>
+                </a:solidFill>
+                <a:latin typeface="Consolas" pitchFamily="49" charset="0"/>
+              </a:rPr>
+              <a:t>Encoding</a:t>
+            </a:r>
+            <a:r>
+              <a:rPr lang="pt-PT" dirty="0" err="1" smtClean="0">
+                <a:solidFill>
+                  <a:schemeClr val="bg1"/>
+                </a:solidFill>
+                <a:latin typeface="Consolas" pitchFamily="49" charset="0"/>
+              </a:rPr>
+              <a:t>BindingElement</a:t>
+            </a:r>
+            <a:endParaRPr lang="pt-PT" dirty="0" smtClean="0">
+              <a:solidFill>
+                <a:schemeClr val="bg1"/>
+              </a:solidFill>
+              <a:latin typeface="Consolas" pitchFamily="49" charset="0"/>
+            </a:endParaRPr>
+          </a:p>
+        </p:txBody>
+      </p:sp>
+      <p:sp>
+        <p:nvSpPr>
+          <p:cNvPr id="6" name="Rectangle 5"/>
+          <p:cNvSpPr/>
+          <p:nvPr/>
+        </p:nvSpPr>
+        <p:spPr bwMode="auto">
+          <a:xfrm>
+            <a:off x="3203848" y="5102171"/>
+            <a:ext cx="4673110" cy="500066"/>
+          </a:xfrm>
+          <a:prstGeom prst="rect">
+            <a:avLst/>
+          </a:prstGeom>
+          <a:ln>
+            <a:headEnd type="none" w="med" len="med"/>
+            <a:tailEnd type="none" w="med" len="med"/>
+          </a:ln>
+        </p:spPr>
+        <p:style>
+          <a:lnRef idx="2">
+            <a:schemeClr val="accent1">
+              <a:shade val="50000"/>
+            </a:schemeClr>
+          </a:lnRef>
+          <a:fillRef idx="1">
+            <a:schemeClr val="accent1"/>
+          </a:fillRef>
+          <a:effectRef idx="0">
+            <a:schemeClr val="accent1"/>
+          </a:effectRef>
+          <a:fontRef idx="minor">
+            <a:schemeClr val="lt1"/>
+          </a:fontRef>
+        </p:style>
+        <p:txBody>
+          <a:bodyPr vert="horz" wrap="square" lIns="91436" tIns="45718" rIns="91436" bIns="45718" numCol="1" rtlCol="0" anchor="ctr" anchorCtr="0" compatLnSpc="1">
+            <a:prstTxWarp prst="textNoShape">
+              <a:avLst/>
+            </a:prstTxWarp>
+          </a:bodyPr>
+          <a:lstStyle/>
+          <a:p>
+            <a:pPr algn="ctr" defTabSz="914099" fontAlgn="base">
+              <a:spcBef>
+                <a:spcPct val="0"/>
+              </a:spcBef>
+              <a:spcAft>
+                <a:spcPct val="0"/>
+              </a:spcAft>
+            </a:pPr>
+            <a:r>
+              <a:rPr lang="pt-PT" dirty="0" err="1" smtClean="0">
+                <a:solidFill>
+                  <a:schemeClr val="bg1"/>
+                </a:solidFill>
+                <a:latin typeface="Consolas" pitchFamily="49" charset="0"/>
+              </a:rPr>
+              <a:t>Http</a:t>
+            </a:r>
+            <a:r>
+              <a:rPr lang="pt-PT" b="1" dirty="0" err="1" smtClean="0">
+                <a:solidFill>
+                  <a:schemeClr val="bg1"/>
+                </a:solidFill>
+                <a:latin typeface="Consolas" pitchFamily="49" charset="0"/>
+              </a:rPr>
+              <a:t>Transport</a:t>
+            </a:r>
+            <a:r>
+              <a:rPr lang="pt-PT" dirty="0" err="1" smtClean="0">
+                <a:solidFill>
+                  <a:schemeClr val="bg1"/>
+                </a:solidFill>
+                <a:latin typeface="Consolas" pitchFamily="49" charset="0"/>
+              </a:rPr>
+              <a:t>BindingElement</a:t>
+            </a:r>
+            <a:endParaRPr lang="pt-PT" dirty="0" smtClean="0">
+              <a:solidFill>
+                <a:schemeClr val="bg1"/>
+              </a:solidFill>
+              <a:latin typeface="Consolas" pitchFamily="49" charset="0"/>
+            </a:endParaRPr>
+          </a:p>
+        </p:txBody>
+      </p:sp>
+      <p:cxnSp>
+        <p:nvCxnSpPr>
+          <p:cNvPr id="7" name="Shape 10"/>
+          <p:cNvCxnSpPr>
+            <a:stCxn id="2" idx="3"/>
+            <a:endCxn id="3" idx="1"/>
+          </p:cNvCxnSpPr>
+          <p:nvPr/>
+        </p:nvCxnSpPr>
+        <p:spPr bwMode="auto">
+          <a:xfrm flipV="1">
+            <a:off x="2267744" y="3209064"/>
+            <a:ext cx="936104" cy="981771"/>
+          </a:xfrm>
+          <a:prstGeom prst="bentConnector3">
+            <a:avLst>
+              <a:gd name="adj1" fmla="val 50000"/>
+            </a:avLst>
+          </a:prstGeom>
+          <a:ln>
+            <a:headEnd type="none" w="med" len="med"/>
+            <a:tailEnd type="arrow"/>
+          </a:ln>
+        </p:spPr>
+        <p:style>
+          <a:lnRef idx="2">
+            <a:schemeClr val="accent1">
+              <a:shade val="50000"/>
+            </a:schemeClr>
+          </a:lnRef>
+          <a:fillRef idx="1">
+            <a:schemeClr val="accent1"/>
+          </a:fillRef>
+          <a:effectRef idx="0">
+            <a:schemeClr val="accent1"/>
+          </a:effectRef>
+          <a:fontRef idx="minor">
+            <a:schemeClr val="lt1"/>
+          </a:fontRef>
+        </p:style>
+      </p:cxnSp>
+      <p:cxnSp>
+        <p:nvCxnSpPr>
+          <p:cNvPr id="8" name="Shape 13"/>
+          <p:cNvCxnSpPr>
+            <a:stCxn id="2" idx="3"/>
+            <a:endCxn id="4" idx="1"/>
+          </p:cNvCxnSpPr>
+          <p:nvPr/>
+        </p:nvCxnSpPr>
+        <p:spPr bwMode="auto">
+          <a:xfrm flipV="1">
+            <a:off x="2267744" y="3994882"/>
+            <a:ext cx="936104" cy="195953"/>
+          </a:xfrm>
+          <a:prstGeom prst="bentConnector3">
+            <a:avLst>
+              <a:gd name="adj1" fmla="val 50000"/>
+            </a:avLst>
+          </a:prstGeom>
+          <a:ln>
+            <a:headEnd type="none" w="med" len="med"/>
+            <a:tailEnd type="arrow"/>
+          </a:ln>
+        </p:spPr>
+        <p:style>
+          <a:lnRef idx="2">
+            <a:schemeClr val="accent1">
+              <a:shade val="50000"/>
+            </a:schemeClr>
+          </a:lnRef>
+          <a:fillRef idx="1">
+            <a:schemeClr val="accent1"/>
+          </a:fillRef>
+          <a:effectRef idx="0">
+            <a:schemeClr val="accent1"/>
+          </a:effectRef>
+          <a:fontRef idx="minor">
+            <a:schemeClr val="lt1"/>
+          </a:fontRef>
+        </p:style>
+      </p:cxnSp>
+      <p:cxnSp>
+        <p:nvCxnSpPr>
+          <p:cNvPr id="9" name="Shape 16"/>
+          <p:cNvCxnSpPr>
+            <a:stCxn id="2" idx="3"/>
+            <a:endCxn id="5" idx="1"/>
+          </p:cNvCxnSpPr>
+          <p:nvPr/>
+        </p:nvCxnSpPr>
+        <p:spPr bwMode="auto">
+          <a:xfrm>
+            <a:off x="2267744" y="4190835"/>
+            <a:ext cx="936104" cy="589865"/>
+          </a:xfrm>
+          <a:prstGeom prst="bentConnector3">
+            <a:avLst>
+              <a:gd name="adj1" fmla="val 50000"/>
+            </a:avLst>
+          </a:prstGeom>
+          <a:ln>
+            <a:headEnd type="none" w="med" len="med"/>
+            <a:tailEnd type="arrow"/>
+          </a:ln>
+        </p:spPr>
+        <p:style>
+          <a:lnRef idx="2">
+            <a:schemeClr val="accent1">
+              <a:shade val="50000"/>
+            </a:schemeClr>
+          </a:lnRef>
+          <a:fillRef idx="1">
+            <a:schemeClr val="accent1"/>
+          </a:fillRef>
+          <a:effectRef idx="0">
+            <a:schemeClr val="accent1"/>
+          </a:effectRef>
+          <a:fontRef idx="minor">
+            <a:schemeClr val="lt1"/>
+          </a:fontRef>
+        </p:style>
+      </p:cxnSp>
+      <p:cxnSp>
+        <p:nvCxnSpPr>
+          <p:cNvPr id="10" name="Shape 19"/>
+          <p:cNvCxnSpPr>
+            <a:stCxn id="2" idx="3"/>
+            <a:endCxn id="6" idx="1"/>
+          </p:cNvCxnSpPr>
+          <p:nvPr/>
+        </p:nvCxnSpPr>
+        <p:spPr bwMode="auto">
+          <a:xfrm>
+            <a:off x="2267744" y="4190835"/>
+            <a:ext cx="936104" cy="1161369"/>
+          </a:xfrm>
+          <a:prstGeom prst="bentConnector3">
+            <a:avLst>
+              <a:gd name="adj1" fmla="val 50000"/>
+            </a:avLst>
+          </a:prstGeom>
+          <a:ln>
+            <a:headEnd type="none" w="med" len="med"/>
+            <a:tailEnd type="arrow"/>
+          </a:ln>
+        </p:spPr>
+        <p:style>
+          <a:lnRef idx="2">
+            <a:schemeClr val="accent1">
+              <a:shade val="50000"/>
+            </a:schemeClr>
+          </a:lnRef>
+          <a:fillRef idx="1">
+            <a:schemeClr val="accent1"/>
+          </a:fillRef>
+          <a:effectRef idx="0">
+            <a:schemeClr val="accent1"/>
+          </a:effectRef>
+          <a:fontRef idx="minor">
+            <a:schemeClr val="lt1"/>
+          </a:fontRef>
+        </p:style>
+      </p:cxnSp>
+    </p:spTree>
+    <p:extLst>
+      <p:ext uri="{BB962C8B-B14F-4D97-AF65-F5344CB8AC3E}">
+        <p14:creationId xmlns:p14="http://schemas.microsoft.com/office/powerpoint/2010/main" val="2079890448"/>
+      </p:ext>
+    </p:extLst>
+  </p:cSld>
+  <p:clrMapOvr>
+    <a:masterClrMapping/>
+  </p:clrMapOvr>
+</p:sld>
+</file>
+
+<file path=ppt/slides/slide11.xml><?xml version="1.0" encoding="utf-8"?>
+<p:sld xmlns:a="http://schemas.openxmlformats.org/drawingml/2006/main" xmlns:r="http://schemas.openxmlformats.org/officeDocument/2006/relationships" xmlns:p="http://schemas.openxmlformats.org/presentationml/2006/main">
+  <p:cSld>
+    <p:spTree>
+      <p:nvGrpSpPr>
+        <p:cNvPr id="1" name=""/>
+        <p:cNvGrpSpPr/>
+        <p:nvPr/>
+      </p:nvGrpSpPr>
+      <p:grpSpPr>
+        <a:xfrm>
+          <a:off x="0" y="0"/>
+          <a:ext cx="0" cy="0"/>
+          <a:chOff x="0" y="0"/>
+          <a:chExt cx="0" cy="0"/>
+        </a:xfrm>
+      </p:grpSpPr>
+      <p:sp>
+        <p:nvSpPr>
+          <p:cNvPr id="2" name="Snip Same Side Corner Rectangle 1"/>
+          <p:cNvSpPr/>
+          <p:nvPr/>
+        </p:nvSpPr>
+        <p:spPr bwMode="auto">
+          <a:xfrm>
+            <a:off x="5019878" y="5240820"/>
+            <a:ext cx="3143272" cy="714380"/>
+          </a:xfrm>
+          <a:prstGeom prst="snip2SameRect">
+            <a:avLst/>
+          </a:prstGeom>
+          <a:ln>
+            <a:headEnd type="none" w="med" len="med"/>
+            <a:tailEnd type="none" w="med" len="med"/>
+          </a:ln>
+        </p:spPr>
+        <p:style>
+          <a:lnRef idx="2">
+            <a:schemeClr val="accent3">
+              <a:shade val="50000"/>
+            </a:schemeClr>
+          </a:lnRef>
+          <a:fillRef idx="1">
+            <a:schemeClr val="accent3"/>
+          </a:fillRef>
+          <a:effectRef idx="0">
+            <a:schemeClr val="accent3"/>
+          </a:effectRef>
+          <a:fontRef idx="minor">
+            <a:schemeClr val="lt1"/>
+          </a:fontRef>
+        </p:style>
+        <p:txBody>
+          <a:bodyPr vert="horz" wrap="square" lIns="91436" tIns="45718" rIns="91436" bIns="45718" numCol="1" rtlCol="0" anchor="ctr" anchorCtr="0" compatLnSpc="1">
+            <a:prstTxWarp prst="textNoShape">
+              <a:avLst/>
+            </a:prstTxWarp>
+          </a:bodyPr>
+          <a:lstStyle/>
+          <a:p>
+            <a:pPr algn="ctr" defTabSz="914099" fontAlgn="base">
+              <a:spcBef>
+                <a:spcPct val="0"/>
+              </a:spcBef>
+              <a:spcAft>
+                <a:spcPct val="0"/>
+              </a:spcAft>
+            </a:pPr>
+            <a:r>
+              <a:rPr lang="pt-PT" sz="2000" dirty="0" err="1" smtClean="0">
+                <a:solidFill>
+                  <a:schemeClr val="tx1"/>
+                </a:solidFill>
+                <a:latin typeface="Consolas" pitchFamily="49" charset="0"/>
+              </a:rPr>
+              <a:t>ChannelDispatcher</a:t>
+            </a:r>
+            <a:endParaRPr lang="pt-PT" sz="2300" dirty="0" smtClean="0">
+              <a:solidFill>
+                <a:schemeClr val="tx1"/>
+              </a:solidFill>
+              <a:latin typeface="Consolas" pitchFamily="49" charset="0"/>
+            </a:endParaRPr>
+          </a:p>
+        </p:txBody>
+      </p:sp>
+      <p:sp>
+        <p:nvSpPr>
+          <p:cNvPr id="3" name="Rectangle 2"/>
+          <p:cNvSpPr/>
+          <p:nvPr/>
+        </p:nvSpPr>
+        <p:spPr bwMode="auto">
+          <a:xfrm>
+            <a:off x="5010254" y="6146202"/>
+            <a:ext cx="3143272" cy="451149"/>
+          </a:xfrm>
+          <a:prstGeom prst="rect">
+            <a:avLst/>
+          </a:prstGeom>
+          <a:ln>
+            <a:headEnd type="none" w="med" len="med"/>
+            <a:tailEnd type="none" w="med" len="med"/>
+          </a:ln>
+        </p:spPr>
+        <p:style>
+          <a:lnRef idx="2">
+            <a:schemeClr val="accent1">
+              <a:shade val="50000"/>
+            </a:schemeClr>
+          </a:lnRef>
+          <a:fillRef idx="1">
+            <a:schemeClr val="accent1"/>
+          </a:fillRef>
+          <a:effectRef idx="0">
+            <a:schemeClr val="accent1"/>
+          </a:effectRef>
+          <a:fontRef idx="minor">
+            <a:schemeClr val="lt1"/>
+          </a:fontRef>
+        </p:style>
+        <p:txBody>
+          <a:bodyPr vert="horz" wrap="square" lIns="91436" tIns="45718" rIns="91436" bIns="45718" numCol="1" rtlCol="0" anchor="ctr" anchorCtr="0" compatLnSpc="1">
+            <a:prstTxWarp prst="textNoShape">
+              <a:avLst/>
+            </a:prstTxWarp>
+          </a:bodyPr>
+          <a:lstStyle/>
+          <a:p>
+            <a:pPr algn="ctr" defTabSz="914099" fontAlgn="base">
+              <a:spcBef>
+                <a:spcPct val="0"/>
+              </a:spcBef>
+              <a:spcAft>
+                <a:spcPct val="0"/>
+              </a:spcAft>
+            </a:pPr>
+            <a:r>
+              <a:rPr lang="pt-PT" sz="2000" dirty="0" smtClean="0">
+                <a:solidFill>
+                  <a:schemeClr val="tx1"/>
+                </a:solidFill>
+                <a:latin typeface="Segoe" pitchFamily="34" charset="0"/>
+              </a:rPr>
+              <a:t>Channel</a:t>
+            </a:r>
+            <a:endParaRPr lang="pt-PT" sz="2300" dirty="0" smtClean="0">
+              <a:solidFill>
+                <a:schemeClr val="tx1"/>
+              </a:solidFill>
+              <a:latin typeface="Segoe" pitchFamily="34" charset="0"/>
+            </a:endParaRPr>
+          </a:p>
+        </p:txBody>
+      </p:sp>
+      <p:sp>
+        <p:nvSpPr>
+          <p:cNvPr id="4" name="Line 12"/>
+          <p:cNvSpPr>
+            <a:spLocks noChangeShapeType="1"/>
+          </p:cNvSpPr>
+          <p:nvPr/>
+        </p:nvSpPr>
+        <p:spPr bwMode="auto">
+          <a:xfrm>
+            <a:off x="4714876" y="4717442"/>
+            <a:ext cx="503238" cy="0"/>
+          </a:xfrm>
+          <a:prstGeom prst="line">
+            <a:avLst/>
+          </a:prstGeom>
+          <a:noFill/>
+          <a:ln w="38100">
+            <a:solidFill>
+              <a:schemeClr val="tx1"/>
+            </a:solidFill>
+            <a:round/>
+            <a:headEnd type="none" w="sm" len="sm"/>
+            <a:tailEnd type="oval" w="lg" len="lg"/>
+          </a:ln>
+          <a:effectLst/>
+        </p:spPr>
+        <p:txBody>
+          <a:bodyPr tIns="91440" bIns="91440" anchor="ctr">
+            <a:spAutoFit/>
+          </a:bodyPr>
+          <a:lstStyle/>
+          <a:p>
+            <a:endParaRPr lang="en-US" sz="1600">
+              <a:solidFill>
+                <a:schemeClr val="bg1"/>
+              </a:solidFill>
+              <a:latin typeface="Consolas" pitchFamily="49" charset="0"/>
+            </a:endParaRPr>
+          </a:p>
+        </p:txBody>
+      </p:sp>
+      <p:sp>
+        <p:nvSpPr>
+          <p:cNvPr id="5" name="TextBox 4"/>
+          <p:cNvSpPr txBox="1"/>
+          <p:nvPr/>
+        </p:nvSpPr>
+        <p:spPr>
+          <a:xfrm>
+            <a:off x="5357818" y="4503128"/>
+            <a:ext cx="3438762" cy="338554"/>
+          </a:xfrm>
+          <a:prstGeom prst="rect">
+            <a:avLst/>
+          </a:prstGeom>
+          <a:noFill/>
+        </p:spPr>
+        <p:txBody>
+          <a:bodyPr wrap="none" rtlCol="0">
+            <a:spAutoFit/>
+          </a:bodyPr>
+          <a:lstStyle/>
+          <a:p>
+            <a:r>
+              <a:rPr lang="pt-PT" sz="1600" dirty="0" err="1" smtClean="0">
+                <a:latin typeface="Consolas" pitchFamily="49" charset="0"/>
+              </a:rPr>
+              <a:t>AddressFilter</a:t>
+            </a:r>
+            <a:r>
+              <a:rPr lang="pt-PT" sz="1600" dirty="0" smtClean="0">
+                <a:latin typeface="Consolas" pitchFamily="49" charset="0"/>
+              </a:rPr>
+              <a:t>, </a:t>
+            </a:r>
+            <a:r>
+              <a:rPr lang="pt-PT" sz="1600" dirty="0" err="1" smtClean="0">
+                <a:latin typeface="Consolas" pitchFamily="49" charset="0"/>
+              </a:rPr>
+              <a:t>ContractFilter</a:t>
+            </a:r>
+            <a:endParaRPr lang="pt-PT" sz="1600" dirty="0">
+              <a:latin typeface="Consolas" pitchFamily="49" charset="0"/>
+            </a:endParaRPr>
+          </a:p>
+        </p:txBody>
+      </p:sp>
+      <p:sp>
+        <p:nvSpPr>
+          <p:cNvPr id="6" name="Line 12"/>
+          <p:cNvSpPr>
+            <a:spLocks noChangeShapeType="1"/>
+          </p:cNvSpPr>
+          <p:nvPr/>
+        </p:nvSpPr>
+        <p:spPr bwMode="auto">
+          <a:xfrm>
+            <a:off x="4714876" y="4145938"/>
+            <a:ext cx="503238" cy="0"/>
+          </a:xfrm>
+          <a:prstGeom prst="line">
+            <a:avLst/>
+          </a:prstGeom>
+          <a:noFill/>
+          <a:ln w="38100">
+            <a:solidFill>
+              <a:schemeClr val="tx1"/>
+            </a:solidFill>
+            <a:round/>
+            <a:headEnd type="none" w="sm" len="sm"/>
+            <a:tailEnd type="oval" w="lg" len="lg"/>
+          </a:ln>
+          <a:effectLst/>
+        </p:spPr>
+        <p:txBody>
+          <a:bodyPr tIns="91440" bIns="91440" anchor="ctr">
+            <a:spAutoFit/>
+          </a:bodyPr>
+          <a:lstStyle/>
+          <a:p>
+            <a:endParaRPr lang="en-US" sz="1600">
+              <a:solidFill>
+                <a:schemeClr val="bg1"/>
+              </a:solidFill>
+              <a:latin typeface="Consolas" pitchFamily="49" charset="0"/>
+            </a:endParaRPr>
+          </a:p>
+        </p:txBody>
+      </p:sp>
+      <p:sp>
+        <p:nvSpPr>
+          <p:cNvPr id="7" name="TextBox 6"/>
+          <p:cNvSpPr txBox="1"/>
+          <p:nvPr/>
+        </p:nvSpPr>
+        <p:spPr>
+          <a:xfrm>
+            <a:off x="5357818" y="3931624"/>
+            <a:ext cx="2092239" cy="338554"/>
+          </a:xfrm>
+          <a:prstGeom prst="rect">
+            <a:avLst/>
+          </a:prstGeom>
+          <a:noFill/>
+        </p:spPr>
+        <p:txBody>
+          <a:bodyPr wrap="none" rtlCol="0">
+            <a:spAutoFit/>
+          </a:bodyPr>
+          <a:lstStyle/>
+          <a:p>
+            <a:r>
+              <a:rPr lang="pt-PT" sz="1600" dirty="0" err="1" smtClean="0">
+                <a:latin typeface="Consolas" pitchFamily="49" charset="0"/>
+              </a:rPr>
+              <a:t>MessageInspectors</a:t>
+            </a:r>
+            <a:endParaRPr lang="pt-PT" sz="1600" dirty="0">
+              <a:latin typeface="Consolas" pitchFamily="49" charset="0"/>
+            </a:endParaRPr>
+          </a:p>
+        </p:txBody>
+      </p:sp>
+      <p:sp>
+        <p:nvSpPr>
+          <p:cNvPr id="8" name="Line 12"/>
+          <p:cNvSpPr>
+            <a:spLocks noChangeShapeType="1"/>
+          </p:cNvSpPr>
+          <p:nvPr/>
+        </p:nvSpPr>
+        <p:spPr bwMode="auto">
+          <a:xfrm>
+            <a:off x="4724501" y="3836875"/>
+            <a:ext cx="503238" cy="0"/>
+          </a:xfrm>
+          <a:prstGeom prst="line">
+            <a:avLst/>
+          </a:prstGeom>
+          <a:noFill/>
+          <a:ln w="38100">
+            <a:solidFill>
+              <a:schemeClr val="tx1"/>
+            </a:solidFill>
+            <a:round/>
+            <a:headEnd type="none" w="sm" len="sm"/>
+            <a:tailEnd type="oval" w="lg" len="lg"/>
+          </a:ln>
+          <a:effectLst/>
+        </p:spPr>
+        <p:txBody>
+          <a:bodyPr tIns="91440" bIns="91440" anchor="ctr">
+            <a:spAutoFit/>
+          </a:bodyPr>
+          <a:lstStyle/>
+          <a:p>
+            <a:endParaRPr lang="en-US" sz="1600">
+              <a:solidFill>
+                <a:schemeClr val="bg1"/>
+              </a:solidFill>
+              <a:latin typeface="Consolas" pitchFamily="49" charset="0"/>
+            </a:endParaRPr>
+          </a:p>
+        </p:txBody>
+      </p:sp>
+      <p:sp>
+        <p:nvSpPr>
+          <p:cNvPr id="9" name="TextBox 8"/>
+          <p:cNvSpPr txBox="1"/>
+          <p:nvPr/>
+        </p:nvSpPr>
+        <p:spPr>
+          <a:xfrm>
+            <a:off x="5367443" y="3622561"/>
+            <a:ext cx="2092239" cy="338554"/>
+          </a:xfrm>
+          <a:prstGeom prst="rect">
+            <a:avLst/>
+          </a:prstGeom>
+          <a:noFill/>
+        </p:spPr>
+        <p:txBody>
+          <a:bodyPr wrap="none" rtlCol="0">
+            <a:spAutoFit/>
+          </a:bodyPr>
+          <a:lstStyle/>
+          <a:p>
+            <a:r>
+              <a:rPr lang="pt-PT" sz="1600" dirty="0" err="1" smtClean="0">
+                <a:latin typeface="Consolas" pitchFamily="49" charset="0"/>
+              </a:rPr>
+              <a:t>OperationSelector</a:t>
+            </a:r>
+            <a:endParaRPr lang="pt-PT" sz="1600" dirty="0">
+              <a:latin typeface="Consolas" pitchFamily="49" charset="0"/>
+            </a:endParaRPr>
+          </a:p>
+        </p:txBody>
+      </p:sp>
+      <p:sp>
+        <p:nvSpPr>
+          <p:cNvPr id="10" name="Line 12"/>
+          <p:cNvSpPr>
+            <a:spLocks noChangeShapeType="1"/>
+          </p:cNvSpPr>
+          <p:nvPr/>
+        </p:nvSpPr>
+        <p:spPr bwMode="auto">
+          <a:xfrm>
+            <a:off x="4724501" y="3479685"/>
+            <a:ext cx="503238" cy="0"/>
+          </a:xfrm>
+          <a:prstGeom prst="line">
+            <a:avLst/>
+          </a:prstGeom>
+          <a:noFill/>
+          <a:ln w="38100">
+            <a:solidFill>
+              <a:schemeClr val="tx1"/>
+            </a:solidFill>
+            <a:round/>
+            <a:headEnd type="none" w="sm" len="sm"/>
+            <a:tailEnd type="oval" w="lg" len="lg"/>
+          </a:ln>
+          <a:effectLst/>
+        </p:spPr>
+        <p:txBody>
+          <a:bodyPr tIns="91440" bIns="91440" anchor="ctr">
+            <a:spAutoFit/>
+          </a:bodyPr>
+          <a:lstStyle/>
+          <a:p>
+            <a:endParaRPr lang="en-US" sz="1600">
+              <a:solidFill>
+                <a:schemeClr val="bg1"/>
+              </a:solidFill>
+              <a:latin typeface="Consolas" pitchFamily="49" charset="0"/>
+            </a:endParaRPr>
+          </a:p>
+        </p:txBody>
+      </p:sp>
+      <p:sp>
+        <p:nvSpPr>
+          <p:cNvPr id="11" name="TextBox 10"/>
+          <p:cNvSpPr txBox="1"/>
+          <p:nvPr/>
+        </p:nvSpPr>
+        <p:spPr>
+          <a:xfrm>
+            <a:off x="5367443" y="3265371"/>
+            <a:ext cx="1980029" cy="338554"/>
+          </a:xfrm>
+          <a:prstGeom prst="rect">
+            <a:avLst/>
+          </a:prstGeom>
+          <a:noFill/>
+        </p:spPr>
+        <p:txBody>
+          <a:bodyPr wrap="none" rtlCol="0">
+            <a:spAutoFit/>
+          </a:bodyPr>
+          <a:lstStyle/>
+          <a:p>
+            <a:r>
+              <a:rPr lang="pt-PT" sz="1600" dirty="0" err="1" smtClean="0">
+                <a:latin typeface="Consolas" pitchFamily="49" charset="0"/>
+              </a:rPr>
+              <a:t>InstanceProvider</a:t>
+            </a:r>
+            <a:endParaRPr lang="pt-PT" sz="1600" dirty="0">
+              <a:latin typeface="Consolas" pitchFamily="49" charset="0"/>
+            </a:endParaRPr>
+          </a:p>
+        </p:txBody>
+      </p:sp>
+      <p:sp>
+        <p:nvSpPr>
+          <p:cNvPr id="12" name="Oval 11"/>
+          <p:cNvSpPr/>
+          <p:nvPr/>
+        </p:nvSpPr>
+        <p:spPr bwMode="auto">
+          <a:xfrm>
+            <a:off x="357158" y="870918"/>
+            <a:ext cx="2714644" cy="785818"/>
+          </a:xfrm>
+          <a:prstGeom prst="ellipse">
+            <a:avLst/>
+          </a:prstGeom>
+          <a:ln>
+            <a:headEnd type="none" w="med" len="med"/>
+            <a:tailEnd type="none" w="med" len="med"/>
+          </a:ln>
+        </p:spPr>
+        <p:style>
+          <a:lnRef idx="0">
+            <a:schemeClr val="accent5"/>
+          </a:lnRef>
+          <a:fillRef idx="3">
+            <a:schemeClr val="accent5"/>
+          </a:fillRef>
+          <a:effectRef idx="3">
+            <a:schemeClr val="accent5"/>
+          </a:effectRef>
+          <a:fontRef idx="minor">
+            <a:schemeClr val="lt1"/>
+          </a:fontRef>
+        </p:style>
+        <p:txBody>
+          <a:bodyPr vert="horz" wrap="square" lIns="91436" tIns="45718" rIns="91436" bIns="45718" numCol="1" rtlCol="0" anchor="ctr" anchorCtr="0" compatLnSpc="1">
+            <a:prstTxWarp prst="textNoShape">
+              <a:avLst/>
+            </a:prstTxWarp>
+          </a:bodyPr>
+          <a:lstStyle/>
+          <a:p>
+            <a:pPr algn="ctr" defTabSz="914099" fontAlgn="base">
+              <a:spcBef>
+                <a:spcPct val="0"/>
+              </a:spcBef>
+              <a:spcAft>
+                <a:spcPct val="0"/>
+              </a:spcAft>
+            </a:pPr>
+            <a:r>
+              <a:rPr lang="pt-PT" dirty="0" smtClean="0">
+                <a:solidFill>
+                  <a:schemeClr val="tx1"/>
+                </a:solidFill>
+                <a:latin typeface="Segoe" pitchFamily="34" charset="0"/>
+              </a:rPr>
+              <a:t>Instance.method</a:t>
+            </a:r>
+            <a:endParaRPr lang="pt-PT" dirty="0" smtClean="0">
+              <a:solidFill>
+                <a:schemeClr val="tx1"/>
+              </a:solidFill>
+              <a:latin typeface="Segoe" pitchFamily="34" charset="0"/>
+            </a:endParaRPr>
+          </a:p>
+        </p:txBody>
+      </p:sp>
+      <p:sp>
+        <p:nvSpPr>
+          <p:cNvPr id="13" name="Line 12"/>
+          <p:cNvSpPr>
+            <a:spLocks noChangeShapeType="1"/>
+          </p:cNvSpPr>
+          <p:nvPr/>
+        </p:nvSpPr>
+        <p:spPr bwMode="auto">
+          <a:xfrm>
+            <a:off x="3152865" y="2542868"/>
+            <a:ext cx="503238" cy="0"/>
+          </a:xfrm>
+          <a:prstGeom prst="line">
+            <a:avLst/>
+          </a:prstGeom>
+          <a:noFill/>
+          <a:ln w="38100">
+            <a:solidFill>
+              <a:schemeClr val="tx1"/>
+            </a:solidFill>
+            <a:round/>
+            <a:headEnd type="none" w="sm" len="sm"/>
+            <a:tailEnd type="oval" w="lg" len="lg"/>
+          </a:ln>
+          <a:effectLst/>
+        </p:spPr>
+        <p:txBody>
+          <a:bodyPr tIns="91440" bIns="91440" anchor="ctr">
+            <a:spAutoFit/>
+          </a:bodyPr>
+          <a:lstStyle/>
+          <a:p>
+            <a:endParaRPr lang="en-US">
+              <a:solidFill>
+                <a:schemeClr val="bg1"/>
+              </a:solidFill>
+              <a:effectLst>
+                <a:outerShdw blurRad="38100" dist="38100" dir="2700000" algn="tl">
+                  <a:srgbClr val="000000">
+                    <a:alpha val="43137"/>
+                  </a:srgbClr>
+                </a:outerShdw>
+              </a:effectLst>
+            </a:endParaRPr>
+          </a:p>
+        </p:txBody>
+      </p:sp>
+      <p:sp>
+        <p:nvSpPr>
+          <p:cNvPr id="14" name="TextBox 13"/>
+          <p:cNvSpPr txBox="1"/>
+          <p:nvPr/>
+        </p:nvSpPr>
+        <p:spPr>
+          <a:xfrm>
+            <a:off x="3786182" y="2745789"/>
+            <a:ext cx="1245181" cy="338554"/>
+          </a:xfrm>
+          <a:prstGeom prst="rect">
+            <a:avLst/>
+          </a:prstGeom>
+          <a:noFill/>
+        </p:spPr>
+        <p:txBody>
+          <a:bodyPr wrap="square" rtlCol="0">
+            <a:spAutoFit/>
+          </a:bodyPr>
+          <a:lstStyle/>
+          <a:p>
+            <a:r>
+              <a:rPr lang="pt-PT" sz="1600" dirty="0" err="1" smtClean="0">
+                <a:latin typeface="Consolas" pitchFamily="49" charset="0"/>
+              </a:rPr>
+              <a:t>Formatter</a:t>
+            </a:r>
+            <a:endParaRPr lang="pt-PT" sz="1600" dirty="0">
+              <a:latin typeface="Consolas" pitchFamily="49" charset="0"/>
+            </a:endParaRPr>
+          </a:p>
+        </p:txBody>
+      </p:sp>
+      <p:sp>
+        <p:nvSpPr>
+          <p:cNvPr id="15" name="Line 12"/>
+          <p:cNvSpPr>
+            <a:spLocks noChangeShapeType="1"/>
+          </p:cNvSpPr>
+          <p:nvPr/>
+        </p:nvSpPr>
+        <p:spPr bwMode="auto">
+          <a:xfrm>
+            <a:off x="3152865" y="2185678"/>
+            <a:ext cx="503238" cy="0"/>
+          </a:xfrm>
+          <a:prstGeom prst="line">
+            <a:avLst/>
+          </a:prstGeom>
+          <a:noFill/>
+          <a:ln w="38100">
+            <a:solidFill>
+              <a:schemeClr val="tx1"/>
+            </a:solidFill>
+            <a:round/>
+            <a:headEnd type="none" w="sm" len="sm"/>
+            <a:tailEnd type="oval" w="lg" len="lg"/>
+          </a:ln>
+          <a:effectLst/>
+        </p:spPr>
+        <p:txBody>
+          <a:bodyPr tIns="91440" bIns="91440" anchor="ctr">
+            <a:spAutoFit/>
+          </a:bodyPr>
+          <a:lstStyle/>
+          <a:p>
+            <a:endParaRPr lang="en-US">
+              <a:solidFill>
+                <a:schemeClr val="bg1"/>
+              </a:solidFill>
+              <a:effectLst>
+                <a:outerShdw blurRad="38100" dist="38100" dir="2700000" algn="tl">
+                  <a:srgbClr val="000000">
+                    <a:alpha val="43137"/>
+                  </a:srgbClr>
+                </a:outerShdw>
+              </a:effectLst>
+            </a:endParaRPr>
+          </a:p>
+        </p:txBody>
+      </p:sp>
+      <p:sp>
+        <p:nvSpPr>
+          <p:cNvPr id="16" name="TextBox 15"/>
+          <p:cNvSpPr txBox="1"/>
+          <p:nvPr/>
+        </p:nvSpPr>
+        <p:spPr>
+          <a:xfrm>
+            <a:off x="3795807" y="1971364"/>
+            <a:ext cx="970137" cy="338554"/>
+          </a:xfrm>
+          <a:prstGeom prst="rect">
+            <a:avLst/>
+          </a:prstGeom>
+          <a:noFill/>
+        </p:spPr>
+        <p:txBody>
+          <a:bodyPr wrap="none" rtlCol="0">
+            <a:spAutoFit/>
+          </a:bodyPr>
+          <a:lstStyle/>
+          <a:p>
+            <a:r>
+              <a:rPr lang="pt-PT" sz="1600" dirty="0" err="1" smtClean="0">
+                <a:latin typeface="Consolas" pitchFamily="49" charset="0"/>
+              </a:rPr>
+              <a:t>Invoker</a:t>
+            </a:r>
+            <a:endParaRPr lang="pt-PT" sz="1600" dirty="0">
+              <a:latin typeface="Consolas" pitchFamily="49" charset="0"/>
+            </a:endParaRPr>
+          </a:p>
+        </p:txBody>
+      </p:sp>
+      <p:sp>
+        <p:nvSpPr>
+          <p:cNvPr id="17" name="Line 12"/>
+          <p:cNvSpPr>
+            <a:spLocks noChangeShapeType="1"/>
+          </p:cNvSpPr>
+          <p:nvPr/>
+        </p:nvSpPr>
+        <p:spPr bwMode="auto">
+          <a:xfrm>
+            <a:off x="3143240" y="2875243"/>
+            <a:ext cx="503238" cy="0"/>
+          </a:xfrm>
+          <a:prstGeom prst="line">
+            <a:avLst/>
+          </a:prstGeom>
+          <a:noFill/>
+          <a:ln w="38100">
+            <a:solidFill>
+              <a:schemeClr val="tx1"/>
+            </a:solidFill>
+            <a:round/>
+            <a:headEnd type="none" w="sm" len="sm"/>
+            <a:tailEnd type="oval" w="lg" len="lg"/>
+          </a:ln>
+          <a:effectLst/>
+        </p:spPr>
+        <p:txBody>
+          <a:bodyPr tIns="91440" bIns="91440" anchor="ctr">
+            <a:spAutoFit/>
+          </a:bodyPr>
+          <a:lstStyle/>
+          <a:p>
+            <a:endParaRPr lang="en-US">
+              <a:solidFill>
+                <a:schemeClr val="bg1"/>
+              </a:solidFill>
+              <a:effectLst>
+                <a:outerShdw blurRad="38100" dist="38100" dir="2700000" algn="tl">
+                  <a:srgbClr val="000000">
+                    <a:alpha val="43137"/>
+                  </a:srgbClr>
+                </a:outerShdw>
+              </a:effectLst>
+            </a:endParaRPr>
+          </a:p>
+        </p:txBody>
+      </p:sp>
+      <p:sp>
+        <p:nvSpPr>
+          <p:cNvPr id="18" name="TextBox 17"/>
+          <p:cNvSpPr txBox="1"/>
+          <p:nvPr/>
+        </p:nvSpPr>
+        <p:spPr>
+          <a:xfrm>
+            <a:off x="3786182" y="2373591"/>
+            <a:ext cx="2316660" cy="338554"/>
+          </a:xfrm>
+          <a:prstGeom prst="rect">
+            <a:avLst/>
+          </a:prstGeom>
+          <a:noFill/>
+        </p:spPr>
+        <p:txBody>
+          <a:bodyPr wrap="none" rtlCol="0">
+            <a:spAutoFit/>
+          </a:bodyPr>
+          <a:lstStyle/>
+          <a:p>
+            <a:r>
+              <a:rPr lang="pt-PT" sz="1600" dirty="0" err="1" smtClean="0">
+                <a:latin typeface="Consolas" pitchFamily="49" charset="0"/>
+              </a:rPr>
+              <a:t>ParameterInspectors</a:t>
+            </a:r>
+            <a:endParaRPr lang="pt-PT" sz="1600" dirty="0">
+              <a:latin typeface="Consolas" pitchFamily="49" charset="0"/>
+            </a:endParaRPr>
+          </a:p>
+        </p:txBody>
+      </p:sp>
+      <p:cxnSp>
+        <p:nvCxnSpPr>
+          <p:cNvPr id="19" name="Shape 33"/>
+          <p:cNvCxnSpPr>
+            <a:stCxn id="2" idx="3"/>
+            <a:endCxn id="28" idx="1"/>
+          </p:cNvCxnSpPr>
+          <p:nvPr/>
+        </p:nvCxnSpPr>
+        <p:spPr bwMode="auto">
+          <a:xfrm rot="16200000" flipV="1">
+            <a:off x="4802143" y="3451448"/>
+            <a:ext cx="237626" cy="3341117"/>
+          </a:xfrm>
+          <a:prstGeom prst="bentConnector3">
+            <a:avLst>
+              <a:gd name="adj1" fmla="val 50000"/>
+            </a:avLst>
+          </a:prstGeom>
+          <a:solidFill>
+            <a:schemeClr val="accent1"/>
+          </a:solidFill>
+          <a:ln w="9525" cap="flat" cmpd="sng" algn="ctr">
+            <a:solidFill>
+              <a:schemeClr val="tx1"/>
+            </a:solidFill>
+            <a:prstDash val="solid"/>
+            <a:round/>
+            <a:headEnd type="none" w="med" len="med"/>
+            <a:tailEnd type="arrow"/>
+          </a:ln>
+          <a:effectLst/>
+        </p:spPr>
+      </p:cxnSp>
+      <p:cxnSp>
+        <p:nvCxnSpPr>
+          <p:cNvPr id="20" name="Shape 33"/>
+          <p:cNvCxnSpPr>
+            <a:stCxn id="29" idx="3"/>
+            <a:endCxn id="30" idx="1"/>
+          </p:cNvCxnSpPr>
+          <p:nvPr/>
+        </p:nvCxnSpPr>
+        <p:spPr bwMode="auto">
+          <a:xfrm rot="16200000" flipV="1">
+            <a:off x="2335953" y="2396645"/>
+            <a:ext cx="292972" cy="1535917"/>
+          </a:xfrm>
+          <a:prstGeom prst="bentConnector3">
+            <a:avLst>
+              <a:gd name="adj1" fmla="val 50000"/>
+            </a:avLst>
+          </a:prstGeom>
+          <a:solidFill>
+            <a:schemeClr val="accent1"/>
+          </a:solidFill>
+          <a:ln w="9525" cap="flat" cmpd="sng" algn="ctr">
+            <a:solidFill>
+              <a:schemeClr val="tx1"/>
+            </a:solidFill>
+            <a:prstDash val="solid"/>
+            <a:round/>
+            <a:headEnd type="none" w="med" len="med"/>
+            <a:tailEnd type="arrow"/>
+          </a:ln>
+          <a:effectLst/>
+        </p:spPr>
+      </p:cxnSp>
+      <p:cxnSp>
+        <p:nvCxnSpPr>
+          <p:cNvPr id="21" name="Shape 33"/>
+          <p:cNvCxnSpPr>
+            <a:stCxn id="30" idx="3"/>
+            <a:endCxn id="12" idx="4"/>
+          </p:cNvCxnSpPr>
+          <p:nvPr/>
+        </p:nvCxnSpPr>
+        <p:spPr bwMode="auto">
+          <a:xfrm rot="5400000" flipH="1" flipV="1">
+            <a:off x="1565885" y="1805332"/>
+            <a:ext cx="297191" cy="1588"/>
+          </a:xfrm>
+          <a:prstGeom prst="bentConnector3">
+            <a:avLst>
+              <a:gd name="adj1" fmla="val 50000"/>
+            </a:avLst>
+          </a:prstGeom>
+          <a:solidFill>
+            <a:schemeClr val="accent1"/>
+          </a:solidFill>
+          <a:ln w="9525" cap="flat" cmpd="sng" algn="ctr">
+            <a:solidFill>
+              <a:schemeClr val="tx1"/>
+            </a:solidFill>
+            <a:prstDash val="solid"/>
+            <a:round/>
+            <a:headEnd type="none" w="med" len="med"/>
+            <a:tailEnd type="arrow"/>
+          </a:ln>
+          <a:effectLst/>
+        </p:spPr>
+      </p:cxnSp>
+      <p:sp>
+        <p:nvSpPr>
+          <p:cNvPr id="22" name="Oval 21"/>
+          <p:cNvSpPr/>
+          <p:nvPr/>
+        </p:nvSpPr>
+        <p:spPr bwMode="auto">
+          <a:xfrm>
+            <a:off x="6643702" y="1571612"/>
+            <a:ext cx="2286016" cy="857256"/>
+          </a:xfrm>
+          <a:prstGeom prst="ellipse">
+            <a:avLst/>
+          </a:prstGeom>
+          <a:ln>
+            <a:headEnd type="none" w="med" len="med"/>
+            <a:tailEnd type="none" w="med" len="med"/>
+          </a:ln>
+        </p:spPr>
+        <p:style>
+          <a:lnRef idx="0">
+            <a:schemeClr val="accent2"/>
+          </a:lnRef>
+          <a:fillRef idx="3">
+            <a:schemeClr val="accent2"/>
+          </a:fillRef>
+          <a:effectRef idx="3">
+            <a:schemeClr val="accent2"/>
+          </a:effectRef>
+          <a:fontRef idx="minor">
+            <a:schemeClr val="lt1"/>
+          </a:fontRef>
+        </p:style>
+        <p:txBody>
+          <a:bodyPr vert="horz" wrap="square" lIns="91436" tIns="45718" rIns="91436" bIns="45718" numCol="1" rtlCol="0" anchor="ctr" anchorCtr="0" compatLnSpc="1">
+            <a:prstTxWarp prst="textNoShape">
+              <a:avLst/>
+            </a:prstTxWarp>
+          </a:bodyPr>
+          <a:lstStyle/>
+          <a:p>
+            <a:pPr algn="ctr" defTabSz="914099" fontAlgn="base">
+              <a:spcBef>
+                <a:spcPct val="0"/>
+              </a:spcBef>
+              <a:spcAft>
+                <a:spcPct val="0"/>
+              </a:spcAft>
+            </a:pPr>
+            <a:r>
+              <a:rPr lang="pt-PT" sz="2300" dirty="0" err="1" smtClean="0">
+                <a:solidFill>
+                  <a:schemeClr val="tx1"/>
+                </a:solidFill>
+                <a:latin typeface="Segoe" pitchFamily="34" charset="0"/>
+              </a:rPr>
+              <a:t>Behaviors</a:t>
+            </a:r>
+            <a:endParaRPr lang="pt-PT" sz="2300" dirty="0" smtClean="0">
+              <a:solidFill>
+                <a:schemeClr val="tx1"/>
+              </a:solidFill>
+              <a:latin typeface="Segoe" pitchFamily="34" charset="0"/>
+            </a:endParaRPr>
+          </a:p>
+        </p:txBody>
+      </p:sp>
+      <p:sp>
+        <p:nvSpPr>
+          <p:cNvPr id="23" name="Right Arrow 22"/>
+          <p:cNvSpPr/>
+          <p:nvPr/>
+        </p:nvSpPr>
+        <p:spPr bwMode="auto">
+          <a:xfrm rot="9683546">
+            <a:off x="5294263" y="2032680"/>
+            <a:ext cx="1066094" cy="159564"/>
+          </a:xfrm>
+          <a:prstGeom prst="rightArrow">
+            <a:avLst/>
+          </a:prstGeom>
+          <a:ln>
+            <a:headEnd type="none" w="med" len="med"/>
+            <a:tailEnd type="none" w="med" len="med"/>
+          </a:ln>
+        </p:spPr>
+        <p:style>
+          <a:lnRef idx="2">
+            <a:schemeClr val="dk1"/>
+          </a:lnRef>
+          <a:fillRef idx="1">
+            <a:schemeClr val="lt1"/>
+          </a:fillRef>
+          <a:effectRef idx="0">
+            <a:schemeClr val="dk1"/>
+          </a:effectRef>
+          <a:fontRef idx="minor">
+            <a:schemeClr val="dk1"/>
+          </a:fontRef>
+        </p:style>
+        <p:txBody>
+          <a:bodyPr vert="horz" wrap="square" lIns="91436" tIns="45718" rIns="91436" bIns="45718" numCol="1" rtlCol="0" anchor="ctr" anchorCtr="0" compatLnSpc="1">
+            <a:prstTxWarp prst="textNoShape">
+              <a:avLst/>
+            </a:prstTxWarp>
+          </a:bodyPr>
+          <a:lstStyle/>
+          <a:p>
+            <a:pPr algn="ctr" defTabSz="914099" fontAlgn="base">
+              <a:spcBef>
+                <a:spcPct val="0"/>
+              </a:spcBef>
+              <a:spcAft>
+                <a:spcPct val="0"/>
+              </a:spcAft>
+            </a:pPr>
+            <a:endParaRPr lang="pt-PT" sz="2400" dirty="0" smtClean="0">
+              <a:solidFill>
+                <a:srgbClr val="FFFFFF"/>
+              </a:solidFill>
+              <a:effectLst>
+                <a:outerShdw blurRad="38100" dist="38100" dir="2700000" algn="tl">
+                  <a:srgbClr val="000000">
+                    <a:alpha val="43137"/>
+                  </a:srgbClr>
+                </a:outerShdw>
+              </a:effectLst>
+              <a:latin typeface="Consolas" pitchFamily="49" charset="0"/>
+            </a:endParaRPr>
+          </a:p>
+        </p:txBody>
+      </p:sp>
+      <p:sp>
+        <p:nvSpPr>
+          <p:cNvPr id="24" name="Right Arrow 23"/>
+          <p:cNvSpPr/>
+          <p:nvPr/>
+        </p:nvSpPr>
+        <p:spPr bwMode="auto">
+          <a:xfrm rot="6488483">
+            <a:off x="7304257" y="2822824"/>
+            <a:ext cx="671744" cy="184485"/>
+          </a:xfrm>
+          <a:prstGeom prst="rightArrow">
+            <a:avLst/>
+          </a:prstGeom>
+          <a:ln>
+            <a:headEnd type="none" w="med" len="med"/>
+            <a:tailEnd type="none" w="med" len="med"/>
+          </a:ln>
+        </p:spPr>
+        <p:style>
+          <a:lnRef idx="2">
+            <a:schemeClr val="dk1"/>
+          </a:lnRef>
+          <a:fillRef idx="1">
+            <a:schemeClr val="lt1"/>
+          </a:fillRef>
+          <a:effectRef idx="0">
+            <a:schemeClr val="dk1"/>
+          </a:effectRef>
+          <a:fontRef idx="minor">
+            <a:schemeClr val="dk1"/>
+          </a:fontRef>
+        </p:style>
+        <p:txBody>
+          <a:bodyPr vert="horz" wrap="square" lIns="91436" tIns="45718" rIns="91436" bIns="45718" numCol="1" rtlCol="0" anchor="ctr" anchorCtr="0" compatLnSpc="1">
+            <a:prstTxWarp prst="textNoShape">
+              <a:avLst/>
+            </a:prstTxWarp>
+          </a:bodyPr>
+          <a:lstStyle/>
+          <a:p>
+            <a:pPr algn="ctr" defTabSz="914099" fontAlgn="base">
+              <a:spcBef>
+                <a:spcPct val="0"/>
+              </a:spcBef>
+              <a:spcAft>
+                <a:spcPct val="0"/>
+              </a:spcAft>
+            </a:pPr>
+            <a:endParaRPr lang="pt-PT" sz="2400" dirty="0" smtClean="0">
+              <a:solidFill>
+                <a:srgbClr val="FFFFFF"/>
+              </a:solidFill>
+              <a:effectLst>
+                <a:outerShdw blurRad="38100" dist="38100" dir="2700000" algn="tl">
+                  <a:srgbClr val="000000">
+                    <a:alpha val="43137"/>
+                  </a:srgbClr>
+                </a:outerShdw>
+              </a:effectLst>
+              <a:latin typeface="Consolas" pitchFamily="49" charset="0"/>
+            </a:endParaRPr>
+          </a:p>
+        </p:txBody>
+      </p:sp>
+      <p:sp>
+        <p:nvSpPr>
+          <p:cNvPr id="25" name="Rounded Rectangle 24"/>
+          <p:cNvSpPr/>
+          <p:nvPr/>
+        </p:nvSpPr>
+        <p:spPr bwMode="auto">
+          <a:xfrm>
+            <a:off x="299407" y="5245936"/>
+            <a:ext cx="3214710" cy="721727"/>
+          </a:xfrm>
+          <a:prstGeom prst="roundRect">
+            <a:avLst/>
+          </a:prstGeom>
+          <a:ln>
+            <a:headEnd type="none" w="med" len="med"/>
+            <a:tailEnd type="none" w="med" len="med"/>
+          </a:ln>
+        </p:spPr>
+        <p:style>
+          <a:lnRef idx="2">
+            <a:schemeClr val="accent6">
+              <a:shade val="50000"/>
+            </a:schemeClr>
+          </a:lnRef>
+          <a:fillRef idx="1">
+            <a:schemeClr val="accent6"/>
+          </a:fillRef>
+          <a:effectRef idx="0">
+            <a:schemeClr val="accent6"/>
+          </a:effectRef>
+          <a:fontRef idx="minor">
+            <a:schemeClr val="lt1"/>
+          </a:fontRef>
+        </p:style>
+        <p:txBody>
+          <a:bodyPr vert="horz" wrap="square" lIns="91436" tIns="45718" rIns="91436" bIns="45718" numCol="1" rtlCol="0" anchor="ctr" anchorCtr="0" compatLnSpc="1">
+            <a:prstTxWarp prst="textNoShape">
+              <a:avLst/>
+            </a:prstTxWarp>
+          </a:bodyPr>
+          <a:lstStyle/>
+          <a:p>
+            <a:pPr algn="ctr" defTabSz="914099" fontAlgn="base">
+              <a:spcBef>
+                <a:spcPct val="0"/>
+              </a:spcBef>
+              <a:spcAft>
+                <a:spcPct val="0"/>
+              </a:spcAft>
+            </a:pPr>
+            <a:r>
+              <a:rPr lang="pt-PT" sz="2000" dirty="0" err="1" smtClean="0">
+                <a:solidFill>
+                  <a:schemeClr val="tx1"/>
+                </a:solidFill>
+                <a:latin typeface="Consolas" pitchFamily="49" charset="0"/>
+              </a:rPr>
+              <a:t>ServiceHostBase</a:t>
+            </a:r>
+            <a:endParaRPr lang="pt-PT" sz="2300" dirty="0" smtClean="0">
+              <a:solidFill>
+                <a:schemeClr val="tx1"/>
+              </a:solidFill>
+              <a:latin typeface="Consolas" pitchFamily="49" charset="0"/>
+            </a:endParaRPr>
+          </a:p>
+        </p:txBody>
+      </p:sp>
+      <p:cxnSp>
+        <p:nvCxnSpPr>
+          <p:cNvPr id="26" name="Straight Arrow Connector 25"/>
+          <p:cNvCxnSpPr>
+            <a:stCxn id="25" idx="3"/>
+            <a:endCxn id="2" idx="2"/>
+          </p:cNvCxnSpPr>
+          <p:nvPr/>
+        </p:nvCxnSpPr>
+        <p:spPr>
+          <a:xfrm flipV="1">
+            <a:off x="3514117" y="5598010"/>
+            <a:ext cx="1505761" cy="8790"/>
+          </a:xfrm>
+          <a:prstGeom prst="straightConnector1">
+            <a:avLst/>
+          </a:prstGeom>
+          <a:ln>
+            <a:solidFill>
+              <a:schemeClr val="tx1"/>
+            </a:solidFill>
+            <a:tailEnd type="arrow"/>
+          </a:ln>
+        </p:spPr>
+        <p:style>
+          <a:lnRef idx="1">
+            <a:schemeClr val="accent1"/>
+          </a:lnRef>
+          <a:fillRef idx="0">
+            <a:schemeClr val="accent1"/>
+          </a:fillRef>
+          <a:effectRef idx="0">
+            <a:schemeClr val="accent1"/>
+          </a:effectRef>
+          <a:fontRef idx="minor">
+            <a:schemeClr val="tx1"/>
+          </a:fontRef>
+        </p:style>
+      </p:cxnSp>
+      <p:pic>
+        <p:nvPicPr>
+          <p:cNvPr id="27" name="Picture 10" descr="MSN icon envelope only"/>
+          <p:cNvPicPr>
+            <a:picLocks noChangeAspect="1" noChangeArrowheads="1"/>
+          </p:cNvPicPr>
+          <p:nvPr/>
+        </p:nvPicPr>
+        <p:blipFill>
+          <a:blip r:embed="rId2" cstate="print"/>
+          <a:srcRect/>
+          <a:stretch>
+            <a:fillRect/>
+          </a:stretch>
+        </p:blipFill>
+        <p:spPr bwMode="auto">
+          <a:xfrm>
+            <a:off x="8203443" y="5655227"/>
+            <a:ext cx="785812" cy="798512"/>
+          </a:xfrm>
+          <a:prstGeom prst="rect">
+            <a:avLst/>
+          </a:prstGeom>
+          <a:noFill/>
+          <a:ln w="9525">
+            <a:noFill/>
+            <a:miter lim="800000"/>
+            <a:headEnd/>
+            <a:tailEnd/>
+          </a:ln>
+        </p:spPr>
+      </p:pic>
+      <p:sp>
+        <p:nvSpPr>
+          <p:cNvPr id="28" name="Snip Same Side Corner Rectangle 27"/>
+          <p:cNvSpPr/>
+          <p:nvPr/>
+        </p:nvSpPr>
+        <p:spPr bwMode="auto">
+          <a:xfrm>
+            <a:off x="1643042" y="4288814"/>
+            <a:ext cx="3214710" cy="714380"/>
+          </a:xfrm>
+          <a:prstGeom prst="snip2SameRect">
+            <a:avLst/>
+          </a:prstGeom>
+          <a:ln>
+            <a:headEnd type="none" w="med" len="med"/>
+            <a:tailEnd type="none" w="med" len="med"/>
+          </a:ln>
+        </p:spPr>
+        <p:style>
+          <a:lnRef idx="2">
+            <a:schemeClr val="accent3">
+              <a:shade val="50000"/>
+            </a:schemeClr>
+          </a:lnRef>
+          <a:fillRef idx="1">
+            <a:schemeClr val="accent3"/>
+          </a:fillRef>
+          <a:effectRef idx="0">
+            <a:schemeClr val="accent3"/>
+          </a:effectRef>
+          <a:fontRef idx="minor">
+            <a:schemeClr val="lt1"/>
+          </a:fontRef>
+        </p:style>
+        <p:txBody>
+          <a:bodyPr vert="horz" wrap="square" lIns="91436" tIns="45718" rIns="91436" bIns="45718" numCol="1" rtlCol="0" anchor="ctr" anchorCtr="0" compatLnSpc="1">
+            <a:prstTxWarp prst="textNoShape">
+              <a:avLst/>
+            </a:prstTxWarp>
+          </a:bodyPr>
+          <a:lstStyle/>
+          <a:p>
+            <a:pPr algn="ctr" defTabSz="914099" fontAlgn="base">
+              <a:spcBef>
+                <a:spcPct val="0"/>
+              </a:spcBef>
+              <a:spcAft>
+                <a:spcPct val="0"/>
+              </a:spcAft>
+            </a:pPr>
+            <a:r>
+              <a:rPr lang="pt-PT" sz="2000" dirty="0" err="1" smtClean="0">
+                <a:solidFill>
+                  <a:schemeClr val="tx1"/>
+                </a:solidFill>
+                <a:latin typeface="Consolas" pitchFamily="49" charset="0"/>
+              </a:rPr>
+              <a:t>EndpointDispatcher</a:t>
+            </a:r>
+            <a:endParaRPr lang="pt-PT" sz="2300" dirty="0" smtClean="0">
+              <a:solidFill>
+                <a:schemeClr val="tx1"/>
+              </a:solidFill>
+              <a:latin typeface="Consolas" pitchFamily="49" charset="0"/>
+            </a:endParaRPr>
+          </a:p>
+        </p:txBody>
+      </p:sp>
+      <p:sp>
+        <p:nvSpPr>
+          <p:cNvPr id="29" name="Snip Same Side Corner Rectangle 28"/>
+          <p:cNvSpPr/>
+          <p:nvPr/>
+        </p:nvSpPr>
+        <p:spPr bwMode="auto">
+          <a:xfrm>
+            <a:off x="1643042" y="3311090"/>
+            <a:ext cx="3214710" cy="977724"/>
+          </a:xfrm>
+          <a:prstGeom prst="snip2SameRect">
+            <a:avLst/>
+          </a:prstGeom>
+          <a:ln>
+            <a:headEnd type="none" w="med" len="med"/>
+            <a:tailEnd type="none" w="med" len="med"/>
+          </a:ln>
+        </p:spPr>
+        <p:style>
+          <a:lnRef idx="2">
+            <a:schemeClr val="accent3">
+              <a:shade val="50000"/>
+            </a:schemeClr>
+          </a:lnRef>
+          <a:fillRef idx="1">
+            <a:schemeClr val="accent3"/>
+          </a:fillRef>
+          <a:effectRef idx="0">
+            <a:schemeClr val="accent3"/>
+          </a:effectRef>
+          <a:fontRef idx="minor">
+            <a:schemeClr val="lt1"/>
+          </a:fontRef>
+        </p:style>
+        <p:txBody>
+          <a:bodyPr vert="horz" wrap="square" lIns="91436" tIns="45718" rIns="91436" bIns="45718" numCol="1" rtlCol="0" anchor="ctr" anchorCtr="0" compatLnSpc="1">
+            <a:prstTxWarp prst="textNoShape">
+              <a:avLst/>
+            </a:prstTxWarp>
+          </a:bodyPr>
+          <a:lstStyle/>
+          <a:p>
+            <a:pPr algn="ctr" defTabSz="914099" fontAlgn="base">
+              <a:spcBef>
+                <a:spcPct val="0"/>
+              </a:spcBef>
+              <a:spcAft>
+                <a:spcPct val="0"/>
+              </a:spcAft>
+            </a:pPr>
+            <a:r>
+              <a:rPr lang="pt-PT" sz="2000" dirty="0" err="1" smtClean="0">
+                <a:solidFill>
+                  <a:schemeClr val="tx1"/>
+                </a:solidFill>
+                <a:latin typeface="Consolas" pitchFamily="49" charset="0"/>
+              </a:rPr>
+              <a:t>DispatchRuntime</a:t>
+            </a:r>
+            <a:endParaRPr lang="pt-PT" sz="2300" dirty="0" smtClean="0">
+              <a:solidFill>
+                <a:schemeClr val="tx1"/>
+              </a:solidFill>
+              <a:latin typeface="Consolas" pitchFamily="49" charset="0"/>
+            </a:endParaRPr>
+          </a:p>
+        </p:txBody>
+      </p:sp>
+      <p:sp>
+        <p:nvSpPr>
+          <p:cNvPr id="30" name="Snip Same Side Corner Rectangle 29"/>
+          <p:cNvSpPr/>
+          <p:nvPr/>
+        </p:nvSpPr>
+        <p:spPr bwMode="auto">
+          <a:xfrm>
+            <a:off x="142844" y="1953927"/>
+            <a:ext cx="3143272" cy="1064191"/>
+          </a:xfrm>
+          <a:prstGeom prst="snip2SameRect">
+            <a:avLst/>
+          </a:prstGeom>
+          <a:ln>
+            <a:headEnd type="none" w="med" len="med"/>
+            <a:tailEnd type="none" w="med" len="med"/>
+          </a:ln>
+        </p:spPr>
+        <p:style>
+          <a:lnRef idx="2">
+            <a:schemeClr val="accent3">
+              <a:shade val="50000"/>
+            </a:schemeClr>
+          </a:lnRef>
+          <a:fillRef idx="1">
+            <a:schemeClr val="accent3"/>
+          </a:fillRef>
+          <a:effectRef idx="0">
+            <a:schemeClr val="accent3"/>
+          </a:effectRef>
+          <a:fontRef idx="minor">
+            <a:schemeClr val="lt1"/>
+          </a:fontRef>
+        </p:style>
+        <p:txBody>
+          <a:bodyPr vert="horz" wrap="square" lIns="91436" tIns="45718" rIns="91436" bIns="45718" numCol="1" rtlCol="0" anchor="ctr" anchorCtr="0" compatLnSpc="1">
+            <a:prstTxWarp prst="textNoShape">
+              <a:avLst/>
+            </a:prstTxWarp>
+          </a:bodyPr>
+          <a:lstStyle/>
+          <a:p>
+            <a:pPr algn="ctr" defTabSz="914099" fontAlgn="base">
+              <a:spcBef>
+                <a:spcPct val="0"/>
+              </a:spcBef>
+              <a:spcAft>
+                <a:spcPct val="0"/>
+              </a:spcAft>
+            </a:pPr>
+            <a:r>
+              <a:rPr lang="pt-PT" sz="2000" dirty="0" err="1" smtClean="0">
+                <a:solidFill>
+                  <a:schemeClr val="tx1"/>
+                </a:solidFill>
+                <a:latin typeface="Consolas" pitchFamily="49" charset="0"/>
+              </a:rPr>
+              <a:t>DispatchOperation</a:t>
+            </a:r>
+            <a:endParaRPr lang="pt-PT" sz="2300" dirty="0" smtClean="0">
+              <a:solidFill>
+                <a:schemeClr val="tx1"/>
+              </a:solidFill>
+              <a:latin typeface="Consolas" pitchFamily="49" charset="0"/>
+            </a:endParaRPr>
+          </a:p>
+        </p:txBody>
+      </p:sp>
+    </p:spTree>
+    <p:extLst>
+      <p:ext uri="{BB962C8B-B14F-4D97-AF65-F5344CB8AC3E}">
+        <p14:creationId xmlns:p14="http://schemas.microsoft.com/office/powerpoint/2010/main" val="2177763296"/>
+      </p:ext>
+    </p:extLst>
+  </p:cSld>
+  <p:clrMapOvr>
+    <a:masterClrMapping/>
+  </p:clrMapOvr>
+</p:sld>
+</file>
+
+<file path=ppt/slides/slide12.xml><?xml version="1.0" encoding="utf-8"?>
+<p:sld xmlns:a="http://schemas.openxmlformats.org/drawingml/2006/main" xmlns:r="http://schemas.openxmlformats.org/officeDocument/2006/relationships" xmlns:p="http://schemas.openxmlformats.org/presentationml/2006/main">
+  <p:cSld>
+    <p:spTree>
+      <p:nvGrpSpPr>
+        <p:cNvPr id="1" name=""/>
+        <p:cNvGrpSpPr/>
+        <p:nvPr/>
+      </p:nvGrpSpPr>
+      <p:grpSpPr>
+        <a:xfrm>
+          <a:off x="0" y="0"/>
+          <a:ext cx="0" cy="0"/>
+          <a:chOff x="0" y="0"/>
+          <a:chExt cx="0" cy="0"/>
+        </a:xfrm>
+      </p:grpSpPr>
+      <p:sp>
+        <p:nvSpPr>
+          <p:cNvPr id="2" name="Snip Same Side Corner Rectangle 1"/>
+          <p:cNvSpPr/>
+          <p:nvPr/>
+        </p:nvSpPr>
+        <p:spPr bwMode="auto">
+          <a:xfrm>
+            <a:off x="142844" y="4801065"/>
+            <a:ext cx="2857520" cy="714380"/>
+          </a:xfrm>
+          <a:prstGeom prst="snip2SameRect">
+            <a:avLst/>
+          </a:prstGeom>
+          <a:ln>
+            <a:headEnd type="none" w="med" len="med"/>
+            <a:tailEnd type="none" w="med" len="med"/>
+          </a:ln>
+        </p:spPr>
+        <p:style>
+          <a:lnRef idx="2">
+            <a:schemeClr val="accent3">
+              <a:shade val="50000"/>
+            </a:schemeClr>
+          </a:lnRef>
+          <a:fillRef idx="1">
+            <a:schemeClr val="accent3"/>
+          </a:fillRef>
+          <a:effectRef idx="0">
+            <a:schemeClr val="accent3"/>
+          </a:effectRef>
+          <a:fontRef idx="minor">
+            <a:schemeClr val="lt1"/>
+          </a:fontRef>
+        </p:style>
+        <p:txBody>
+          <a:bodyPr vert="horz" wrap="square" lIns="91436" tIns="45718" rIns="91436" bIns="45718" numCol="1" rtlCol="0" anchor="ctr" anchorCtr="0" compatLnSpc="1">
+            <a:prstTxWarp prst="textNoShape">
+              <a:avLst/>
+            </a:prstTxWarp>
+          </a:bodyPr>
+          <a:lstStyle/>
+          <a:p>
+            <a:pPr algn="ctr" defTabSz="914099" fontAlgn="base">
+              <a:spcBef>
+                <a:spcPct val="0"/>
+              </a:spcBef>
+              <a:spcAft>
+                <a:spcPct val="0"/>
+              </a:spcAft>
+            </a:pPr>
+            <a:r>
+              <a:rPr lang="pt-PT" sz="2000" dirty="0" err="1" smtClean="0">
+                <a:solidFill>
+                  <a:schemeClr val="tx1"/>
+                </a:solidFill>
+                <a:latin typeface="Consolas" pitchFamily="49" charset="0"/>
+              </a:rPr>
+              <a:t>ChannelDispatcher</a:t>
+            </a:r>
+            <a:endParaRPr lang="pt-PT" sz="2000" dirty="0" smtClean="0">
+              <a:solidFill>
+                <a:schemeClr val="tx1"/>
+              </a:solidFill>
+              <a:latin typeface="Consolas" pitchFamily="49" charset="0"/>
+            </a:endParaRPr>
+          </a:p>
+        </p:txBody>
+      </p:sp>
+      <p:sp>
+        <p:nvSpPr>
+          <p:cNvPr id="3" name="Snip Same Side Corner Rectangle 2"/>
+          <p:cNvSpPr/>
+          <p:nvPr/>
+        </p:nvSpPr>
+        <p:spPr bwMode="auto">
+          <a:xfrm>
+            <a:off x="142844" y="3116931"/>
+            <a:ext cx="2857520" cy="785818"/>
+          </a:xfrm>
+          <a:prstGeom prst="snip2SameRect">
+            <a:avLst/>
+          </a:prstGeom>
+          <a:ln>
+            <a:headEnd type="none" w="med" len="med"/>
+            <a:tailEnd type="none" w="med" len="med"/>
+          </a:ln>
+        </p:spPr>
+        <p:style>
+          <a:lnRef idx="2">
+            <a:schemeClr val="accent3">
+              <a:shade val="50000"/>
+            </a:schemeClr>
+          </a:lnRef>
+          <a:fillRef idx="1">
+            <a:schemeClr val="accent3"/>
+          </a:fillRef>
+          <a:effectRef idx="0">
+            <a:schemeClr val="accent3"/>
+          </a:effectRef>
+          <a:fontRef idx="minor">
+            <a:schemeClr val="lt1"/>
+          </a:fontRef>
+        </p:style>
+        <p:txBody>
+          <a:bodyPr vert="horz" wrap="square" lIns="91436" tIns="45718" rIns="91436" bIns="45718" numCol="1" rtlCol="0" anchor="ctr" anchorCtr="0" compatLnSpc="1">
+            <a:prstTxWarp prst="textNoShape">
+              <a:avLst/>
+            </a:prstTxWarp>
+          </a:bodyPr>
+          <a:lstStyle/>
+          <a:p>
+            <a:pPr algn="ctr" defTabSz="914099" fontAlgn="base">
+              <a:spcBef>
+                <a:spcPct val="0"/>
+              </a:spcBef>
+              <a:spcAft>
+                <a:spcPct val="0"/>
+              </a:spcAft>
+            </a:pPr>
+            <a:r>
+              <a:rPr lang="pt-PT" sz="2000" dirty="0" err="1" smtClean="0">
+                <a:solidFill>
+                  <a:schemeClr val="tx1"/>
+                </a:solidFill>
+                <a:latin typeface="Consolas" pitchFamily="49" charset="0"/>
+              </a:rPr>
+              <a:t>DispatchRuntime</a:t>
+            </a:r>
+            <a:endParaRPr lang="pt-PT" sz="2000" dirty="0" smtClean="0">
+              <a:solidFill>
+                <a:schemeClr val="tx1"/>
+              </a:solidFill>
+              <a:latin typeface="Consolas" pitchFamily="49" charset="0"/>
+            </a:endParaRPr>
+          </a:p>
+        </p:txBody>
+      </p:sp>
+      <p:sp>
+        <p:nvSpPr>
+          <p:cNvPr id="4" name="Snip Same Side Corner Rectangle 3"/>
+          <p:cNvSpPr/>
+          <p:nvPr/>
+        </p:nvSpPr>
+        <p:spPr bwMode="auto">
+          <a:xfrm>
+            <a:off x="142844" y="1832550"/>
+            <a:ext cx="2857520" cy="857256"/>
+          </a:xfrm>
+          <a:prstGeom prst="snip2SameRect">
+            <a:avLst/>
+          </a:prstGeom>
+          <a:ln>
+            <a:headEnd type="none" w="med" len="med"/>
+            <a:tailEnd type="none" w="med" len="med"/>
+          </a:ln>
+        </p:spPr>
+        <p:style>
+          <a:lnRef idx="2">
+            <a:schemeClr val="accent3">
+              <a:shade val="50000"/>
+            </a:schemeClr>
+          </a:lnRef>
+          <a:fillRef idx="1">
+            <a:schemeClr val="accent3"/>
+          </a:fillRef>
+          <a:effectRef idx="0">
+            <a:schemeClr val="accent3"/>
+          </a:effectRef>
+          <a:fontRef idx="minor">
+            <a:schemeClr val="lt1"/>
+          </a:fontRef>
+        </p:style>
+        <p:txBody>
+          <a:bodyPr vert="horz" wrap="square" lIns="91436" tIns="45718" rIns="91436" bIns="45718" numCol="1" rtlCol="0" anchor="ctr" anchorCtr="0" compatLnSpc="1">
+            <a:prstTxWarp prst="textNoShape">
+              <a:avLst/>
+            </a:prstTxWarp>
+          </a:bodyPr>
+          <a:lstStyle/>
+          <a:p>
+            <a:pPr algn="ctr" defTabSz="914099" fontAlgn="base">
+              <a:spcBef>
+                <a:spcPct val="0"/>
+              </a:spcBef>
+              <a:spcAft>
+                <a:spcPct val="0"/>
+              </a:spcAft>
+            </a:pPr>
+            <a:r>
+              <a:rPr lang="pt-PT" sz="2000" dirty="0" err="1" smtClean="0">
+                <a:solidFill>
+                  <a:schemeClr val="tx1"/>
+                </a:solidFill>
+                <a:latin typeface="Consolas" pitchFamily="49" charset="0"/>
+              </a:rPr>
+              <a:t>DispatchOperation</a:t>
+            </a:r>
+            <a:endParaRPr lang="pt-PT" sz="2000" dirty="0" smtClean="0">
+              <a:solidFill>
+                <a:schemeClr val="tx1"/>
+              </a:solidFill>
+              <a:latin typeface="Consolas" pitchFamily="49" charset="0"/>
+            </a:endParaRPr>
+          </a:p>
+        </p:txBody>
+      </p:sp>
+      <p:sp>
+        <p:nvSpPr>
+          <p:cNvPr id="5" name="Oval 4"/>
+          <p:cNvSpPr/>
+          <p:nvPr/>
+        </p:nvSpPr>
+        <p:spPr bwMode="auto">
+          <a:xfrm>
+            <a:off x="142844" y="928670"/>
+            <a:ext cx="2857520" cy="785818"/>
+          </a:xfrm>
+          <a:prstGeom prst="ellipse">
+            <a:avLst/>
+          </a:prstGeom>
+          <a:ln>
+            <a:headEnd type="none" w="med" len="med"/>
+            <a:tailEnd type="none" w="med" len="med"/>
+          </a:ln>
+        </p:spPr>
+        <p:style>
+          <a:lnRef idx="0">
+            <a:schemeClr val="accent5"/>
+          </a:lnRef>
+          <a:fillRef idx="3">
+            <a:schemeClr val="accent5"/>
+          </a:fillRef>
+          <a:effectRef idx="3">
+            <a:schemeClr val="accent5"/>
+          </a:effectRef>
+          <a:fontRef idx="minor">
+            <a:schemeClr val="lt1"/>
+          </a:fontRef>
+        </p:style>
+        <p:txBody>
+          <a:bodyPr vert="horz" wrap="square" lIns="91436" tIns="45718" rIns="91436" bIns="45718" numCol="1" rtlCol="0" anchor="ctr" anchorCtr="0" compatLnSpc="1">
+            <a:prstTxWarp prst="textNoShape">
+              <a:avLst/>
+            </a:prstTxWarp>
+          </a:bodyPr>
+          <a:lstStyle/>
+          <a:p>
+            <a:pPr algn="ctr" defTabSz="914099" fontAlgn="base">
+              <a:spcBef>
+                <a:spcPct val="0"/>
+              </a:spcBef>
+              <a:spcAft>
+                <a:spcPct val="0"/>
+              </a:spcAft>
+            </a:pPr>
+            <a:r>
+              <a:rPr lang="pt-PT" dirty="0" smtClean="0">
+                <a:solidFill>
+                  <a:schemeClr val="tx1"/>
+                </a:solidFill>
+                <a:latin typeface="Segoe" pitchFamily="34" charset="0"/>
+              </a:rPr>
+              <a:t>Instance.method</a:t>
+            </a:r>
+            <a:endParaRPr lang="pt-PT" sz="2000" dirty="0" smtClean="0">
+              <a:solidFill>
+                <a:schemeClr val="tx1"/>
+              </a:solidFill>
+              <a:latin typeface="Segoe" pitchFamily="34" charset="0"/>
+            </a:endParaRPr>
+          </a:p>
+        </p:txBody>
+      </p:sp>
+      <p:cxnSp>
+        <p:nvCxnSpPr>
+          <p:cNvPr id="6" name="Shape 33"/>
+          <p:cNvCxnSpPr>
+            <a:stCxn id="2" idx="3"/>
+            <a:endCxn id="11" idx="1"/>
+          </p:cNvCxnSpPr>
+          <p:nvPr/>
+        </p:nvCxnSpPr>
+        <p:spPr bwMode="auto">
+          <a:xfrm rot="5400000" flipH="1" flipV="1">
+            <a:off x="1479636" y="4709097"/>
+            <a:ext cx="183936" cy="1588"/>
+          </a:xfrm>
+          <a:prstGeom prst="bentConnector3">
+            <a:avLst>
+              <a:gd name="adj1" fmla="val 50000"/>
+            </a:avLst>
+          </a:prstGeom>
+          <a:solidFill>
+            <a:schemeClr val="accent1"/>
+          </a:solidFill>
+          <a:ln w="9525" cap="flat" cmpd="sng" algn="ctr">
+            <a:solidFill>
+              <a:schemeClr val="tx1"/>
+            </a:solidFill>
+            <a:prstDash val="solid"/>
+            <a:round/>
+            <a:headEnd type="none" w="med" len="med"/>
+            <a:tailEnd type="arrow"/>
+          </a:ln>
+          <a:effectLst/>
+        </p:spPr>
+      </p:cxnSp>
+      <p:cxnSp>
+        <p:nvCxnSpPr>
+          <p:cNvPr id="7" name="Shape 33"/>
+          <p:cNvCxnSpPr>
+            <a:stCxn id="3" idx="3"/>
+            <a:endCxn id="4" idx="1"/>
+          </p:cNvCxnSpPr>
+          <p:nvPr/>
+        </p:nvCxnSpPr>
+        <p:spPr bwMode="auto">
+          <a:xfrm rot="5400000" flipH="1" flipV="1">
+            <a:off x="1358042" y="2903369"/>
+            <a:ext cx="427125" cy="1588"/>
+          </a:xfrm>
+          <a:prstGeom prst="bentConnector3">
+            <a:avLst>
+              <a:gd name="adj1" fmla="val 50000"/>
+            </a:avLst>
+          </a:prstGeom>
+          <a:solidFill>
+            <a:schemeClr val="accent1"/>
+          </a:solidFill>
+          <a:ln w="9525" cap="flat" cmpd="sng" algn="ctr">
+            <a:solidFill>
+              <a:schemeClr val="tx1"/>
+            </a:solidFill>
+            <a:prstDash val="solid"/>
+            <a:round/>
+            <a:headEnd type="none" w="med" len="med"/>
+            <a:tailEnd type="arrow"/>
+          </a:ln>
+          <a:effectLst/>
+        </p:spPr>
+      </p:cxnSp>
+      <p:cxnSp>
+        <p:nvCxnSpPr>
+          <p:cNvPr id="8" name="Shape 33"/>
+          <p:cNvCxnSpPr>
+            <a:stCxn id="4" idx="3"/>
+            <a:endCxn id="5" idx="4"/>
+          </p:cNvCxnSpPr>
+          <p:nvPr/>
+        </p:nvCxnSpPr>
+        <p:spPr bwMode="auto">
+          <a:xfrm rot="5400000" flipH="1" flipV="1">
+            <a:off x="1512573" y="1773519"/>
+            <a:ext cx="118062" cy="1588"/>
+          </a:xfrm>
+          <a:prstGeom prst="bentConnector3">
+            <a:avLst>
+              <a:gd name="adj1" fmla="val 50000"/>
+            </a:avLst>
+          </a:prstGeom>
+          <a:solidFill>
+            <a:schemeClr val="accent1"/>
+          </a:solidFill>
+          <a:ln w="9525" cap="flat" cmpd="sng" algn="ctr">
+            <a:solidFill>
+              <a:schemeClr val="tx1"/>
+            </a:solidFill>
+            <a:prstDash val="solid"/>
+            <a:round/>
+            <a:headEnd type="none" w="med" len="med"/>
+            <a:tailEnd type="arrow"/>
+          </a:ln>
+          <a:effectLst/>
+        </p:spPr>
+      </p:cxnSp>
+      <p:sp>
+        <p:nvSpPr>
+          <p:cNvPr id="9" name="Rounded Rectangle 8"/>
+          <p:cNvSpPr/>
+          <p:nvPr/>
+        </p:nvSpPr>
+        <p:spPr bwMode="auto">
+          <a:xfrm>
+            <a:off x="142844" y="5586883"/>
+            <a:ext cx="2857520" cy="714380"/>
+          </a:xfrm>
+          <a:prstGeom prst="roundRect">
+            <a:avLst/>
+          </a:prstGeom>
+          <a:ln>
+            <a:headEnd type="none" w="med" len="med"/>
+            <a:tailEnd type="none" w="med" len="med"/>
+          </a:ln>
+        </p:spPr>
+        <p:style>
+          <a:lnRef idx="2">
+            <a:schemeClr val="accent6">
+              <a:shade val="50000"/>
+            </a:schemeClr>
+          </a:lnRef>
+          <a:fillRef idx="1">
+            <a:schemeClr val="accent6"/>
+          </a:fillRef>
+          <a:effectRef idx="0">
+            <a:schemeClr val="accent6"/>
+          </a:effectRef>
+          <a:fontRef idx="minor">
+            <a:schemeClr val="lt1"/>
+          </a:fontRef>
+        </p:style>
+        <p:txBody>
+          <a:bodyPr vert="horz" wrap="square" lIns="91436" tIns="45718" rIns="91436" bIns="45718" numCol="1" rtlCol="0" anchor="ctr" anchorCtr="0" compatLnSpc="1">
+            <a:prstTxWarp prst="textNoShape">
+              <a:avLst/>
+            </a:prstTxWarp>
+          </a:bodyPr>
+          <a:lstStyle/>
+          <a:p>
+            <a:pPr algn="ctr" defTabSz="914099" fontAlgn="base">
+              <a:spcBef>
+                <a:spcPct val="0"/>
+              </a:spcBef>
+              <a:spcAft>
+                <a:spcPct val="0"/>
+              </a:spcAft>
+            </a:pPr>
+            <a:r>
+              <a:rPr lang="pt-PT" sz="2000" dirty="0" err="1" smtClean="0">
+                <a:solidFill>
+                  <a:schemeClr val="tx1"/>
+                </a:solidFill>
+                <a:latin typeface="Consolas" pitchFamily="49" charset="0"/>
+              </a:rPr>
+              <a:t>ServiceHostBase</a:t>
+            </a:r>
+            <a:endParaRPr lang="pt-PT" sz="2000" dirty="0" smtClean="0">
+              <a:solidFill>
+                <a:schemeClr val="tx1"/>
+              </a:solidFill>
+              <a:latin typeface="Consolas" pitchFamily="49" charset="0"/>
+            </a:endParaRPr>
+          </a:p>
+        </p:txBody>
+      </p:sp>
+      <p:cxnSp>
+        <p:nvCxnSpPr>
+          <p:cNvPr id="10" name="Straight Arrow Connector 9"/>
+          <p:cNvCxnSpPr>
+            <a:stCxn id="9" idx="0"/>
+            <a:endCxn id="2" idx="1"/>
+          </p:cNvCxnSpPr>
+          <p:nvPr/>
+        </p:nvCxnSpPr>
+        <p:spPr>
+          <a:xfrm rot="5400000" flipH="1" flipV="1">
+            <a:off x="1535885" y="5551164"/>
+            <a:ext cx="71438" cy="1588"/>
+          </a:xfrm>
+          <a:prstGeom prst="straightConnector1">
+            <a:avLst/>
+          </a:prstGeom>
+          <a:ln>
+            <a:solidFill>
+              <a:schemeClr val="tx1"/>
+            </a:solidFill>
+            <a:tailEnd type="arrow"/>
+          </a:ln>
+        </p:spPr>
+        <p:style>
+          <a:lnRef idx="1">
+            <a:schemeClr val="accent1"/>
+          </a:lnRef>
+          <a:fillRef idx="0">
+            <a:schemeClr val="accent1"/>
+          </a:fillRef>
+          <a:effectRef idx="0">
+            <a:schemeClr val="accent1"/>
+          </a:effectRef>
+          <a:fontRef idx="minor">
+            <a:schemeClr val="tx1"/>
+          </a:fontRef>
+        </p:style>
+      </p:cxnSp>
+      <p:sp>
+        <p:nvSpPr>
+          <p:cNvPr id="11" name="Snip Same Side Corner Rectangle 10"/>
+          <p:cNvSpPr/>
+          <p:nvPr/>
+        </p:nvSpPr>
+        <p:spPr bwMode="auto">
+          <a:xfrm>
+            <a:off x="142844" y="3902749"/>
+            <a:ext cx="2857520" cy="714380"/>
+          </a:xfrm>
+          <a:prstGeom prst="snip2SameRect">
+            <a:avLst/>
+          </a:prstGeom>
+          <a:ln>
+            <a:headEnd type="none" w="med" len="med"/>
+            <a:tailEnd type="none" w="med" len="med"/>
+          </a:ln>
+        </p:spPr>
+        <p:style>
+          <a:lnRef idx="2">
+            <a:schemeClr val="accent3">
+              <a:shade val="50000"/>
+            </a:schemeClr>
+          </a:lnRef>
+          <a:fillRef idx="1">
+            <a:schemeClr val="accent3"/>
+          </a:fillRef>
+          <a:effectRef idx="0">
+            <a:schemeClr val="accent3"/>
+          </a:effectRef>
+          <a:fontRef idx="minor">
+            <a:schemeClr val="lt1"/>
+          </a:fontRef>
+        </p:style>
+        <p:txBody>
+          <a:bodyPr vert="horz" wrap="square" lIns="91436" tIns="45718" rIns="91436" bIns="45718" numCol="1" rtlCol="0" anchor="ctr" anchorCtr="0" compatLnSpc="1">
+            <a:prstTxWarp prst="textNoShape">
+              <a:avLst/>
+            </a:prstTxWarp>
+          </a:bodyPr>
+          <a:lstStyle/>
+          <a:p>
+            <a:pPr algn="ctr" defTabSz="914099" fontAlgn="base">
+              <a:spcBef>
+                <a:spcPct val="0"/>
+              </a:spcBef>
+              <a:spcAft>
+                <a:spcPct val="0"/>
+              </a:spcAft>
+            </a:pPr>
+            <a:r>
+              <a:rPr lang="pt-PT" sz="2000" dirty="0" err="1" smtClean="0">
+                <a:solidFill>
+                  <a:schemeClr val="tx1"/>
+                </a:solidFill>
+                <a:latin typeface="Consolas" pitchFamily="49" charset="0"/>
+              </a:rPr>
+              <a:t>EndpointDispatcher</a:t>
+            </a:r>
+            <a:endParaRPr lang="pt-PT" sz="2000" dirty="0" smtClean="0">
+              <a:solidFill>
+                <a:schemeClr val="tx1"/>
+              </a:solidFill>
+              <a:latin typeface="Consolas" pitchFamily="49" charset="0"/>
+            </a:endParaRPr>
+          </a:p>
+        </p:txBody>
+      </p:sp>
+      <p:sp>
+        <p:nvSpPr>
+          <p:cNvPr id="12" name="Rounded Rectangle 11"/>
+          <p:cNvSpPr/>
+          <p:nvPr/>
+        </p:nvSpPr>
+        <p:spPr bwMode="auto">
+          <a:xfrm>
+            <a:off x="6215074" y="2046864"/>
+            <a:ext cx="2928926" cy="394636"/>
+          </a:xfrm>
+          <a:prstGeom prst="roundRect">
+            <a:avLst/>
+          </a:prstGeom>
+          <a:ln>
+            <a:headEnd type="none" w="med" len="med"/>
+            <a:tailEnd type="none" w="med" len="med"/>
+          </a:ln>
+        </p:spPr>
+        <p:style>
+          <a:lnRef idx="2">
+            <a:schemeClr val="accent1">
+              <a:shade val="50000"/>
+            </a:schemeClr>
+          </a:lnRef>
+          <a:fillRef idx="1">
+            <a:schemeClr val="accent1"/>
+          </a:fillRef>
+          <a:effectRef idx="0">
+            <a:schemeClr val="accent1"/>
+          </a:effectRef>
+          <a:fontRef idx="minor">
+            <a:schemeClr val="lt1"/>
+          </a:fontRef>
+        </p:style>
+        <p:txBody>
+          <a:bodyPr vert="horz" wrap="square" lIns="91440" tIns="45720" rIns="91440" bIns="45720" numCol="1" rtlCol="0" anchor="t" anchorCtr="0" compatLnSpc="1">
+            <a:prstTxWarp prst="textNoShape">
+              <a:avLst/>
+            </a:prstTxWarp>
+          </a:bodyPr>
+          <a:lstStyle/>
+          <a:p>
+            <a:pPr marL="342900" marR="0" indent="-342900" algn="ctr" defTabSz="914400" rtl="0" eaLnBrk="1" fontAlgn="base" latinLnBrk="0" hangingPunct="1">
+              <a:lnSpc>
+                <a:spcPct val="100000"/>
+              </a:lnSpc>
+              <a:spcBef>
+                <a:spcPct val="20000"/>
+              </a:spcBef>
+              <a:spcAft>
+                <a:spcPct val="0"/>
+              </a:spcAft>
+              <a:buClrTx/>
+              <a:buSzTx/>
+              <a:tabLst/>
+            </a:pPr>
+            <a:r>
+              <a:rPr kumimoji="0" lang="pt-PT" sz="1600" b="1" i="0" u="none" strike="noStrike" cap="none" normalizeH="0" baseline="0" dirty="0" err="1" smtClean="0">
+                <a:ln>
+                  <a:noFill/>
+                </a:ln>
+                <a:solidFill>
+                  <a:srgbClr val="FFFFFF"/>
+                </a:solidFill>
+                <a:effectLst>
+                  <a:outerShdw blurRad="38100" dist="38100" dir="2700000" algn="tl">
+                    <a:srgbClr val="000000">
+                      <a:alpha val="43137"/>
+                    </a:srgbClr>
+                  </a:outerShdw>
+                </a:effectLst>
+                <a:latin typeface="Consolas" pitchFamily="49" charset="0"/>
+              </a:rPr>
+              <a:t>Operation</a:t>
+            </a:r>
+            <a:r>
+              <a:rPr kumimoji="0" lang="pt-PT" sz="1600" i="0" u="none" strike="noStrike" cap="none" normalizeH="0" baseline="0" dirty="0" err="1" smtClean="0">
+                <a:ln>
+                  <a:noFill/>
+                </a:ln>
+                <a:solidFill>
+                  <a:srgbClr val="FFFFFF"/>
+                </a:solidFill>
+                <a:effectLst>
+                  <a:outerShdw blurRad="38100" dist="38100" dir="2700000" algn="tl">
+                    <a:srgbClr val="000000">
+                      <a:alpha val="43137"/>
+                    </a:srgbClr>
+                  </a:outerShdw>
+                </a:effectLst>
+                <a:latin typeface="Consolas" pitchFamily="49" charset="0"/>
+              </a:rPr>
+              <a:t>Description</a:t>
+            </a:r>
+            <a:endParaRPr kumimoji="0" lang="pt-PT" sz="1600" i="0" u="none" strike="noStrike" cap="none" normalizeH="0" baseline="0" dirty="0" smtClean="0">
+              <a:ln>
+                <a:noFill/>
+              </a:ln>
+              <a:solidFill>
+                <a:srgbClr val="FFFFFF"/>
+              </a:solidFill>
+              <a:effectLst>
+                <a:outerShdw blurRad="38100" dist="38100" dir="2700000" algn="tl">
+                  <a:srgbClr val="000000">
+                    <a:alpha val="43137"/>
+                  </a:srgbClr>
+                </a:outerShdw>
+              </a:effectLst>
+              <a:latin typeface="Consolas" pitchFamily="49" charset="0"/>
+            </a:endParaRPr>
+          </a:p>
+        </p:txBody>
+      </p:sp>
+      <p:sp>
+        <p:nvSpPr>
+          <p:cNvPr id="13" name="Rounded Rectangle 12"/>
+          <p:cNvSpPr/>
+          <p:nvPr/>
+        </p:nvSpPr>
+        <p:spPr bwMode="auto">
+          <a:xfrm>
+            <a:off x="3428992" y="3259807"/>
+            <a:ext cx="2643206" cy="394636"/>
+          </a:xfrm>
+          <a:prstGeom prst="roundRect">
+            <a:avLst/>
+          </a:prstGeom>
+          <a:ln>
+            <a:headEnd type="none" w="med" len="med"/>
+            <a:tailEnd type="none" w="med" len="med"/>
+          </a:ln>
+        </p:spPr>
+        <p:style>
+          <a:lnRef idx="0">
+            <a:schemeClr val="accent2"/>
+          </a:lnRef>
+          <a:fillRef idx="3">
+            <a:schemeClr val="accent2"/>
+          </a:fillRef>
+          <a:effectRef idx="3">
+            <a:schemeClr val="accent2"/>
+          </a:effectRef>
+          <a:fontRef idx="minor">
+            <a:schemeClr val="lt1"/>
+          </a:fontRef>
+        </p:style>
+        <p:txBody>
+          <a:bodyPr vert="horz" wrap="square" lIns="91440" tIns="45720" rIns="91440" bIns="45720" numCol="1" rtlCol="0" anchor="t" anchorCtr="0" compatLnSpc="1">
+            <a:prstTxWarp prst="textNoShape">
+              <a:avLst/>
+            </a:prstTxWarp>
+          </a:bodyPr>
+          <a:lstStyle/>
+          <a:p>
+            <a:pPr marL="342900" marR="0" indent="-342900" algn="ctr" defTabSz="914400" rtl="0" eaLnBrk="1" fontAlgn="base" latinLnBrk="0" hangingPunct="1">
+              <a:lnSpc>
+                <a:spcPct val="100000"/>
+              </a:lnSpc>
+              <a:spcBef>
+                <a:spcPct val="20000"/>
+              </a:spcBef>
+              <a:spcAft>
+                <a:spcPct val="0"/>
+              </a:spcAft>
+              <a:buClrTx/>
+              <a:buSzTx/>
+              <a:tabLst/>
+            </a:pPr>
+            <a:r>
+              <a:rPr kumimoji="0" lang="pt-PT" sz="1600" i="0" u="none" strike="noStrike" cap="none" normalizeH="0" baseline="0" dirty="0" err="1" smtClean="0">
+                <a:ln>
+                  <a:noFill/>
+                </a:ln>
+                <a:latin typeface="Consolas" pitchFamily="49" charset="0"/>
+              </a:rPr>
+              <a:t>IContract</a:t>
+            </a:r>
+            <a:r>
+              <a:rPr kumimoji="0" lang="pt-PT" sz="1600" b="1" i="0" u="none" strike="noStrike" cap="none" normalizeH="0" baseline="0" dirty="0" err="1" smtClean="0">
+                <a:ln>
+                  <a:noFill/>
+                </a:ln>
+                <a:latin typeface="Consolas" pitchFamily="49" charset="0"/>
+              </a:rPr>
+              <a:t>Behavior</a:t>
+            </a:r>
+            <a:endParaRPr kumimoji="0" lang="pt-PT" sz="1600" b="1" i="0" u="none" strike="noStrike" cap="none" normalizeH="0" baseline="0" dirty="0" smtClean="0">
+              <a:ln>
+                <a:noFill/>
+              </a:ln>
+              <a:latin typeface="Consolas" pitchFamily="49" charset="0"/>
+            </a:endParaRPr>
+          </a:p>
+        </p:txBody>
+      </p:sp>
+      <p:sp>
+        <p:nvSpPr>
+          <p:cNvPr id="14" name="Rounded Rectangle 13"/>
+          <p:cNvSpPr/>
+          <p:nvPr/>
+        </p:nvSpPr>
+        <p:spPr bwMode="auto">
+          <a:xfrm>
+            <a:off x="3500430" y="2046864"/>
+            <a:ext cx="2541389" cy="394636"/>
+          </a:xfrm>
+          <a:prstGeom prst="roundRect">
+            <a:avLst/>
+          </a:prstGeom>
+          <a:ln>
+            <a:headEnd type="none" w="med" len="med"/>
+            <a:tailEnd type="none" w="med" len="med"/>
+          </a:ln>
+        </p:spPr>
+        <p:style>
+          <a:lnRef idx="0">
+            <a:schemeClr val="accent2"/>
+          </a:lnRef>
+          <a:fillRef idx="3">
+            <a:schemeClr val="accent2"/>
+          </a:fillRef>
+          <a:effectRef idx="3">
+            <a:schemeClr val="accent2"/>
+          </a:effectRef>
+          <a:fontRef idx="minor">
+            <a:schemeClr val="lt1"/>
+          </a:fontRef>
+        </p:style>
+        <p:txBody>
+          <a:bodyPr vert="horz" wrap="square" lIns="91440" tIns="45720" rIns="91440" bIns="45720" numCol="1" rtlCol="0" anchor="t" anchorCtr="0" compatLnSpc="1">
+            <a:prstTxWarp prst="textNoShape">
+              <a:avLst/>
+            </a:prstTxWarp>
+          </a:bodyPr>
+          <a:lstStyle/>
+          <a:p>
+            <a:pPr marL="342900" marR="0" indent="-342900" algn="ctr" defTabSz="914400" rtl="0" eaLnBrk="1" fontAlgn="base" latinLnBrk="0" hangingPunct="1">
+              <a:lnSpc>
+                <a:spcPct val="100000"/>
+              </a:lnSpc>
+              <a:spcBef>
+                <a:spcPct val="20000"/>
+              </a:spcBef>
+              <a:spcAft>
+                <a:spcPct val="0"/>
+              </a:spcAft>
+              <a:buClrTx/>
+              <a:buSzTx/>
+              <a:tabLst/>
+            </a:pPr>
+            <a:r>
+              <a:rPr kumimoji="0" lang="pt-PT" sz="1600" i="0" u="none" strike="noStrike" cap="none" normalizeH="0" baseline="0" dirty="0" err="1" smtClean="0">
+                <a:ln>
+                  <a:noFill/>
+                </a:ln>
+                <a:latin typeface="Consolas" pitchFamily="49" charset="0"/>
+              </a:rPr>
+              <a:t>IOperation</a:t>
+            </a:r>
+            <a:r>
+              <a:rPr kumimoji="0" lang="pt-PT" sz="1600" b="1" i="0" u="none" strike="noStrike" cap="none" normalizeH="0" baseline="0" dirty="0" err="1" smtClean="0">
+                <a:ln>
+                  <a:noFill/>
+                </a:ln>
+                <a:latin typeface="Consolas" pitchFamily="49" charset="0"/>
+              </a:rPr>
+              <a:t>Behavior</a:t>
+            </a:r>
+            <a:endParaRPr kumimoji="0" lang="pt-PT" sz="1600" b="1" i="0" u="none" strike="noStrike" cap="none" normalizeH="0" baseline="0" dirty="0" smtClean="0">
+              <a:ln>
+                <a:noFill/>
+              </a:ln>
+              <a:latin typeface="Consolas" pitchFamily="49" charset="0"/>
+            </a:endParaRPr>
+          </a:p>
+        </p:txBody>
+      </p:sp>
+      <p:sp>
+        <p:nvSpPr>
+          <p:cNvPr id="15" name="Rounded Rectangle 14"/>
+          <p:cNvSpPr/>
+          <p:nvPr/>
+        </p:nvSpPr>
+        <p:spPr bwMode="auto">
+          <a:xfrm>
+            <a:off x="6429388" y="5031176"/>
+            <a:ext cx="2499691" cy="385011"/>
+          </a:xfrm>
+          <a:prstGeom prst="roundRect">
+            <a:avLst/>
+          </a:prstGeom>
+          <a:ln>
+            <a:headEnd type="none" w="med" len="med"/>
+            <a:tailEnd type="none" w="med" len="med"/>
+          </a:ln>
+        </p:spPr>
+        <p:style>
+          <a:lnRef idx="2">
+            <a:schemeClr val="accent1">
+              <a:shade val="50000"/>
+            </a:schemeClr>
+          </a:lnRef>
+          <a:fillRef idx="1">
+            <a:schemeClr val="accent1"/>
+          </a:fillRef>
+          <a:effectRef idx="0">
+            <a:schemeClr val="accent1"/>
+          </a:effectRef>
+          <a:fontRef idx="minor">
+            <a:schemeClr val="lt1"/>
+          </a:fontRef>
+        </p:style>
+        <p:txBody>
+          <a:bodyPr vert="horz" wrap="square" lIns="91440" tIns="45720" rIns="91440" bIns="45720" numCol="1" rtlCol="0" anchor="t" anchorCtr="0" compatLnSpc="1">
+            <a:prstTxWarp prst="textNoShape">
+              <a:avLst/>
+            </a:prstTxWarp>
+          </a:bodyPr>
+          <a:lstStyle/>
+          <a:p>
+            <a:pPr marL="342900" marR="0" indent="-342900" algn="ctr" defTabSz="914400" rtl="0" eaLnBrk="1" fontAlgn="base" latinLnBrk="0" hangingPunct="1">
+              <a:lnSpc>
+                <a:spcPct val="100000"/>
+              </a:lnSpc>
+              <a:spcBef>
+                <a:spcPct val="20000"/>
+              </a:spcBef>
+              <a:spcAft>
+                <a:spcPct val="0"/>
+              </a:spcAft>
+              <a:buClrTx/>
+              <a:buSzTx/>
+              <a:tabLst/>
+            </a:pPr>
+            <a:r>
+              <a:rPr kumimoji="0" lang="pt-PT" sz="1600" b="1" i="0" u="none" strike="noStrike" cap="none" normalizeH="0" baseline="0" dirty="0" err="1" smtClean="0">
+                <a:ln>
+                  <a:noFill/>
+                </a:ln>
+                <a:solidFill>
+                  <a:srgbClr val="FFFFFF"/>
+                </a:solidFill>
+                <a:effectLst>
+                  <a:outerShdw blurRad="38100" dist="38100" dir="2700000" algn="tl">
+                    <a:srgbClr val="000000">
+                      <a:alpha val="43137"/>
+                    </a:srgbClr>
+                  </a:outerShdw>
+                </a:effectLst>
+                <a:latin typeface="Consolas" pitchFamily="49" charset="0"/>
+              </a:rPr>
+              <a:t>Service</a:t>
+            </a:r>
+            <a:r>
+              <a:rPr kumimoji="0" lang="pt-PT" sz="1600" i="0" u="none" strike="noStrike" cap="none" normalizeH="0" baseline="0" dirty="0" err="1" smtClean="0">
+                <a:ln>
+                  <a:noFill/>
+                </a:ln>
+                <a:solidFill>
+                  <a:srgbClr val="FFFFFF"/>
+                </a:solidFill>
+                <a:effectLst>
+                  <a:outerShdw blurRad="38100" dist="38100" dir="2700000" algn="tl">
+                    <a:srgbClr val="000000">
+                      <a:alpha val="43137"/>
+                    </a:srgbClr>
+                  </a:outerShdw>
+                </a:effectLst>
+                <a:latin typeface="Consolas" pitchFamily="49" charset="0"/>
+              </a:rPr>
+              <a:t>Description</a:t>
+            </a:r>
+            <a:endParaRPr kumimoji="0" lang="pt-PT" sz="1600" i="0" u="none" strike="noStrike" cap="none" normalizeH="0" baseline="0" dirty="0" smtClean="0">
+              <a:ln>
+                <a:noFill/>
+              </a:ln>
+              <a:solidFill>
+                <a:srgbClr val="FFFFFF"/>
+              </a:solidFill>
+              <a:effectLst>
+                <a:outerShdw blurRad="38100" dist="38100" dir="2700000" algn="tl">
+                  <a:srgbClr val="000000">
+                    <a:alpha val="43137"/>
+                  </a:srgbClr>
+                </a:outerShdw>
+              </a:effectLst>
+              <a:latin typeface="Consolas" pitchFamily="49" charset="0"/>
+            </a:endParaRPr>
+          </a:p>
+        </p:txBody>
+      </p:sp>
+      <p:sp>
+        <p:nvSpPr>
+          <p:cNvPr id="16" name="Rounded Rectangle 15"/>
+          <p:cNvSpPr/>
+          <p:nvPr/>
+        </p:nvSpPr>
+        <p:spPr bwMode="auto">
+          <a:xfrm>
+            <a:off x="6357950" y="4117063"/>
+            <a:ext cx="2643206" cy="394636"/>
+          </a:xfrm>
+          <a:prstGeom prst="roundRect">
+            <a:avLst/>
+          </a:prstGeom>
+          <a:ln>
+            <a:headEnd type="none" w="med" len="med"/>
+            <a:tailEnd type="none" w="med" len="med"/>
+          </a:ln>
+        </p:spPr>
+        <p:style>
+          <a:lnRef idx="2">
+            <a:schemeClr val="accent1">
+              <a:shade val="50000"/>
+            </a:schemeClr>
+          </a:lnRef>
+          <a:fillRef idx="1">
+            <a:schemeClr val="accent1"/>
+          </a:fillRef>
+          <a:effectRef idx="0">
+            <a:schemeClr val="accent1"/>
+          </a:effectRef>
+          <a:fontRef idx="minor">
+            <a:schemeClr val="lt1"/>
+          </a:fontRef>
+        </p:style>
+        <p:txBody>
+          <a:bodyPr vert="horz" wrap="square" lIns="91440" tIns="45720" rIns="91440" bIns="45720" numCol="1" rtlCol="0" anchor="t" anchorCtr="0" compatLnSpc="1">
+            <a:prstTxWarp prst="textNoShape">
+              <a:avLst/>
+            </a:prstTxWarp>
+          </a:bodyPr>
+          <a:lstStyle/>
+          <a:p>
+            <a:pPr marL="342900" marR="0" indent="-342900" algn="ctr" defTabSz="914400" rtl="0" eaLnBrk="1" fontAlgn="base" latinLnBrk="0" hangingPunct="1">
+              <a:lnSpc>
+                <a:spcPct val="100000"/>
+              </a:lnSpc>
+              <a:spcBef>
+                <a:spcPct val="20000"/>
+              </a:spcBef>
+              <a:spcAft>
+                <a:spcPct val="0"/>
+              </a:spcAft>
+              <a:buClrTx/>
+              <a:buSzTx/>
+              <a:tabLst/>
+            </a:pPr>
+            <a:r>
+              <a:rPr kumimoji="0" lang="pt-PT" sz="1600" i="0" u="none" strike="noStrike" cap="none" normalizeH="0" baseline="0" dirty="0" err="1" smtClean="0">
+                <a:ln>
+                  <a:noFill/>
+                </a:ln>
+                <a:solidFill>
+                  <a:srgbClr val="FFFFFF"/>
+                </a:solidFill>
+                <a:effectLst>
+                  <a:outerShdw blurRad="38100" dist="38100" dir="2700000" algn="tl">
+                    <a:srgbClr val="000000">
+                      <a:alpha val="43137"/>
+                    </a:srgbClr>
+                  </a:outerShdw>
+                </a:effectLst>
+                <a:latin typeface="Consolas" pitchFamily="49" charset="0"/>
+              </a:rPr>
+              <a:t>Service</a:t>
+            </a:r>
+            <a:r>
+              <a:rPr kumimoji="0" lang="pt-PT" sz="1600" b="1" i="0" u="none" strike="noStrike" cap="none" normalizeH="0" baseline="0" dirty="0" err="1" smtClean="0">
+                <a:ln>
+                  <a:noFill/>
+                </a:ln>
+                <a:solidFill>
+                  <a:srgbClr val="FFFFFF"/>
+                </a:solidFill>
+                <a:effectLst>
+                  <a:outerShdw blurRad="38100" dist="38100" dir="2700000" algn="tl">
+                    <a:srgbClr val="000000">
+                      <a:alpha val="43137"/>
+                    </a:srgbClr>
+                  </a:outerShdw>
+                </a:effectLst>
+                <a:latin typeface="Consolas" pitchFamily="49" charset="0"/>
+              </a:rPr>
+              <a:t>Endpoint</a:t>
+            </a:r>
+            <a:endParaRPr kumimoji="0" lang="pt-PT" sz="1600" b="1" i="0" u="none" strike="noStrike" cap="none" normalizeH="0" baseline="0" dirty="0" smtClean="0">
+              <a:ln>
+                <a:noFill/>
+              </a:ln>
+              <a:solidFill>
+                <a:srgbClr val="FFFFFF"/>
+              </a:solidFill>
+              <a:effectLst>
+                <a:outerShdw blurRad="38100" dist="38100" dir="2700000" algn="tl">
+                  <a:srgbClr val="000000">
+                    <a:alpha val="43137"/>
+                  </a:srgbClr>
+                </a:outerShdw>
+              </a:effectLst>
+              <a:latin typeface="Consolas" pitchFamily="49" charset="0"/>
+            </a:endParaRPr>
+          </a:p>
+        </p:txBody>
+      </p:sp>
+      <p:sp>
+        <p:nvSpPr>
+          <p:cNvPr id="17" name="Rounded Rectangle 16"/>
+          <p:cNvSpPr/>
+          <p:nvPr/>
+        </p:nvSpPr>
+        <p:spPr bwMode="auto">
+          <a:xfrm>
+            <a:off x="3500430" y="5031176"/>
+            <a:ext cx="2552038" cy="394636"/>
+          </a:xfrm>
+          <a:prstGeom prst="roundRect">
+            <a:avLst/>
+          </a:prstGeom>
+          <a:ln>
+            <a:headEnd type="none" w="med" len="med"/>
+            <a:tailEnd type="none" w="med" len="med"/>
+          </a:ln>
+        </p:spPr>
+        <p:style>
+          <a:lnRef idx="0">
+            <a:schemeClr val="accent2"/>
+          </a:lnRef>
+          <a:fillRef idx="3">
+            <a:schemeClr val="accent2"/>
+          </a:fillRef>
+          <a:effectRef idx="3">
+            <a:schemeClr val="accent2"/>
+          </a:effectRef>
+          <a:fontRef idx="minor">
+            <a:schemeClr val="lt1"/>
+          </a:fontRef>
+        </p:style>
+        <p:txBody>
+          <a:bodyPr vert="horz" wrap="square" lIns="91440" tIns="45720" rIns="91440" bIns="45720" numCol="1" rtlCol="0" anchor="t" anchorCtr="0" compatLnSpc="1">
+            <a:prstTxWarp prst="textNoShape">
+              <a:avLst/>
+            </a:prstTxWarp>
+          </a:bodyPr>
+          <a:lstStyle/>
+          <a:p>
+            <a:pPr marL="342900" marR="0" indent="-342900" algn="ctr" defTabSz="914400" rtl="0" eaLnBrk="1" fontAlgn="base" latinLnBrk="0" hangingPunct="1">
+              <a:lnSpc>
+                <a:spcPct val="100000"/>
+              </a:lnSpc>
+              <a:spcBef>
+                <a:spcPct val="20000"/>
+              </a:spcBef>
+              <a:spcAft>
+                <a:spcPct val="0"/>
+              </a:spcAft>
+              <a:buClrTx/>
+              <a:buSzTx/>
+              <a:tabLst/>
+            </a:pPr>
+            <a:r>
+              <a:rPr kumimoji="0" lang="pt-PT" sz="1600" i="0" u="none" strike="noStrike" cap="none" normalizeH="0" baseline="0" dirty="0" err="1" smtClean="0">
+                <a:ln>
+                  <a:noFill/>
+                </a:ln>
+                <a:latin typeface="Consolas" pitchFamily="49" charset="0"/>
+              </a:rPr>
+              <a:t>IService</a:t>
+            </a:r>
+            <a:r>
+              <a:rPr kumimoji="0" lang="pt-PT" sz="1600" b="1" i="0" u="none" strike="noStrike" cap="none" normalizeH="0" baseline="0" dirty="0" err="1" smtClean="0">
+                <a:ln>
+                  <a:noFill/>
+                </a:ln>
+                <a:latin typeface="Consolas" pitchFamily="49" charset="0"/>
+              </a:rPr>
+              <a:t>Behavior</a:t>
+            </a:r>
+            <a:endParaRPr kumimoji="0" lang="pt-PT" sz="1600" b="1" i="0" u="none" strike="noStrike" cap="none" normalizeH="0" baseline="0" dirty="0" smtClean="0">
+              <a:ln>
+                <a:noFill/>
+              </a:ln>
+              <a:latin typeface="Consolas" pitchFamily="49" charset="0"/>
+            </a:endParaRPr>
+          </a:p>
+        </p:txBody>
+      </p:sp>
+      <p:sp>
+        <p:nvSpPr>
+          <p:cNvPr id="18" name="Rounded Rectangle 17"/>
+          <p:cNvSpPr/>
+          <p:nvPr/>
+        </p:nvSpPr>
+        <p:spPr bwMode="auto">
+          <a:xfrm>
+            <a:off x="3428992" y="4117063"/>
+            <a:ext cx="2643206" cy="394636"/>
+          </a:xfrm>
+          <a:prstGeom prst="roundRect">
+            <a:avLst/>
+          </a:prstGeom>
+          <a:ln>
+            <a:headEnd type="none" w="med" len="med"/>
+            <a:tailEnd type="none" w="med" len="med"/>
+          </a:ln>
+        </p:spPr>
+        <p:style>
+          <a:lnRef idx="0">
+            <a:schemeClr val="accent2"/>
+          </a:lnRef>
+          <a:fillRef idx="3">
+            <a:schemeClr val="accent2"/>
+          </a:fillRef>
+          <a:effectRef idx="3">
+            <a:schemeClr val="accent2"/>
+          </a:effectRef>
+          <a:fontRef idx="minor">
+            <a:schemeClr val="lt1"/>
+          </a:fontRef>
+        </p:style>
+        <p:txBody>
+          <a:bodyPr vert="horz" wrap="square" lIns="91440" tIns="45720" rIns="91440" bIns="45720" numCol="1" rtlCol="0" anchor="t" anchorCtr="0" compatLnSpc="1">
+            <a:prstTxWarp prst="textNoShape">
+              <a:avLst/>
+            </a:prstTxWarp>
+          </a:bodyPr>
+          <a:lstStyle/>
+          <a:p>
+            <a:pPr marL="342900" marR="0" indent="-342900" algn="ctr" defTabSz="914400" rtl="0" eaLnBrk="1" fontAlgn="base" latinLnBrk="0" hangingPunct="1">
+              <a:lnSpc>
+                <a:spcPct val="100000"/>
+              </a:lnSpc>
+              <a:spcBef>
+                <a:spcPct val="20000"/>
+              </a:spcBef>
+              <a:spcAft>
+                <a:spcPct val="0"/>
+              </a:spcAft>
+              <a:buClrTx/>
+              <a:buSzTx/>
+              <a:tabLst/>
+            </a:pPr>
+            <a:r>
+              <a:rPr kumimoji="0" lang="pt-PT" sz="1600" i="0" u="none" strike="noStrike" cap="none" normalizeH="0" baseline="0" dirty="0" err="1" smtClean="0">
+                <a:ln>
+                  <a:noFill/>
+                </a:ln>
+                <a:latin typeface="Consolas" pitchFamily="49" charset="0"/>
+              </a:rPr>
+              <a:t>IEndpoint</a:t>
+            </a:r>
+            <a:r>
+              <a:rPr kumimoji="0" lang="pt-PT" sz="1600" b="1" i="0" u="none" strike="noStrike" cap="none" normalizeH="0" baseline="0" dirty="0" err="1" smtClean="0">
+                <a:ln>
+                  <a:noFill/>
+                </a:ln>
+                <a:latin typeface="Consolas" pitchFamily="49" charset="0"/>
+              </a:rPr>
+              <a:t>Behavior</a:t>
+            </a:r>
+            <a:endParaRPr kumimoji="0" lang="pt-PT" sz="1600" b="1" i="0" u="none" strike="noStrike" cap="none" normalizeH="0" baseline="0" dirty="0" smtClean="0">
+              <a:ln>
+                <a:noFill/>
+              </a:ln>
+              <a:latin typeface="Consolas" pitchFamily="49" charset="0"/>
+            </a:endParaRPr>
+          </a:p>
+        </p:txBody>
+      </p:sp>
+      <p:sp>
+        <p:nvSpPr>
+          <p:cNvPr id="19" name="Rounded Rectangle 18"/>
+          <p:cNvSpPr/>
+          <p:nvPr/>
+        </p:nvSpPr>
+        <p:spPr bwMode="auto">
+          <a:xfrm>
+            <a:off x="6357950" y="3259807"/>
+            <a:ext cx="2643206" cy="394636"/>
+          </a:xfrm>
+          <a:prstGeom prst="roundRect">
+            <a:avLst/>
+          </a:prstGeom>
+          <a:ln>
+            <a:headEnd type="none" w="med" len="med"/>
+            <a:tailEnd type="none" w="med" len="med"/>
+          </a:ln>
+        </p:spPr>
+        <p:style>
+          <a:lnRef idx="2">
+            <a:schemeClr val="accent1">
+              <a:shade val="50000"/>
+            </a:schemeClr>
+          </a:lnRef>
+          <a:fillRef idx="1">
+            <a:schemeClr val="accent1"/>
+          </a:fillRef>
+          <a:effectRef idx="0">
+            <a:schemeClr val="accent1"/>
+          </a:effectRef>
+          <a:fontRef idx="minor">
+            <a:schemeClr val="lt1"/>
+          </a:fontRef>
+        </p:style>
+        <p:txBody>
+          <a:bodyPr vert="horz" wrap="square" lIns="91440" tIns="45720" rIns="91440" bIns="45720" numCol="1" rtlCol="0" anchor="t" anchorCtr="0" compatLnSpc="1">
+            <a:prstTxWarp prst="textNoShape">
+              <a:avLst/>
+            </a:prstTxWarp>
+          </a:bodyPr>
+          <a:lstStyle/>
+          <a:p>
+            <a:pPr marL="342900" marR="0" indent="-342900" algn="ctr" defTabSz="914400" rtl="0" eaLnBrk="1" fontAlgn="base" latinLnBrk="0" hangingPunct="1">
+              <a:lnSpc>
+                <a:spcPct val="100000"/>
+              </a:lnSpc>
+              <a:spcBef>
+                <a:spcPct val="20000"/>
+              </a:spcBef>
+              <a:spcAft>
+                <a:spcPct val="0"/>
+              </a:spcAft>
+              <a:buClrTx/>
+              <a:buSzTx/>
+              <a:tabLst/>
+            </a:pPr>
+            <a:r>
+              <a:rPr lang="pt-PT" sz="1600" b="1" dirty="0" err="1" smtClean="0">
+                <a:solidFill>
+                  <a:srgbClr val="FFFFFF"/>
+                </a:solidFill>
+                <a:effectLst>
+                  <a:outerShdw blurRad="38100" dist="38100" dir="2700000" algn="tl">
+                    <a:srgbClr val="000000">
+                      <a:alpha val="43137"/>
+                    </a:srgbClr>
+                  </a:outerShdw>
+                </a:effectLst>
+                <a:latin typeface="Consolas" pitchFamily="49" charset="0"/>
+              </a:rPr>
+              <a:t>Contract</a:t>
+            </a:r>
+            <a:r>
+              <a:rPr lang="pt-PT" sz="1600" dirty="0" err="1" smtClean="0">
+                <a:solidFill>
+                  <a:srgbClr val="FFFFFF"/>
+                </a:solidFill>
+                <a:effectLst>
+                  <a:outerShdw blurRad="38100" dist="38100" dir="2700000" algn="tl">
+                    <a:srgbClr val="000000">
+                      <a:alpha val="43137"/>
+                    </a:srgbClr>
+                  </a:outerShdw>
+                </a:effectLst>
+                <a:latin typeface="Consolas" pitchFamily="49" charset="0"/>
+              </a:rPr>
+              <a:t>Description</a:t>
+            </a:r>
+            <a:endParaRPr kumimoji="0" lang="pt-PT" sz="1600" i="0" u="none" strike="noStrike" cap="none" normalizeH="0" baseline="0" dirty="0" smtClean="0">
+              <a:ln>
+                <a:noFill/>
+              </a:ln>
+              <a:solidFill>
+                <a:srgbClr val="FFFFFF"/>
+              </a:solidFill>
+              <a:effectLst>
+                <a:outerShdw blurRad="38100" dist="38100" dir="2700000" algn="tl">
+                  <a:srgbClr val="000000">
+                    <a:alpha val="43137"/>
+                  </a:srgbClr>
+                </a:outerShdw>
+              </a:effectLst>
+              <a:latin typeface="Consolas" pitchFamily="49" charset="0"/>
+            </a:endParaRPr>
+          </a:p>
+        </p:txBody>
+      </p:sp>
+      <p:cxnSp>
+        <p:nvCxnSpPr>
+          <p:cNvPr id="20" name="Straight Arrow Connector 19"/>
+          <p:cNvCxnSpPr>
+            <a:stCxn id="12" idx="1"/>
+            <a:endCxn id="14" idx="3"/>
+          </p:cNvCxnSpPr>
+          <p:nvPr/>
+        </p:nvCxnSpPr>
+        <p:spPr>
+          <a:xfrm rot="10800000">
+            <a:off x="6041820" y="2244182"/>
+            <a:ext cx="173255" cy="1588"/>
+          </a:xfrm>
+          <a:prstGeom prst="straightConnector1">
+            <a:avLst/>
+          </a:prstGeom>
+          <a:ln>
+            <a:tailEnd type="arrow"/>
+          </a:ln>
+        </p:spPr>
+        <p:style>
+          <a:lnRef idx="2">
+            <a:schemeClr val="accent1">
+              <a:shade val="50000"/>
+            </a:schemeClr>
+          </a:lnRef>
+          <a:fillRef idx="1">
+            <a:schemeClr val="accent1"/>
+          </a:fillRef>
+          <a:effectRef idx="0">
+            <a:schemeClr val="accent1"/>
+          </a:effectRef>
+          <a:fontRef idx="minor">
+            <a:schemeClr val="lt1"/>
+          </a:fontRef>
+        </p:style>
+      </p:cxnSp>
+      <p:cxnSp>
+        <p:nvCxnSpPr>
+          <p:cNvPr id="21" name="Straight Arrow Connector 20"/>
+          <p:cNvCxnSpPr>
+            <a:stCxn id="19" idx="1"/>
+            <a:endCxn id="13" idx="3"/>
+          </p:cNvCxnSpPr>
+          <p:nvPr/>
+        </p:nvCxnSpPr>
+        <p:spPr>
+          <a:xfrm rot="10800000">
+            <a:off x="6072198" y="3457125"/>
+            <a:ext cx="285752" cy="1588"/>
+          </a:xfrm>
+          <a:prstGeom prst="straightConnector1">
+            <a:avLst/>
+          </a:prstGeom>
+          <a:ln>
+            <a:tailEnd type="arrow"/>
+          </a:ln>
+        </p:spPr>
+        <p:style>
+          <a:lnRef idx="2">
+            <a:schemeClr val="accent1">
+              <a:shade val="50000"/>
+            </a:schemeClr>
+          </a:lnRef>
+          <a:fillRef idx="1">
+            <a:schemeClr val="accent1"/>
+          </a:fillRef>
+          <a:effectRef idx="0">
+            <a:schemeClr val="accent1"/>
+          </a:effectRef>
+          <a:fontRef idx="minor">
+            <a:schemeClr val="lt1"/>
+          </a:fontRef>
+        </p:style>
+      </p:cxnSp>
+      <p:cxnSp>
+        <p:nvCxnSpPr>
+          <p:cNvPr id="22" name="Straight Arrow Connector 21"/>
+          <p:cNvCxnSpPr>
+            <a:stCxn id="15" idx="1"/>
+            <a:endCxn id="17" idx="3"/>
+          </p:cNvCxnSpPr>
+          <p:nvPr/>
+        </p:nvCxnSpPr>
+        <p:spPr>
+          <a:xfrm rot="10800000" flipV="1">
+            <a:off x="6052468" y="5223682"/>
+            <a:ext cx="376920" cy="4812"/>
+          </a:xfrm>
+          <a:prstGeom prst="straightConnector1">
+            <a:avLst/>
+          </a:prstGeom>
+          <a:ln>
+            <a:tailEnd type="arrow"/>
+          </a:ln>
+        </p:spPr>
+        <p:style>
+          <a:lnRef idx="2">
+            <a:schemeClr val="accent1">
+              <a:shade val="50000"/>
+            </a:schemeClr>
+          </a:lnRef>
+          <a:fillRef idx="1">
+            <a:schemeClr val="accent1"/>
+          </a:fillRef>
+          <a:effectRef idx="0">
+            <a:schemeClr val="accent1"/>
+          </a:effectRef>
+          <a:fontRef idx="minor">
+            <a:schemeClr val="lt1"/>
+          </a:fontRef>
+        </p:style>
+      </p:cxnSp>
+      <p:cxnSp>
+        <p:nvCxnSpPr>
+          <p:cNvPr id="23" name="Straight Arrow Connector 22"/>
+          <p:cNvCxnSpPr>
+            <a:stCxn id="15" idx="0"/>
+            <a:endCxn id="16" idx="2"/>
+          </p:cNvCxnSpPr>
+          <p:nvPr/>
+        </p:nvCxnSpPr>
+        <p:spPr>
+          <a:xfrm rot="5400000" flipH="1" flipV="1">
+            <a:off x="7419655" y="4771279"/>
+            <a:ext cx="519477" cy="319"/>
+          </a:xfrm>
+          <a:prstGeom prst="straightConnector1">
+            <a:avLst/>
+          </a:prstGeom>
+          <a:ln>
+            <a:tailEnd type="arrow"/>
+          </a:ln>
+        </p:spPr>
+        <p:style>
+          <a:lnRef idx="2">
+            <a:schemeClr val="accent1">
+              <a:shade val="50000"/>
+            </a:schemeClr>
+          </a:lnRef>
+          <a:fillRef idx="1">
+            <a:schemeClr val="accent1"/>
+          </a:fillRef>
+          <a:effectRef idx="0">
+            <a:schemeClr val="accent1"/>
+          </a:effectRef>
+          <a:fontRef idx="minor">
+            <a:schemeClr val="lt1"/>
+          </a:fontRef>
+        </p:style>
+      </p:cxnSp>
+      <p:cxnSp>
+        <p:nvCxnSpPr>
+          <p:cNvPr id="24" name="Straight Arrow Connector 23"/>
+          <p:cNvCxnSpPr>
+            <a:stCxn id="16" idx="0"/>
+            <a:endCxn id="19" idx="2"/>
+          </p:cNvCxnSpPr>
+          <p:nvPr/>
+        </p:nvCxnSpPr>
+        <p:spPr>
+          <a:xfrm rot="5400000" flipH="1" flipV="1">
+            <a:off x="7448243" y="3885753"/>
+            <a:ext cx="462620" cy="1588"/>
+          </a:xfrm>
+          <a:prstGeom prst="straightConnector1">
+            <a:avLst/>
+          </a:prstGeom>
+          <a:ln>
+            <a:tailEnd type="arrow"/>
+          </a:ln>
+        </p:spPr>
+        <p:style>
+          <a:lnRef idx="2">
+            <a:schemeClr val="accent1">
+              <a:shade val="50000"/>
+            </a:schemeClr>
+          </a:lnRef>
+          <a:fillRef idx="1">
+            <a:schemeClr val="accent1"/>
+          </a:fillRef>
+          <a:effectRef idx="0">
+            <a:schemeClr val="accent1"/>
+          </a:effectRef>
+          <a:fontRef idx="minor">
+            <a:schemeClr val="lt1"/>
+          </a:fontRef>
+        </p:style>
+      </p:cxnSp>
+      <p:cxnSp>
+        <p:nvCxnSpPr>
+          <p:cNvPr id="25" name="Straight Arrow Connector 24"/>
+          <p:cNvCxnSpPr>
+            <a:stCxn id="19" idx="0"/>
+            <a:endCxn id="12" idx="2"/>
+          </p:cNvCxnSpPr>
+          <p:nvPr/>
+        </p:nvCxnSpPr>
+        <p:spPr>
+          <a:xfrm rot="16200000" flipV="1">
+            <a:off x="7270392" y="2850646"/>
+            <a:ext cx="818307" cy="16"/>
+          </a:xfrm>
+          <a:prstGeom prst="straightConnector1">
+            <a:avLst/>
+          </a:prstGeom>
+          <a:ln>
+            <a:tailEnd type="arrow"/>
+          </a:ln>
+        </p:spPr>
+        <p:style>
+          <a:lnRef idx="2">
+            <a:schemeClr val="accent1">
+              <a:shade val="50000"/>
+            </a:schemeClr>
+          </a:lnRef>
+          <a:fillRef idx="1">
+            <a:schemeClr val="accent1"/>
+          </a:fillRef>
+          <a:effectRef idx="0">
+            <a:schemeClr val="accent1"/>
+          </a:effectRef>
+          <a:fontRef idx="minor">
+            <a:schemeClr val="lt1"/>
+          </a:fontRef>
+        </p:style>
+      </p:cxnSp>
+      <p:cxnSp>
+        <p:nvCxnSpPr>
+          <p:cNvPr id="26" name="Straight Arrow Connector 25"/>
+          <p:cNvCxnSpPr>
+            <a:stCxn id="16" idx="1"/>
+            <a:endCxn id="18" idx="3"/>
+          </p:cNvCxnSpPr>
+          <p:nvPr/>
+        </p:nvCxnSpPr>
+        <p:spPr>
+          <a:xfrm rot="10800000">
+            <a:off x="6072198" y="4314381"/>
+            <a:ext cx="285752" cy="1588"/>
+          </a:xfrm>
+          <a:prstGeom prst="straightConnector1">
+            <a:avLst/>
+          </a:prstGeom>
+          <a:ln>
+            <a:tailEnd type="arrow"/>
+          </a:ln>
+        </p:spPr>
+        <p:style>
+          <a:lnRef idx="2">
+            <a:schemeClr val="accent1">
+              <a:shade val="50000"/>
+            </a:schemeClr>
+          </a:lnRef>
+          <a:fillRef idx="1">
+            <a:schemeClr val="accent1"/>
+          </a:fillRef>
+          <a:effectRef idx="0">
+            <a:schemeClr val="accent1"/>
+          </a:effectRef>
+          <a:fontRef idx="minor">
+            <a:schemeClr val="lt1"/>
+          </a:fontRef>
+        </p:style>
+      </p:cxnSp>
+      <p:sp>
+        <p:nvSpPr>
+          <p:cNvPr id="27" name="Left Arrow 26"/>
+          <p:cNvSpPr/>
+          <p:nvPr/>
+        </p:nvSpPr>
+        <p:spPr bwMode="auto">
+          <a:xfrm>
+            <a:off x="2643174" y="2261178"/>
+            <a:ext cx="1000132" cy="785818"/>
+          </a:xfrm>
+          <a:prstGeom prst="leftArrow">
+            <a:avLst/>
+          </a:prstGeom>
+          <a:ln>
+            <a:headEnd type="none" w="med" len="med"/>
+            <a:tailEnd type="none" w="med" len="med"/>
+          </a:ln>
+        </p:spPr>
+        <p:style>
+          <a:lnRef idx="2">
+            <a:schemeClr val="accent2"/>
+          </a:lnRef>
+          <a:fillRef idx="1">
+            <a:schemeClr val="lt1"/>
+          </a:fillRef>
+          <a:effectRef idx="0">
+            <a:schemeClr val="accent2"/>
+          </a:effectRef>
+          <a:fontRef idx="minor">
+            <a:schemeClr val="dk1"/>
+          </a:fontRef>
+        </p:style>
+        <p:txBody>
+          <a:bodyPr vert="horz" wrap="square" lIns="91436" tIns="45718" rIns="91436" bIns="45718" numCol="1" rtlCol="0" anchor="ctr" anchorCtr="0" compatLnSpc="1">
+            <a:prstTxWarp prst="textNoShape">
+              <a:avLst/>
+            </a:prstTxWarp>
+          </a:bodyPr>
+          <a:lstStyle/>
+          <a:p>
+            <a:pPr algn="ctr" defTabSz="914099" fontAlgn="base">
+              <a:spcBef>
+                <a:spcPct val="0"/>
+              </a:spcBef>
+              <a:spcAft>
+                <a:spcPct val="0"/>
+              </a:spcAft>
+            </a:pPr>
+            <a:r>
+              <a:rPr lang="pt-PT" dirty="0" err="1" smtClean="0">
+                <a:solidFill>
+                  <a:schemeClr val="tx1"/>
+                </a:solidFill>
+                <a:latin typeface="Segoe" pitchFamily="34" charset="0"/>
+              </a:rPr>
+              <a:t>Apply</a:t>
+            </a:r>
+            <a:endParaRPr lang="pt-PT" dirty="0" smtClean="0">
+              <a:solidFill>
+                <a:schemeClr val="tx1"/>
+              </a:solidFill>
+              <a:latin typeface="Segoe" pitchFamily="34" charset="0"/>
+            </a:endParaRPr>
+          </a:p>
+        </p:txBody>
+      </p:sp>
+      <p:sp>
+        <p:nvSpPr>
+          <p:cNvPr id="28" name="Left Arrow 27"/>
+          <p:cNvSpPr/>
+          <p:nvPr/>
+        </p:nvSpPr>
+        <p:spPr bwMode="auto">
+          <a:xfrm>
+            <a:off x="2714612" y="3474121"/>
+            <a:ext cx="1000132" cy="785818"/>
+          </a:xfrm>
+          <a:prstGeom prst="leftArrow">
+            <a:avLst/>
+          </a:prstGeom>
+          <a:ln>
+            <a:headEnd type="none" w="med" len="med"/>
+            <a:tailEnd type="none" w="med" len="med"/>
+          </a:ln>
+        </p:spPr>
+        <p:style>
+          <a:lnRef idx="2">
+            <a:schemeClr val="accent2"/>
+          </a:lnRef>
+          <a:fillRef idx="1">
+            <a:schemeClr val="lt1"/>
+          </a:fillRef>
+          <a:effectRef idx="0">
+            <a:schemeClr val="accent2"/>
+          </a:effectRef>
+          <a:fontRef idx="minor">
+            <a:schemeClr val="dk1"/>
+          </a:fontRef>
+        </p:style>
+        <p:txBody>
+          <a:bodyPr vert="horz" wrap="square" lIns="91436" tIns="45718" rIns="91436" bIns="45718" numCol="1" rtlCol="0" anchor="ctr" anchorCtr="0" compatLnSpc="1">
+            <a:prstTxWarp prst="textNoShape">
+              <a:avLst/>
+            </a:prstTxWarp>
+          </a:bodyPr>
+          <a:lstStyle/>
+          <a:p>
+            <a:pPr algn="ctr" defTabSz="914099" fontAlgn="base">
+              <a:spcBef>
+                <a:spcPct val="0"/>
+              </a:spcBef>
+              <a:spcAft>
+                <a:spcPct val="0"/>
+              </a:spcAft>
+            </a:pPr>
+            <a:r>
+              <a:rPr lang="pt-PT" dirty="0" err="1" smtClean="0">
+                <a:solidFill>
+                  <a:schemeClr val="tx1"/>
+                </a:solidFill>
+                <a:latin typeface="Segoe" pitchFamily="34" charset="0"/>
+              </a:rPr>
+              <a:t>Apply</a:t>
+            </a:r>
+            <a:endParaRPr lang="pt-PT" dirty="0" smtClean="0">
+              <a:solidFill>
+                <a:schemeClr val="tx1"/>
+              </a:solidFill>
+              <a:latin typeface="Segoe" pitchFamily="34" charset="0"/>
+            </a:endParaRPr>
+          </a:p>
+        </p:txBody>
+      </p:sp>
+      <p:sp>
+        <p:nvSpPr>
+          <p:cNvPr id="29" name="Left Arrow 28"/>
+          <p:cNvSpPr/>
+          <p:nvPr/>
+        </p:nvSpPr>
+        <p:spPr bwMode="auto">
+          <a:xfrm>
+            <a:off x="2724237" y="5273758"/>
+            <a:ext cx="1000132" cy="785818"/>
+          </a:xfrm>
+          <a:prstGeom prst="leftArrow">
+            <a:avLst/>
+          </a:prstGeom>
+          <a:ln>
+            <a:headEnd type="none" w="med" len="med"/>
+            <a:tailEnd type="none" w="med" len="med"/>
+          </a:ln>
+        </p:spPr>
+        <p:style>
+          <a:lnRef idx="2">
+            <a:schemeClr val="accent2"/>
+          </a:lnRef>
+          <a:fillRef idx="1">
+            <a:schemeClr val="lt1"/>
+          </a:fillRef>
+          <a:effectRef idx="0">
+            <a:schemeClr val="accent2"/>
+          </a:effectRef>
+          <a:fontRef idx="minor">
+            <a:schemeClr val="dk1"/>
+          </a:fontRef>
+        </p:style>
+        <p:txBody>
+          <a:bodyPr vert="horz" wrap="square" lIns="91436" tIns="45718" rIns="91436" bIns="45718" numCol="1" rtlCol="0" anchor="ctr" anchorCtr="0" compatLnSpc="1">
+            <a:prstTxWarp prst="textNoShape">
+              <a:avLst/>
+            </a:prstTxWarp>
+          </a:bodyPr>
+          <a:lstStyle/>
+          <a:p>
+            <a:pPr algn="ctr" defTabSz="914099" fontAlgn="base">
+              <a:spcBef>
+                <a:spcPct val="0"/>
+              </a:spcBef>
+              <a:spcAft>
+                <a:spcPct val="0"/>
+              </a:spcAft>
+            </a:pPr>
+            <a:r>
+              <a:rPr lang="pt-PT" dirty="0" err="1" smtClean="0">
+                <a:solidFill>
+                  <a:schemeClr val="tx1"/>
+                </a:solidFill>
+                <a:latin typeface="Segoe" pitchFamily="34" charset="0"/>
+              </a:rPr>
+              <a:t>Apply</a:t>
+            </a:r>
+            <a:endParaRPr lang="pt-PT" dirty="0" smtClean="0">
+              <a:solidFill>
+                <a:schemeClr val="tx1"/>
+              </a:solidFill>
+              <a:latin typeface="Segoe" pitchFamily="34" charset="0"/>
+            </a:endParaRPr>
+          </a:p>
+        </p:txBody>
+      </p:sp>
+    </p:spTree>
+    <p:extLst>
+      <p:ext uri="{BB962C8B-B14F-4D97-AF65-F5344CB8AC3E}">
+        <p14:creationId xmlns:p14="http://schemas.microsoft.com/office/powerpoint/2010/main" val="1276650582"/>
+      </p:ext>
+    </p:extLst>
+  </p:cSld>
+  <p:clrMapOvr>
+    <a:masterClrMapping/>
+  </p:clrMapOvr>
+</p:sld>
+</file>
+
 <file path=ppt/slides/slide2.xml><?xml version="1.0" encoding="utf-8"?>
 <p:sld xmlns:a="http://schemas.openxmlformats.org/drawingml/2006/main" xmlns:r="http://schemas.openxmlformats.org/officeDocument/2006/relationships" xmlns:p="http://schemas.openxmlformats.org/presentationml/2006/main">
   <p:cSld>
@@ -8466,6 +12345,4069 @@
     <p:extLst>
       <p:ext uri="{BB962C8B-B14F-4D97-AF65-F5344CB8AC3E}">
         <p14:creationId xmlns:p14="http://schemas.microsoft.com/office/powerpoint/2010/main" val="2817954797"/>
+      </p:ext>
+    </p:extLst>
+  </p:cSld>
+  <p:clrMapOvr>
+    <a:masterClrMapping/>
+  </p:clrMapOvr>
+</p:sld>
+</file>
+
+<file path=ppt/slides/slide7.xml><?xml version="1.0" encoding="utf-8"?>
+<p:sld xmlns:a="http://schemas.openxmlformats.org/drawingml/2006/main" xmlns:r="http://schemas.openxmlformats.org/officeDocument/2006/relationships" xmlns:p="http://schemas.openxmlformats.org/presentationml/2006/main">
+  <p:cSld>
+    <p:spTree>
+      <p:nvGrpSpPr>
+        <p:cNvPr id="1" name=""/>
+        <p:cNvGrpSpPr/>
+        <p:nvPr/>
+      </p:nvGrpSpPr>
+      <p:grpSpPr>
+        <a:xfrm>
+          <a:off x="0" y="0"/>
+          <a:ext cx="0" cy="0"/>
+          <a:chOff x="0" y="0"/>
+          <a:chExt cx="0" cy="0"/>
+        </a:xfrm>
+      </p:grpSpPr>
+      <p:sp>
+        <p:nvSpPr>
+          <p:cNvPr id="2" name="Rectangle 1"/>
+          <p:cNvSpPr/>
+          <p:nvPr/>
+        </p:nvSpPr>
+        <p:spPr>
+          <a:xfrm>
+            <a:off x="1065242" y="3269002"/>
+            <a:ext cx="1656184" cy="576064"/>
+          </a:xfrm>
+          <a:prstGeom prst="rect">
+            <a:avLst/>
+          </a:prstGeom>
+        </p:spPr>
+        <p:style>
+          <a:lnRef idx="2">
+            <a:schemeClr val="accent1">
+              <a:shade val="50000"/>
+            </a:schemeClr>
+          </a:lnRef>
+          <a:fillRef idx="1">
+            <a:schemeClr val="accent1"/>
+          </a:fillRef>
+          <a:effectRef idx="0">
+            <a:schemeClr val="accent1"/>
+          </a:effectRef>
+          <a:fontRef idx="minor">
+            <a:schemeClr val="lt1"/>
+          </a:fontRef>
+        </p:style>
+        <p:txBody>
+          <a:bodyPr rtlCol="0" anchor="ctr"/>
+          <a:lstStyle/>
+          <a:p>
+            <a:pPr algn="ctr"/>
+            <a:r>
+              <a:rPr lang="pt-PT" dirty="0" smtClean="0"/>
+              <a:t>Protocol channel</a:t>
+            </a:r>
+            <a:endParaRPr lang="en-US" dirty="0"/>
+          </a:p>
+        </p:txBody>
+      </p:sp>
+      <p:sp>
+        <p:nvSpPr>
+          <p:cNvPr id="3" name="Rectangle 2"/>
+          <p:cNvSpPr/>
+          <p:nvPr/>
+        </p:nvSpPr>
+        <p:spPr>
+          <a:xfrm>
+            <a:off x="1065242" y="3951374"/>
+            <a:ext cx="1656184" cy="576064"/>
+          </a:xfrm>
+          <a:prstGeom prst="rect">
+            <a:avLst/>
+          </a:prstGeom>
+        </p:spPr>
+        <p:style>
+          <a:lnRef idx="2">
+            <a:schemeClr val="accent1">
+              <a:shade val="50000"/>
+            </a:schemeClr>
+          </a:lnRef>
+          <a:fillRef idx="1">
+            <a:schemeClr val="accent1"/>
+          </a:fillRef>
+          <a:effectRef idx="0">
+            <a:schemeClr val="accent1"/>
+          </a:effectRef>
+          <a:fontRef idx="minor">
+            <a:schemeClr val="lt1"/>
+          </a:fontRef>
+        </p:style>
+        <p:txBody>
+          <a:bodyPr rtlCol="0" anchor="ctr"/>
+          <a:lstStyle/>
+          <a:p>
+            <a:pPr algn="ctr"/>
+            <a:r>
+              <a:rPr lang="pt-PT" dirty="0" smtClean="0"/>
+              <a:t>Protocol channel</a:t>
+            </a:r>
+            <a:endParaRPr lang="en-US" dirty="0"/>
+          </a:p>
+        </p:txBody>
+      </p:sp>
+      <p:sp>
+        <p:nvSpPr>
+          <p:cNvPr id="4" name="Rectangle 3"/>
+          <p:cNvSpPr/>
+          <p:nvPr/>
+        </p:nvSpPr>
+        <p:spPr>
+          <a:xfrm>
+            <a:off x="1065242" y="5229200"/>
+            <a:ext cx="1652068" cy="576064"/>
+          </a:xfrm>
+          <a:prstGeom prst="rect">
+            <a:avLst/>
+          </a:prstGeom>
+        </p:spPr>
+        <p:style>
+          <a:lnRef idx="2">
+            <a:schemeClr val="accent2">
+              <a:shade val="50000"/>
+            </a:schemeClr>
+          </a:lnRef>
+          <a:fillRef idx="1">
+            <a:schemeClr val="accent2"/>
+          </a:fillRef>
+          <a:effectRef idx="0">
+            <a:schemeClr val="accent2"/>
+          </a:effectRef>
+          <a:fontRef idx="minor">
+            <a:schemeClr val="lt1"/>
+          </a:fontRef>
+        </p:style>
+        <p:txBody>
+          <a:bodyPr rtlCol="0" anchor="ctr"/>
+          <a:lstStyle/>
+          <a:p>
+            <a:pPr algn="ctr"/>
+            <a:r>
+              <a:rPr lang="pt-PT" dirty="0" smtClean="0"/>
+              <a:t>Transport channel</a:t>
+            </a:r>
+            <a:endParaRPr lang="en-US" dirty="0"/>
+          </a:p>
+        </p:txBody>
+      </p:sp>
+      <p:sp>
+        <p:nvSpPr>
+          <p:cNvPr id="5" name="Rectangle 4"/>
+          <p:cNvSpPr/>
+          <p:nvPr/>
+        </p:nvSpPr>
+        <p:spPr>
+          <a:xfrm>
+            <a:off x="1061126" y="4633428"/>
+            <a:ext cx="1656184" cy="576064"/>
+          </a:xfrm>
+          <a:prstGeom prst="rect">
+            <a:avLst/>
+          </a:prstGeom>
+        </p:spPr>
+        <p:style>
+          <a:lnRef idx="2">
+            <a:schemeClr val="accent2">
+              <a:shade val="50000"/>
+            </a:schemeClr>
+          </a:lnRef>
+          <a:fillRef idx="1">
+            <a:schemeClr val="accent2"/>
+          </a:fillRef>
+          <a:effectRef idx="0">
+            <a:schemeClr val="accent2"/>
+          </a:effectRef>
+          <a:fontRef idx="minor">
+            <a:schemeClr val="lt1"/>
+          </a:fontRef>
+        </p:style>
+        <p:txBody>
+          <a:bodyPr rtlCol="0" anchor="ctr"/>
+          <a:lstStyle/>
+          <a:p>
+            <a:pPr algn="ctr"/>
+            <a:r>
+              <a:rPr lang="pt-PT" dirty="0" smtClean="0"/>
+              <a:t>Encoder</a:t>
+            </a:r>
+            <a:endParaRPr lang="en-US" dirty="0"/>
+          </a:p>
+        </p:txBody>
+      </p:sp>
+      <p:sp>
+        <p:nvSpPr>
+          <p:cNvPr id="6" name="Rectangle 5"/>
+          <p:cNvSpPr/>
+          <p:nvPr/>
+        </p:nvSpPr>
+        <p:spPr>
+          <a:xfrm>
+            <a:off x="4716016" y="3269002"/>
+            <a:ext cx="1656184" cy="576064"/>
+          </a:xfrm>
+          <a:prstGeom prst="rect">
+            <a:avLst/>
+          </a:prstGeom>
+        </p:spPr>
+        <p:style>
+          <a:lnRef idx="2">
+            <a:schemeClr val="accent1">
+              <a:shade val="50000"/>
+            </a:schemeClr>
+          </a:lnRef>
+          <a:fillRef idx="1">
+            <a:schemeClr val="accent1"/>
+          </a:fillRef>
+          <a:effectRef idx="0">
+            <a:schemeClr val="accent1"/>
+          </a:effectRef>
+          <a:fontRef idx="minor">
+            <a:schemeClr val="lt1"/>
+          </a:fontRef>
+        </p:style>
+        <p:txBody>
+          <a:bodyPr rtlCol="0" anchor="ctr"/>
+          <a:lstStyle/>
+          <a:p>
+            <a:pPr algn="ctr"/>
+            <a:r>
+              <a:rPr lang="pt-PT" dirty="0" smtClean="0"/>
+              <a:t>Protocol channel</a:t>
+            </a:r>
+            <a:endParaRPr lang="en-US" dirty="0"/>
+          </a:p>
+        </p:txBody>
+      </p:sp>
+      <p:sp>
+        <p:nvSpPr>
+          <p:cNvPr id="7" name="Rectangle 6"/>
+          <p:cNvSpPr/>
+          <p:nvPr/>
+        </p:nvSpPr>
+        <p:spPr>
+          <a:xfrm>
+            <a:off x="4716016" y="3951374"/>
+            <a:ext cx="1656184" cy="576064"/>
+          </a:xfrm>
+          <a:prstGeom prst="rect">
+            <a:avLst/>
+          </a:prstGeom>
+        </p:spPr>
+        <p:style>
+          <a:lnRef idx="2">
+            <a:schemeClr val="accent1">
+              <a:shade val="50000"/>
+            </a:schemeClr>
+          </a:lnRef>
+          <a:fillRef idx="1">
+            <a:schemeClr val="accent1"/>
+          </a:fillRef>
+          <a:effectRef idx="0">
+            <a:schemeClr val="accent1"/>
+          </a:effectRef>
+          <a:fontRef idx="minor">
+            <a:schemeClr val="lt1"/>
+          </a:fontRef>
+        </p:style>
+        <p:txBody>
+          <a:bodyPr rtlCol="0" anchor="ctr"/>
+          <a:lstStyle/>
+          <a:p>
+            <a:pPr algn="ctr"/>
+            <a:r>
+              <a:rPr lang="pt-PT" dirty="0" smtClean="0"/>
+              <a:t>Protocol channel</a:t>
+            </a:r>
+            <a:endParaRPr lang="en-US" dirty="0"/>
+          </a:p>
+        </p:txBody>
+      </p:sp>
+      <p:sp>
+        <p:nvSpPr>
+          <p:cNvPr id="8" name="Rectangle 7"/>
+          <p:cNvSpPr/>
+          <p:nvPr/>
+        </p:nvSpPr>
+        <p:spPr>
+          <a:xfrm>
+            <a:off x="4716016" y="5229200"/>
+            <a:ext cx="1656184" cy="576064"/>
+          </a:xfrm>
+          <a:prstGeom prst="rect">
+            <a:avLst/>
+          </a:prstGeom>
+        </p:spPr>
+        <p:style>
+          <a:lnRef idx="2">
+            <a:schemeClr val="accent2">
+              <a:shade val="50000"/>
+            </a:schemeClr>
+          </a:lnRef>
+          <a:fillRef idx="1">
+            <a:schemeClr val="accent2"/>
+          </a:fillRef>
+          <a:effectRef idx="0">
+            <a:schemeClr val="accent2"/>
+          </a:effectRef>
+          <a:fontRef idx="minor">
+            <a:schemeClr val="lt1"/>
+          </a:fontRef>
+        </p:style>
+        <p:txBody>
+          <a:bodyPr rtlCol="0" anchor="ctr"/>
+          <a:lstStyle/>
+          <a:p>
+            <a:pPr algn="ctr"/>
+            <a:r>
+              <a:rPr lang="pt-PT" dirty="0" smtClean="0"/>
+              <a:t>Transport channel</a:t>
+            </a:r>
+            <a:endParaRPr lang="en-US" dirty="0"/>
+          </a:p>
+        </p:txBody>
+      </p:sp>
+      <p:sp>
+        <p:nvSpPr>
+          <p:cNvPr id="9" name="Rectangle 8"/>
+          <p:cNvSpPr/>
+          <p:nvPr/>
+        </p:nvSpPr>
+        <p:spPr>
+          <a:xfrm>
+            <a:off x="4711900" y="4633428"/>
+            <a:ext cx="1656184" cy="576064"/>
+          </a:xfrm>
+          <a:prstGeom prst="rect">
+            <a:avLst/>
+          </a:prstGeom>
+        </p:spPr>
+        <p:style>
+          <a:lnRef idx="2">
+            <a:schemeClr val="accent2">
+              <a:shade val="50000"/>
+            </a:schemeClr>
+          </a:lnRef>
+          <a:fillRef idx="1">
+            <a:schemeClr val="accent2"/>
+          </a:fillRef>
+          <a:effectRef idx="0">
+            <a:schemeClr val="accent2"/>
+          </a:effectRef>
+          <a:fontRef idx="minor">
+            <a:schemeClr val="lt1"/>
+          </a:fontRef>
+        </p:style>
+        <p:txBody>
+          <a:bodyPr rtlCol="0" anchor="ctr"/>
+          <a:lstStyle/>
+          <a:p>
+            <a:pPr algn="ctr"/>
+            <a:r>
+              <a:rPr lang="pt-PT" dirty="0" smtClean="0"/>
+              <a:t>Encoder</a:t>
+            </a:r>
+            <a:endParaRPr lang="en-US" dirty="0"/>
+          </a:p>
+        </p:txBody>
+      </p:sp>
+      <p:sp>
+        <p:nvSpPr>
+          <p:cNvPr id="11" name="Can 10"/>
+          <p:cNvSpPr/>
+          <p:nvPr/>
+        </p:nvSpPr>
+        <p:spPr>
+          <a:xfrm rot="16200000">
+            <a:off x="3536643" y="4305971"/>
+            <a:ext cx="360040" cy="3646658"/>
+          </a:xfrm>
+          <a:prstGeom prst="can">
+            <a:avLst/>
+          </a:prstGeom>
+        </p:spPr>
+        <p:style>
+          <a:lnRef idx="2">
+            <a:schemeClr val="accent2">
+              <a:shade val="50000"/>
+            </a:schemeClr>
+          </a:lnRef>
+          <a:fillRef idx="1">
+            <a:schemeClr val="accent2"/>
+          </a:fillRef>
+          <a:effectRef idx="0">
+            <a:schemeClr val="accent2"/>
+          </a:effectRef>
+          <a:fontRef idx="minor">
+            <a:schemeClr val="lt1"/>
+          </a:fontRef>
+        </p:style>
+        <p:txBody>
+          <a:bodyPr rtlCol="0" anchor="ctr"/>
+          <a:lstStyle/>
+          <a:p>
+            <a:pPr algn="ctr"/>
+            <a:endParaRPr lang="en-US"/>
+          </a:p>
+        </p:txBody>
+      </p:sp>
+      <p:cxnSp>
+        <p:nvCxnSpPr>
+          <p:cNvPr id="13" name="Straight Arrow Connector 12"/>
+          <p:cNvCxnSpPr>
+            <a:stCxn id="11" idx="3"/>
+            <a:endCxn id="8" idx="2"/>
+          </p:cNvCxnSpPr>
+          <p:nvPr/>
+        </p:nvCxnSpPr>
+        <p:spPr>
+          <a:xfrm flipV="1">
+            <a:off x="5539992" y="5805264"/>
+            <a:ext cx="4116" cy="324036"/>
+          </a:xfrm>
+          <a:prstGeom prst="straightConnector1">
+            <a:avLst/>
+          </a:prstGeom>
+          <a:ln>
+            <a:tailEnd type="arrow"/>
+          </a:ln>
+        </p:spPr>
+        <p:style>
+          <a:lnRef idx="2">
+            <a:schemeClr val="accent2"/>
+          </a:lnRef>
+          <a:fillRef idx="0">
+            <a:schemeClr val="accent2"/>
+          </a:fillRef>
+          <a:effectRef idx="1">
+            <a:schemeClr val="accent2"/>
+          </a:effectRef>
+          <a:fontRef idx="minor">
+            <a:schemeClr val="tx1"/>
+          </a:fontRef>
+        </p:style>
+      </p:cxnSp>
+      <p:cxnSp>
+        <p:nvCxnSpPr>
+          <p:cNvPr id="16" name="Straight Arrow Connector 15"/>
+          <p:cNvCxnSpPr>
+            <a:stCxn id="4" idx="2"/>
+            <a:endCxn id="11" idx="1"/>
+          </p:cNvCxnSpPr>
+          <p:nvPr/>
+        </p:nvCxnSpPr>
+        <p:spPr>
+          <a:xfrm>
+            <a:off x="1891276" y="5805264"/>
+            <a:ext cx="2058" cy="324036"/>
+          </a:xfrm>
+          <a:prstGeom prst="straightConnector1">
+            <a:avLst/>
+          </a:prstGeom>
+          <a:ln>
+            <a:tailEnd type="arrow"/>
+          </a:ln>
+        </p:spPr>
+        <p:style>
+          <a:lnRef idx="2">
+            <a:schemeClr val="accent2"/>
+          </a:lnRef>
+          <a:fillRef idx="0">
+            <a:schemeClr val="accent2"/>
+          </a:fillRef>
+          <a:effectRef idx="1">
+            <a:schemeClr val="accent2"/>
+          </a:effectRef>
+          <a:fontRef idx="minor">
+            <a:schemeClr val="tx1"/>
+          </a:fontRef>
+        </p:style>
+      </p:cxnSp>
+      <p:sp>
+        <p:nvSpPr>
+          <p:cNvPr id="19" name="Snip Same Side Corner Rectangle 18"/>
+          <p:cNvSpPr/>
+          <p:nvPr/>
+        </p:nvSpPr>
+        <p:spPr>
+          <a:xfrm>
+            <a:off x="4711900" y="2420888"/>
+            <a:ext cx="1656184" cy="576064"/>
+          </a:xfrm>
+          <a:prstGeom prst="snip2SameRect">
+            <a:avLst/>
+          </a:prstGeom>
+        </p:spPr>
+        <p:style>
+          <a:lnRef idx="2">
+            <a:schemeClr val="accent3">
+              <a:shade val="50000"/>
+            </a:schemeClr>
+          </a:lnRef>
+          <a:fillRef idx="1">
+            <a:schemeClr val="accent3"/>
+          </a:fillRef>
+          <a:effectRef idx="0">
+            <a:schemeClr val="accent3"/>
+          </a:effectRef>
+          <a:fontRef idx="minor">
+            <a:schemeClr val="lt1"/>
+          </a:fontRef>
+        </p:style>
+        <p:txBody>
+          <a:bodyPr rtlCol="0" anchor="ctr"/>
+          <a:lstStyle/>
+          <a:p>
+            <a:pPr algn="ctr"/>
+            <a:r>
+              <a:rPr lang="pt-PT" dirty="0" smtClean="0"/>
+              <a:t>Dispatcher</a:t>
+            </a:r>
+            <a:endParaRPr lang="en-US" dirty="0"/>
+          </a:p>
+        </p:txBody>
+      </p:sp>
+      <p:sp>
+        <p:nvSpPr>
+          <p:cNvPr id="20" name="Snip Same Side Corner Rectangle 19"/>
+          <p:cNvSpPr/>
+          <p:nvPr/>
+        </p:nvSpPr>
+        <p:spPr>
+          <a:xfrm>
+            <a:off x="1065242" y="2420888"/>
+            <a:ext cx="1656184" cy="576064"/>
+          </a:xfrm>
+          <a:prstGeom prst="snip2SameRect">
+            <a:avLst/>
+          </a:prstGeom>
+        </p:spPr>
+        <p:style>
+          <a:lnRef idx="2">
+            <a:schemeClr val="accent3">
+              <a:shade val="50000"/>
+            </a:schemeClr>
+          </a:lnRef>
+          <a:fillRef idx="1">
+            <a:schemeClr val="accent3"/>
+          </a:fillRef>
+          <a:effectRef idx="0">
+            <a:schemeClr val="accent3"/>
+          </a:effectRef>
+          <a:fontRef idx="minor">
+            <a:schemeClr val="lt1"/>
+          </a:fontRef>
+        </p:style>
+        <p:txBody>
+          <a:bodyPr rtlCol="0" anchor="ctr"/>
+          <a:lstStyle/>
+          <a:p>
+            <a:pPr algn="ctr"/>
+            <a:r>
+              <a:rPr lang="pt-PT" dirty="0" smtClean="0"/>
+              <a:t>Client</a:t>
+            </a:r>
+            <a:endParaRPr lang="en-US" dirty="0"/>
+          </a:p>
+        </p:txBody>
+      </p:sp>
+      <p:sp>
+        <p:nvSpPr>
+          <p:cNvPr id="21" name="Oval 20"/>
+          <p:cNvSpPr/>
+          <p:nvPr/>
+        </p:nvSpPr>
+        <p:spPr>
+          <a:xfrm>
+            <a:off x="1061126" y="1436241"/>
+            <a:ext cx="1656184" cy="720080"/>
+          </a:xfrm>
+          <a:prstGeom prst="ellipse">
+            <a:avLst/>
+          </a:prstGeom>
+        </p:spPr>
+        <p:style>
+          <a:lnRef idx="2">
+            <a:schemeClr val="accent5">
+              <a:shade val="50000"/>
+            </a:schemeClr>
+          </a:lnRef>
+          <a:fillRef idx="1">
+            <a:schemeClr val="accent5"/>
+          </a:fillRef>
+          <a:effectRef idx="0">
+            <a:schemeClr val="accent5"/>
+          </a:effectRef>
+          <a:fontRef idx="minor">
+            <a:schemeClr val="lt1"/>
+          </a:fontRef>
+        </p:style>
+        <p:txBody>
+          <a:bodyPr rtlCol="0" anchor="ctr"/>
+          <a:lstStyle/>
+          <a:p>
+            <a:pPr algn="ctr"/>
+            <a:r>
+              <a:rPr lang="pt-PT" dirty="0" smtClean="0"/>
+              <a:t>Client usage</a:t>
+            </a:r>
+            <a:endParaRPr lang="en-US" dirty="0"/>
+          </a:p>
+        </p:txBody>
+      </p:sp>
+      <p:sp>
+        <p:nvSpPr>
+          <p:cNvPr id="22" name="Oval 21"/>
+          <p:cNvSpPr/>
+          <p:nvPr/>
+        </p:nvSpPr>
+        <p:spPr>
+          <a:xfrm>
+            <a:off x="4716016" y="1436241"/>
+            <a:ext cx="1656184" cy="720080"/>
+          </a:xfrm>
+          <a:prstGeom prst="ellipse">
+            <a:avLst/>
+          </a:prstGeom>
+        </p:spPr>
+        <p:style>
+          <a:lnRef idx="2">
+            <a:schemeClr val="accent5">
+              <a:shade val="50000"/>
+            </a:schemeClr>
+          </a:lnRef>
+          <a:fillRef idx="1">
+            <a:schemeClr val="accent5"/>
+          </a:fillRef>
+          <a:effectRef idx="0">
+            <a:schemeClr val="accent5"/>
+          </a:effectRef>
+          <a:fontRef idx="minor">
+            <a:schemeClr val="lt1"/>
+          </a:fontRef>
+        </p:style>
+        <p:txBody>
+          <a:bodyPr rtlCol="0" anchor="ctr"/>
+          <a:lstStyle/>
+          <a:p>
+            <a:pPr algn="ctr"/>
+            <a:r>
+              <a:rPr lang="pt-PT" dirty="0" smtClean="0"/>
+              <a:t>Service impl.</a:t>
+            </a:r>
+            <a:endParaRPr lang="en-US" dirty="0"/>
+          </a:p>
+        </p:txBody>
+      </p:sp>
+      <p:cxnSp>
+        <p:nvCxnSpPr>
+          <p:cNvPr id="24" name="Straight Connector 23"/>
+          <p:cNvCxnSpPr/>
+          <p:nvPr/>
+        </p:nvCxnSpPr>
+        <p:spPr>
+          <a:xfrm>
+            <a:off x="971600" y="3140968"/>
+            <a:ext cx="7489314" cy="0"/>
+          </a:xfrm>
+          <a:prstGeom prst="line">
+            <a:avLst/>
+          </a:prstGeom>
+        </p:spPr>
+        <p:style>
+          <a:lnRef idx="1">
+            <a:schemeClr val="accent1"/>
+          </a:lnRef>
+          <a:fillRef idx="0">
+            <a:schemeClr val="accent1"/>
+          </a:fillRef>
+          <a:effectRef idx="0">
+            <a:schemeClr val="accent1"/>
+          </a:effectRef>
+          <a:fontRef idx="minor">
+            <a:schemeClr val="tx1"/>
+          </a:fontRef>
+        </p:style>
+      </p:cxnSp>
+      <p:sp>
+        <p:nvSpPr>
+          <p:cNvPr id="25" name="TextBox 24"/>
+          <p:cNvSpPr txBox="1"/>
+          <p:nvPr/>
+        </p:nvSpPr>
+        <p:spPr>
+          <a:xfrm>
+            <a:off x="6464068" y="2756521"/>
+            <a:ext cx="2016706" cy="369332"/>
+          </a:xfrm>
+          <a:prstGeom prst="rect">
+            <a:avLst/>
+          </a:prstGeom>
+          <a:noFill/>
+        </p:spPr>
+        <p:txBody>
+          <a:bodyPr wrap="none" rtlCol="0">
+            <a:spAutoFit/>
+          </a:bodyPr>
+          <a:lstStyle/>
+          <a:p>
+            <a:r>
+              <a:rPr lang="pt-PT" dirty="0" smtClean="0"/>
+              <a:t>Service model layer</a:t>
+            </a:r>
+            <a:endParaRPr lang="en-US" dirty="0"/>
+          </a:p>
+        </p:txBody>
+      </p:sp>
+      <p:sp>
+        <p:nvSpPr>
+          <p:cNvPr id="26" name="TextBox 25"/>
+          <p:cNvSpPr txBox="1"/>
+          <p:nvPr/>
+        </p:nvSpPr>
+        <p:spPr>
+          <a:xfrm>
+            <a:off x="6472549" y="3185603"/>
+            <a:ext cx="1988365" cy="369332"/>
+          </a:xfrm>
+          <a:prstGeom prst="rect">
+            <a:avLst/>
+          </a:prstGeom>
+          <a:noFill/>
+        </p:spPr>
+        <p:txBody>
+          <a:bodyPr wrap="none" rtlCol="0">
+            <a:spAutoFit/>
+          </a:bodyPr>
+          <a:lstStyle/>
+          <a:p>
+            <a:r>
+              <a:rPr lang="pt-PT" dirty="0" smtClean="0"/>
+              <a:t>Channel stack layer</a:t>
+            </a:r>
+            <a:endParaRPr lang="en-US" dirty="0"/>
+          </a:p>
+        </p:txBody>
+      </p:sp>
+      <p:sp>
+        <p:nvSpPr>
+          <p:cNvPr id="29" name="Curved Up Arrow 28"/>
+          <p:cNvSpPr/>
+          <p:nvPr/>
+        </p:nvSpPr>
+        <p:spPr bwMode="auto">
+          <a:xfrm>
+            <a:off x="2555776" y="3140968"/>
+            <a:ext cx="2553145" cy="2988332"/>
+          </a:xfrm>
+          <a:prstGeom prst="curvedUpArrow">
+            <a:avLst>
+              <a:gd name="adj1" fmla="val 2679"/>
+              <a:gd name="adj2" fmla="val 13877"/>
+              <a:gd name="adj3" fmla="val 8754"/>
+            </a:avLst>
+          </a:prstGeom>
+          <a:ln>
+            <a:headEnd type="none" w="med" len="med"/>
+            <a:tailEnd type="none" w="med" len="med"/>
+          </a:ln>
+        </p:spPr>
+        <p:style>
+          <a:lnRef idx="2">
+            <a:schemeClr val="accent1"/>
+          </a:lnRef>
+          <a:fillRef idx="1">
+            <a:schemeClr val="lt1"/>
+          </a:fillRef>
+          <a:effectRef idx="0">
+            <a:schemeClr val="accent1"/>
+          </a:effectRef>
+          <a:fontRef idx="minor">
+            <a:schemeClr val="dk1"/>
+          </a:fontRef>
+        </p:style>
+        <p:txBody>
+          <a:bodyPr vert="horz" wrap="square" lIns="91440" tIns="45720" rIns="91440" bIns="45720" numCol="1" rtlCol="0" anchor="t" anchorCtr="0" compatLnSpc="1">
+            <a:prstTxWarp prst="textNoShape">
+              <a:avLst/>
+            </a:prstTxWarp>
+          </a:bodyPr>
+          <a:lstStyle/>
+          <a:p>
+            <a:pPr marL="342900" marR="0" indent="-342900" algn="l" defTabSz="914400" rtl="0" eaLnBrk="1" fontAlgn="base" latinLnBrk="0" hangingPunct="1">
+              <a:lnSpc>
+                <a:spcPct val="100000"/>
+              </a:lnSpc>
+              <a:spcBef>
+                <a:spcPct val="20000"/>
+              </a:spcBef>
+              <a:spcAft>
+                <a:spcPct val="0"/>
+              </a:spcAft>
+              <a:buClrTx/>
+              <a:buSzTx/>
+              <a:buFontTx/>
+              <a:buChar char="•"/>
+              <a:tabLst/>
+            </a:pPr>
+            <a:endParaRPr kumimoji="0" lang="pt-PT" sz="1800" b="1" i="0" u="none" strike="noStrike" cap="none" normalizeH="0" baseline="0" smtClean="0">
+              <a:ln>
+                <a:noFill/>
+              </a:ln>
+              <a:solidFill>
+                <a:srgbClr val="000066"/>
+              </a:solidFill>
+              <a:effectLst/>
+              <a:latin typeface="Arial" charset="0"/>
+            </a:endParaRPr>
+          </a:p>
+        </p:txBody>
+      </p:sp>
+      <p:pic>
+        <p:nvPicPr>
+          <p:cNvPr id="27" name="Picture 10" descr="MSN icon envelope only"/>
+          <p:cNvPicPr>
+            <a:picLocks noChangeAspect="1" noChangeArrowheads="1"/>
+          </p:cNvPicPr>
+          <p:nvPr/>
+        </p:nvPicPr>
+        <p:blipFill>
+          <a:blip r:embed="rId2" cstate="print"/>
+          <a:srcRect/>
+          <a:stretch>
+            <a:fillRect/>
+          </a:stretch>
+        </p:blipFill>
+        <p:spPr bwMode="auto">
+          <a:xfrm>
+            <a:off x="2324404" y="4239406"/>
+            <a:ext cx="785812" cy="798512"/>
+          </a:xfrm>
+          <a:prstGeom prst="rect">
+            <a:avLst/>
+          </a:prstGeom>
+          <a:noFill/>
+          <a:ln w="9525">
+            <a:noFill/>
+            <a:miter lim="800000"/>
+            <a:headEnd/>
+            <a:tailEnd/>
+          </a:ln>
+        </p:spPr>
+      </p:pic>
+      <p:pic>
+        <p:nvPicPr>
+          <p:cNvPr id="28" name="Picture 10" descr="MSN icon envelope only"/>
+          <p:cNvPicPr>
+            <a:picLocks noChangeAspect="1" noChangeArrowheads="1"/>
+          </p:cNvPicPr>
+          <p:nvPr/>
+        </p:nvPicPr>
+        <p:blipFill>
+          <a:blip r:embed="rId2" cstate="print"/>
+          <a:srcRect/>
+          <a:stretch>
+            <a:fillRect/>
+          </a:stretch>
+        </p:blipFill>
+        <p:spPr bwMode="auto">
+          <a:xfrm>
+            <a:off x="4323110" y="4239406"/>
+            <a:ext cx="785812" cy="798512"/>
+          </a:xfrm>
+          <a:prstGeom prst="rect">
+            <a:avLst/>
+          </a:prstGeom>
+          <a:noFill/>
+          <a:ln w="9525">
+            <a:noFill/>
+            <a:miter lim="800000"/>
+            <a:headEnd/>
+            <a:tailEnd/>
+          </a:ln>
+        </p:spPr>
+      </p:pic>
+      <p:cxnSp>
+        <p:nvCxnSpPr>
+          <p:cNvPr id="31" name="Straight Arrow Connector 30"/>
+          <p:cNvCxnSpPr>
+            <a:stCxn id="19" idx="3"/>
+            <a:endCxn id="22" idx="4"/>
+          </p:cNvCxnSpPr>
+          <p:nvPr/>
+        </p:nvCxnSpPr>
+        <p:spPr>
+          <a:xfrm flipV="1">
+            <a:off x="5539992" y="2156321"/>
+            <a:ext cx="4116" cy="264567"/>
+          </a:xfrm>
+          <a:prstGeom prst="straightConnector1">
+            <a:avLst/>
+          </a:prstGeom>
+          <a:ln>
+            <a:tailEnd type="arrow"/>
+          </a:ln>
+        </p:spPr>
+        <p:style>
+          <a:lnRef idx="1">
+            <a:schemeClr val="accent1"/>
+          </a:lnRef>
+          <a:fillRef idx="0">
+            <a:schemeClr val="accent1"/>
+          </a:fillRef>
+          <a:effectRef idx="0">
+            <a:schemeClr val="accent1"/>
+          </a:effectRef>
+          <a:fontRef idx="minor">
+            <a:schemeClr val="tx1"/>
+          </a:fontRef>
+        </p:style>
+      </p:cxnSp>
+      <p:cxnSp>
+        <p:nvCxnSpPr>
+          <p:cNvPr id="35" name="Straight Arrow Connector 34"/>
+          <p:cNvCxnSpPr>
+            <a:stCxn id="21" idx="4"/>
+            <a:endCxn id="20" idx="3"/>
+          </p:cNvCxnSpPr>
+          <p:nvPr/>
+        </p:nvCxnSpPr>
+        <p:spPr>
+          <a:xfrm>
+            <a:off x="1889218" y="2156321"/>
+            <a:ext cx="4116" cy="264567"/>
+          </a:xfrm>
+          <a:prstGeom prst="straightConnector1">
+            <a:avLst/>
+          </a:prstGeom>
+          <a:ln>
+            <a:tailEnd type="arrow"/>
+          </a:ln>
+        </p:spPr>
+        <p:style>
+          <a:lnRef idx="1">
+            <a:schemeClr val="accent1"/>
+          </a:lnRef>
+          <a:fillRef idx="0">
+            <a:schemeClr val="accent1"/>
+          </a:fillRef>
+          <a:effectRef idx="0">
+            <a:schemeClr val="accent1"/>
+          </a:effectRef>
+          <a:fontRef idx="minor">
+            <a:schemeClr val="tx1"/>
+          </a:fontRef>
+        </p:style>
+      </p:cxnSp>
+      <p:cxnSp>
+        <p:nvCxnSpPr>
+          <p:cNvPr id="44" name="Straight Connector 43"/>
+          <p:cNvCxnSpPr/>
+          <p:nvPr/>
+        </p:nvCxnSpPr>
+        <p:spPr>
+          <a:xfrm>
+            <a:off x="1691680" y="2288604"/>
+            <a:ext cx="3960440" cy="0"/>
+          </a:xfrm>
+          <a:prstGeom prst="line">
+            <a:avLst/>
+          </a:prstGeom>
+          <a:ln>
+            <a:prstDash val="dash"/>
+          </a:ln>
+        </p:spPr>
+        <p:style>
+          <a:lnRef idx="1">
+            <a:schemeClr val="accent1"/>
+          </a:lnRef>
+          <a:fillRef idx="0">
+            <a:schemeClr val="accent1"/>
+          </a:fillRef>
+          <a:effectRef idx="0">
+            <a:schemeClr val="accent1"/>
+          </a:effectRef>
+          <a:fontRef idx="minor">
+            <a:schemeClr val="tx1"/>
+          </a:fontRef>
+        </p:style>
+      </p:cxnSp>
+      <p:sp>
+        <p:nvSpPr>
+          <p:cNvPr id="45" name="TextBox 44"/>
+          <p:cNvSpPr txBox="1"/>
+          <p:nvPr/>
+        </p:nvSpPr>
+        <p:spPr>
+          <a:xfrm>
+            <a:off x="2573128" y="1990588"/>
+            <a:ext cx="2529539" cy="307777"/>
+          </a:xfrm>
+          <a:prstGeom prst="rect">
+            <a:avLst/>
+          </a:prstGeom>
+          <a:noFill/>
+        </p:spPr>
+        <p:txBody>
+          <a:bodyPr wrap="none" rtlCol="0">
+            <a:spAutoFit/>
+          </a:bodyPr>
+          <a:lstStyle/>
+          <a:p>
+            <a:r>
+              <a:rPr lang="pt-PT" sz="1400" dirty="0" smtClean="0"/>
+              <a:t>Methods, instances, parameters</a:t>
+            </a:r>
+            <a:endParaRPr lang="en-US" sz="1400" dirty="0"/>
+          </a:p>
+        </p:txBody>
+      </p:sp>
+    </p:spTree>
+    <p:extLst>
+      <p:ext uri="{BB962C8B-B14F-4D97-AF65-F5344CB8AC3E}">
+        <p14:creationId xmlns:p14="http://schemas.microsoft.com/office/powerpoint/2010/main" val="1219518913"/>
+      </p:ext>
+    </p:extLst>
+  </p:cSld>
+  <p:clrMapOvr>
+    <a:masterClrMapping/>
+  </p:clrMapOvr>
+</p:sld>
+</file>
+
+<file path=ppt/slides/slide8.xml><?xml version="1.0" encoding="utf-8"?>
+<p:sld xmlns:a="http://schemas.openxmlformats.org/drawingml/2006/main" xmlns:r="http://schemas.openxmlformats.org/officeDocument/2006/relationships" xmlns:p="http://schemas.openxmlformats.org/presentationml/2006/main">
+  <p:cSld>
+    <p:spTree>
+      <p:nvGrpSpPr>
+        <p:cNvPr id="1" name=""/>
+        <p:cNvGrpSpPr/>
+        <p:nvPr/>
+      </p:nvGrpSpPr>
+      <p:grpSpPr>
+        <a:xfrm>
+          <a:off x="0" y="0"/>
+          <a:ext cx="0" cy="0"/>
+          <a:chOff x="0" y="0"/>
+          <a:chExt cx="0" cy="0"/>
+        </a:xfrm>
+      </p:grpSpPr>
+      <p:sp>
+        <p:nvSpPr>
+          <p:cNvPr id="54" name="Rectangle 53"/>
+          <p:cNvSpPr/>
+          <p:nvPr/>
+        </p:nvSpPr>
+        <p:spPr>
+          <a:xfrm>
+            <a:off x="539552" y="1507183"/>
+            <a:ext cx="2232248" cy="3744416"/>
+          </a:xfrm>
+          <a:prstGeom prst="rect">
+            <a:avLst/>
+          </a:prstGeom>
+        </p:spPr>
+        <p:style>
+          <a:lnRef idx="2">
+            <a:schemeClr val="accent1"/>
+          </a:lnRef>
+          <a:fillRef idx="1">
+            <a:schemeClr val="lt1"/>
+          </a:fillRef>
+          <a:effectRef idx="0">
+            <a:schemeClr val="accent1"/>
+          </a:effectRef>
+          <a:fontRef idx="minor">
+            <a:schemeClr val="dk1"/>
+          </a:fontRef>
+        </p:style>
+        <p:txBody>
+          <a:bodyPr rtlCol="0" anchor="ctr"/>
+          <a:lstStyle/>
+          <a:p>
+            <a:pPr algn="ctr"/>
+            <a:endParaRPr lang="en-US"/>
+          </a:p>
+        </p:txBody>
+      </p:sp>
+      <p:sp>
+        <p:nvSpPr>
+          <p:cNvPr id="9" name="Rectangle 8"/>
+          <p:cNvSpPr/>
+          <p:nvPr/>
+        </p:nvSpPr>
+        <p:spPr>
+          <a:xfrm>
+            <a:off x="6732240" y="1507183"/>
+            <a:ext cx="2088232" cy="3744416"/>
+          </a:xfrm>
+          <a:prstGeom prst="rect">
+            <a:avLst/>
+          </a:prstGeom>
+        </p:spPr>
+        <p:style>
+          <a:lnRef idx="2">
+            <a:schemeClr val="accent1"/>
+          </a:lnRef>
+          <a:fillRef idx="1">
+            <a:schemeClr val="lt1"/>
+          </a:fillRef>
+          <a:effectRef idx="0">
+            <a:schemeClr val="accent1"/>
+          </a:effectRef>
+          <a:fontRef idx="minor">
+            <a:schemeClr val="dk1"/>
+          </a:fontRef>
+        </p:style>
+        <p:txBody>
+          <a:bodyPr rtlCol="0" anchor="ctr"/>
+          <a:lstStyle/>
+          <a:p>
+            <a:pPr algn="ctr"/>
+            <a:endParaRPr lang="en-US"/>
+          </a:p>
+        </p:txBody>
+      </p:sp>
+      <p:sp>
+        <p:nvSpPr>
+          <p:cNvPr id="2" name="Rectangle 1"/>
+          <p:cNvSpPr/>
+          <p:nvPr/>
+        </p:nvSpPr>
+        <p:spPr>
+          <a:xfrm>
+            <a:off x="6952380" y="2541240"/>
+            <a:ext cx="1656184" cy="576064"/>
+          </a:xfrm>
+          <a:prstGeom prst="rect">
+            <a:avLst/>
+          </a:prstGeom>
+        </p:spPr>
+        <p:style>
+          <a:lnRef idx="2">
+            <a:schemeClr val="accent1">
+              <a:shade val="50000"/>
+            </a:schemeClr>
+          </a:lnRef>
+          <a:fillRef idx="1">
+            <a:schemeClr val="accent1"/>
+          </a:fillRef>
+          <a:effectRef idx="0">
+            <a:schemeClr val="accent1"/>
+          </a:effectRef>
+          <a:fontRef idx="minor">
+            <a:schemeClr val="lt1"/>
+          </a:fontRef>
+        </p:style>
+        <p:txBody>
+          <a:bodyPr rtlCol="0" anchor="ctr"/>
+          <a:lstStyle/>
+          <a:p>
+            <a:pPr algn="ctr"/>
+            <a:r>
+              <a:rPr lang="pt-PT" dirty="0" smtClean="0"/>
+              <a:t>Protocol channel</a:t>
+            </a:r>
+            <a:endParaRPr lang="en-US" dirty="0"/>
+          </a:p>
+        </p:txBody>
+      </p:sp>
+      <p:sp>
+        <p:nvSpPr>
+          <p:cNvPr id="3" name="Rectangle 2"/>
+          <p:cNvSpPr/>
+          <p:nvPr/>
+        </p:nvSpPr>
+        <p:spPr>
+          <a:xfrm>
+            <a:off x="6952380" y="3223612"/>
+            <a:ext cx="1656184" cy="576064"/>
+          </a:xfrm>
+          <a:prstGeom prst="rect">
+            <a:avLst/>
+          </a:prstGeom>
+        </p:spPr>
+        <p:style>
+          <a:lnRef idx="2">
+            <a:schemeClr val="accent1">
+              <a:shade val="50000"/>
+            </a:schemeClr>
+          </a:lnRef>
+          <a:fillRef idx="1">
+            <a:schemeClr val="accent1"/>
+          </a:fillRef>
+          <a:effectRef idx="0">
+            <a:schemeClr val="accent1"/>
+          </a:effectRef>
+          <a:fontRef idx="minor">
+            <a:schemeClr val="lt1"/>
+          </a:fontRef>
+        </p:style>
+        <p:txBody>
+          <a:bodyPr rtlCol="0" anchor="ctr"/>
+          <a:lstStyle/>
+          <a:p>
+            <a:pPr algn="ctr"/>
+            <a:r>
+              <a:rPr lang="pt-PT" dirty="0" smtClean="0"/>
+              <a:t>Protocol channel</a:t>
+            </a:r>
+            <a:endParaRPr lang="en-US" dirty="0"/>
+          </a:p>
+        </p:txBody>
+      </p:sp>
+      <p:sp>
+        <p:nvSpPr>
+          <p:cNvPr id="4" name="Rectangle 3"/>
+          <p:cNvSpPr/>
+          <p:nvPr/>
+        </p:nvSpPr>
+        <p:spPr>
+          <a:xfrm>
+            <a:off x="6952380" y="4501438"/>
+            <a:ext cx="1656184" cy="576064"/>
+          </a:xfrm>
+          <a:prstGeom prst="rect">
+            <a:avLst/>
+          </a:prstGeom>
+        </p:spPr>
+        <p:style>
+          <a:lnRef idx="2">
+            <a:schemeClr val="accent2">
+              <a:shade val="50000"/>
+            </a:schemeClr>
+          </a:lnRef>
+          <a:fillRef idx="1">
+            <a:schemeClr val="accent2"/>
+          </a:fillRef>
+          <a:effectRef idx="0">
+            <a:schemeClr val="accent2"/>
+          </a:effectRef>
+          <a:fontRef idx="minor">
+            <a:schemeClr val="lt1"/>
+          </a:fontRef>
+        </p:style>
+        <p:txBody>
+          <a:bodyPr rtlCol="0" anchor="ctr"/>
+          <a:lstStyle/>
+          <a:p>
+            <a:pPr algn="ctr"/>
+            <a:r>
+              <a:rPr lang="pt-PT" dirty="0" smtClean="0"/>
+              <a:t>Transport channel</a:t>
+            </a:r>
+            <a:endParaRPr lang="en-US" dirty="0"/>
+          </a:p>
+        </p:txBody>
+      </p:sp>
+      <p:sp>
+        <p:nvSpPr>
+          <p:cNvPr id="5" name="Rectangle 4"/>
+          <p:cNvSpPr/>
+          <p:nvPr/>
+        </p:nvSpPr>
+        <p:spPr>
+          <a:xfrm>
+            <a:off x="6948264" y="3905666"/>
+            <a:ext cx="1656184" cy="576064"/>
+          </a:xfrm>
+          <a:prstGeom prst="rect">
+            <a:avLst/>
+          </a:prstGeom>
+        </p:spPr>
+        <p:style>
+          <a:lnRef idx="2">
+            <a:schemeClr val="accent2">
+              <a:shade val="50000"/>
+            </a:schemeClr>
+          </a:lnRef>
+          <a:fillRef idx="1">
+            <a:schemeClr val="accent2"/>
+          </a:fillRef>
+          <a:effectRef idx="0">
+            <a:schemeClr val="accent2"/>
+          </a:effectRef>
+          <a:fontRef idx="minor">
+            <a:schemeClr val="lt1"/>
+          </a:fontRef>
+        </p:style>
+        <p:txBody>
+          <a:bodyPr rtlCol="0" anchor="ctr"/>
+          <a:lstStyle/>
+          <a:p>
+            <a:pPr algn="ctr"/>
+            <a:r>
+              <a:rPr lang="pt-PT" dirty="0" smtClean="0"/>
+              <a:t>Encoder</a:t>
+            </a:r>
+            <a:endParaRPr lang="en-US" dirty="0"/>
+          </a:p>
+        </p:txBody>
+      </p:sp>
+      <p:sp>
+        <p:nvSpPr>
+          <p:cNvPr id="6" name="Snip Same Side Corner Rectangle 5"/>
+          <p:cNvSpPr/>
+          <p:nvPr/>
+        </p:nvSpPr>
+        <p:spPr>
+          <a:xfrm>
+            <a:off x="6948264" y="1693126"/>
+            <a:ext cx="1656184" cy="576064"/>
+          </a:xfrm>
+          <a:prstGeom prst="snip2SameRect">
+            <a:avLst/>
+          </a:prstGeom>
+        </p:spPr>
+        <p:style>
+          <a:lnRef idx="2">
+            <a:schemeClr val="accent3">
+              <a:shade val="50000"/>
+            </a:schemeClr>
+          </a:lnRef>
+          <a:fillRef idx="1">
+            <a:schemeClr val="accent3"/>
+          </a:fillRef>
+          <a:effectRef idx="0">
+            <a:schemeClr val="accent3"/>
+          </a:effectRef>
+          <a:fontRef idx="minor">
+            <a:schemeClr val="lt1"/>
+          </a:fontRef>
+        </p:style>
+        <p:txBody>
+          <a:bodyPr rtlCol="0" anchor="ctr"/>
+          <a:lstStyle/>
+          <a:p>
+            <a:pPr algn="ctr"/>
+            <a:r>
+              <a:rPr lang="pt-PT" dirty="0" smtClean="0"/>
+              <a:t>Dispatcher</a:t>
+            </a:r>
+            <a:endParaRPr lang="en-US" dirty="0"/>
+          </a:p>
+        </p:txBody>
+      </p:sp>
+      <p:sp>
+        <p:nvSpPr>
+          <p:cNvPr id="10" name="Rounded Rectangle 9"/>
+          <p:cNvSpPr/>
+          <p:nvPr/>
+        </p:nvSpPr>
+        <p:spPr>
+          <a:xfrm>
+            <a:off x="3491880" y="3055355"/>
+            <a:ext cx="2376264" cy="648072"/>
+          </a:xfrm>
+          <a:prstGeom prst="roundRect">
+            <a:avLst/>
+          </a:prstGeom>
+        </p:spPr>
+        <p:style>
+          <a:lnRef idx="2">
+            <a:schemeClr val="accent1">
+              <a:shade val="50000"/>
+            </a:schemeClr>
+          </a:lnRef>
+          <a:fillRef idx="1">
+            <a:schemeClr val="accent1"/>
+          </a:fillRef>
+          <a:effectRef idx="0">
+            <a:schemeClr val="accent1"/>
+          </a:effectRef>
+          <a:fontRef idx="minor">
+            <a:schemeClr val="lt1"/>
+          </a:fontRef>
+        </p:style>
+        <p:txBody>
+          <a:bodyPr rtlCol="0" anchor="ctr"/>
+          <a:lstStyle/>
+          <a:p>
+            <a:pPr algn="ctr"/>
+            <a:r>
+              <a:rPr lang="pt-PT" dirty="0" smtClean="0"/>
+              <a:t>Service Description</a:t>
+            </a:r>
+            <a:endParaRPr lang="en-US" dirty="0"/>
+          </a:p>
+        </p:txBody>
+      </p:sp>
+      <p:sp>
+        <p:nvSpPr>
+          <p:cNvPr id="11" name="Rectangle 10"/>
+          <p:cNvSpPr/>
+          <p:nvPr/>
+        </p:nvSpPr>
+        <p:spPr>
+          <a:xfrm>
+            <a:off x="611560" y="2075888"/>
+            <a:ext cx="2016224" cy="602951"/>
+          </a:xfrm>
+          <a:prstGeom prst="rect">
+            <a:avLst/>
+          </a:prstGeom>
+        </p:spPr>
+        <p:style>
+          <a:lnRef idx="2">
+            <a:schemeClr val="accent1"/>
+          </a:lnRef>
+          <a:fillRef idx="1">
+            <a:schemeClr val="lt1"/>
+          </a:fillRef>
+          <a:effectRef idx="0">
+            <a:schemeClr val="accent1"/>
+          </a:effectRef>
+          <a:fontRef idx="minor">
+            <a:schemeClr val="dk1"/>
+          </a:fontRef>
+        </p:style>
+        <p:txBody>
+          <a:bodyPr rtlCol="0" anchor="ctr"/>
+          <a:lstStyle/>
+          <a:p>
+            <a:r>
+              <a:rPr lang="pt-PT" sz="1600" dirty="0" smtClean="0"/>
+              <a:t>[DataContract]</a:t>
+            </a:r>
+          </a:p>
+          <a:p>
+            <a:r>
+              <a:rPr lang="pt-PT" sz="1600" dirty="0"/>
+              <a:t>c</a:t>
+            </a:r>
+            <a:r>
+              <a:rPr lang="pt-PT" sz="1600" dirty="0" smtClean="0"/>
+              <a:t>lass ...</a:t>
+            </a:r>
+            <a:endParaRPr lang="en-US" sz="1600" dirty="0"/>
+          </a:p>
+        </p:txBody>
+      </p:sp>
+      <p:sp>
+        <p:nvSpPr>
+          <p:cNvPr id="12" name="Rectangle 11"/>
+          <p:cNvSpPr/>
+          <p:nvPr/>
+        </p:nvSpPr>
+        <p:spPr>
+          <a:xfrm>
+            <a:off x="611560" y="2816654"/>
+            <a:ext cx="2016224" cy="545983"/>
+          </a:xfrm>
+          <a:prstGeom prst="rect">
+            <a:avLst/>
+          </a:prstGeom>
+        </p:spPr>
+        <p:style>
+          <a:lnRef idx="2">
+            <a:schemeClr val="accent1"/>
+          </a:lnRef>
+          <a:fillRef idx="1">
+            <a:schemeClr val="lt1"/>
+          </a:fillRef>
+          <a:effectRef idx="0">
+            <a:schemeClr val="accent1"/>
+          </a:effectRef>
+          <a:fontRef idx="minor">
+            <a:schemeClr val="dk1"/>
+          </a:fontRef>
+        </p:style>
+        <p:txBody>
+          <a:bodyPr rtlCol="0" anchor="ctr"/>
+          <a:lstStyle/>
+          <a:p>
+            <a:r>
+              <a:rPr lang="pt-PT" sz="1600" dirty="0" smtClean="0"/>
+              <a:t>[ServiceContract]</a:t>
+            </a:r>
+          </a:p>
+          <a:p>
+            <a:r>
+              <a:rPr lang="pt-PT" sz="1600" dirty="0"/>
+              <a:t>i</a:t>
+            </a:r>
+            <a:r>
+              <a:rPr lang="pt-PT" sz="1600" dirty="0" smtClean="0"/>
+              <a:t>nterface ...</a:t>
+            </a:r>
+            <a:endParaRPr lang="en-US" sz="1600" dirty="0"/>
+          </a:p>
+        </p:txBody>
+      </p:sp>
+      <p:sp>
+        <p:nvSpPr>
+          <p:cNvPr id="13" name="Rectangle 12"/>
+          <p:cNvSpPr/>
+          <p:nvPr/>
+        </p:nvSpPr>
+        <p:spPr>
+          <a:xfrm>
+            <a:off x="611560" y="3514484"/>
+            <a:ext cx="2016224" cy="601001"/>
+          </a:xfrm>
+          <a:prstGeom prst="rect">
+            <a:avLst/>
+          </a:prstGeom>
+        </p:spPr>
+        <p:style>
+          <a:lnRef idx="2">
+            <a:schemeClr val="accent1"/>
+          </a:lnRef>
+          <a:fillRef idx="1">
+            <a:schemeClr val="lt1"/>
+          </a:fillRef>
+          <a:effectRef idx="0">
+            <a:schemeClr val="accent1"/>
+          </a:effectRef>
+          <a:fontRef idx="minor">
+            <a:schemeClr val="dk1"/>
+          </a:fontRef>
+        </p:style>
+        <p:txBody>
+          <a:bodyPr rtlCol="0" anchor="ctr"/>
+          <a:lstStyle/>
+          <a:p>
+            <a:r>
+              <a:rPr lang="pt-PT" sz="1600" dirty="0" smtClean="0"/>
+              <a:t>[ServiceBehavior]</a:t>
+            </a:r>
+          </a:p>
+          <a:p>
+            <a:r>
+              <a:rPr lang="pt-PT" sz="1600" dirty="0"/>
+              <a:t>c</a:t>
+            </a:r>
+            <a:r>
+              <a:rPr lang="pt-PT" sz="1600" dirty="0" smtClean="0"/>
+              <a:t>lass ...</a:t>
+            </a:r>
+            <a:endParaRPr lang="en-US" sz="1600" dirty="0"/>
+          </a:p>
+        </p:txBody>
+      </p:sp>
+      <p:sp>
+        <p:nvSpPr>
+          <p:cNvPr id="14" name="Rectangle 13"/>
+          <p:cNvSpPr/>
+          <p:nvPr/>
+        </p:nvSpPr>
+        <p:spPr>
+          <a:xfrm>
+            <a:off x="611560" y="4290378"/>
+            <a:ext cx="2016224" cy="601001"/>
+          </a:xfrm>
+          <a:prstGeom prst="rect">
+            <a:avLst/>
+          </a:prstGeom>
+        </p:spPr>
+        <p:style>
+          <a:lnRef idx="2">
+            <a:schemeClr val="accent1"/>
+          </a:lnRef>
+          <a:fillRef idx="1">
+            <a:schemeClr val="lt1"/>
+          </a:fillRef>
+          <a:effectRef idx="0">
+            <a:schemeClr val="accent1"/>
+          </a:effectRef>
+          <a:fontRef idx="minor">
+            <a:schemeClr val="dk1"/>
+          </a:fontRef>
+        </p:style>
+        <p:txBody>
+          <a:bodyPr rtlCol="0" anchor="ctr"/>
+          <a:lstStyle/>
+          <a:p>
+            <a:pPr algn="ctr"/>
+            <a:r>
+              <a:rPr lang="pt-PT" sz="1600" dirty="0" smtClean="0"/>
+              <a:t>XML config</a:t>
+            </a:r>
+            <a:endParaRPr lang="en-US" sz="1600" dirty="0"/>
+          </a:p>
+        </p:txBody>
+      </p:sp>
+      <p:cxnSp>
+        <p:nvCxnSpPr>
+          <p:cNvPr id="16" name="Straight Arrow Connector 15"/>
+          <p:cNvCxnSpPr>
+            <a:stCxn id="11" idx="3"/>
+            <a:endCxn id="10" idx="1"/>
+          </p:cNvCxnSpPr>
+          <p:nvPr/>
+        </p:nvCxnSpPr>
+        <p:spPr>
+          <a:xfrm>
+            <a:off x="2627784" y="2377364"/>
+            <a:ext cx="864096" cy="1002027"/>
+          </a:xfrm>
+          <a:prstGeom prst="straightConnector1">
+            <a:avLst/>
+          </a:prstGeom>
+          <a:ln>
+            <a:tailEnd type="arrow"/>
+          </a:ln>
+        </p:spPr>
+        <p:style>
+          <a:lnRef idx="1">
+            <a:schemeClr val="accent1"/>
+          </a:lnRef>
+          <a:fillRef idx="0">
+            <a:schemeClr val="accent1"/>
+          </a:fillRef>
+          <a:effectRef idx="0">
+            <a:schemeClr val="accent1"/>
+          </a:effectRef>
+          <a:fontRef idx="minor">
+            <a:schemeClr val="tx1"/>
+          </a:fontRef>
+        </p:style>
+      </p:cxnSp>
+      <p:cxnSp>
+        <p:nvCxnSpPr>
+          <p:cNvPr id="17" name="Straight Arrow Connector 16"/>
+          <p:cNvCxnSpPr>
+            <a:stCxn id="12" idx="3"/>
+            <a:endCxn id="10" idx="1"/>
+          </p:cNvCxnSpPr>
+          <p:nvPr/>
+        </p:nvCxnSpPr>
+        <p:spPr>
+          <a:xfrm>
+            <a:off x="2627784" y="3089646"/>
+            <a:ext cx="864096" cy="289745"/>
+          </a:xfrm>
+          <a:prstGeom prst="straightConnector1">
+            <a:avLst/>
+          </a:prstGeom>
+          <a:ln>
+            <a:tailEnd type="arrow"/>
+          </a:ln>
+        </p:spPr>
+        <p:style>
+          <a:lnRef idx="1">
+            <a:schemeClr val="accent1"/>
+          </a:lnRef>
+          <a:fillRef idx="0">
+            <a:schemeClr val="accent1"/>
+          </a:fillRef>
+          <a:effectRef idx="0">
+            <a:schemeClr val="accent1"/>
+          </a:effectRef>
+          <a:fontRef idx="minor">
+            <a:schemeClr val="tx1"/>
+          </a:fontRef>
+        </p:style>
+      </p:cxnSp>
+      <p:cxnSp>
+        <p:nvCxnSpPr>
+          <p:cNvPr id="20" name="Straight Arrow Connector 19"/>
+          <p:cNvCxnSpPr>
+            <a:stCxn id="13" idx="3"/>
+            <a:endCxn id="10" idx="1"/>
+          </p:cNvCxnSpPr>
+          <p:nvPr/>
+        </p:nvCxnSpPr>
+        <p:spPr>
+          <a:xfrm flipV="1">
+            <a:off x="2627784" y="3379391"/>
+            <a:ext cx="864096" cy="435594"/>
+          </a:xfrm>
+          <a:prstGeom prst="straightConnector1">
+            <a:avLst/>
+          </a:prstGeom>
+          <a:ln>
+            <a:tailEnd type="arrow"/>
+          </a:ln>
+        </p:spPr>
+        <p:style>
+          <a:lnRef idx="1">
+            <a:schemeClr val="accent1"/>
+          </a:lnRef>
+          <a:fillRef idx="0">
+            <a:schemeClr val="accent1"/>
+          </a:fillRef>
+          <a:effectRef idx="0">
+            <a:schemeClr val="accent1"/>
+          </a:effectRef>
+          <a:fontRef idx="minor">
+            <a:schemeClr val="tx1"/>
+          </a:fontRef>
+        </p:style>
+      </p:cxnSp>
+      <p:cxnSp>
+        <p:nvCxnSpPr>
+          <p:cNvPr id="24" name="Straight Arrow Connector 23"/>
+          <p:cNvCxnSpPr>
+            <a:stCxn id="14" idx="3"/>
+            <a:endCxn id="10" idx="1"/>
+          </p:cNvCxnSpPr>
+          <p:nvPr/>
+        </p:nvCxnSpPr>
+        <p:spPr>
+          <a:xfrm flipV="1">
+            <a:off x="2627784" y="3379391"/>
+            <a:ext cx="864096" cy="1211488"/>
+          </a:xfrm>
+          <a:prstGeom prst="straightConnector1">
+            <a:avLst/>
+          </a:prstGeom>
+          <a:ln>
+            <a:tailEnd type="arrow"/>
+          </a:ln>
+        </p:spPr>
+        <p:style>
+          <a:lnRef idx="1">
+            <a:schemeClr val="accent1"/>
+          </a:lnRef>
+          <a:fillRef idx="0">
+            <a:schemeClr val="accent1"/>
+          </a:fillRef>
+          <a:effectRef idx="0">
+            <a:schemeClr val="accent1"/>
+          </a:effectRef>
+          <a:fontRef idx="minor">
+            <a:schemeClr val="tx1"/>
+          </a:fontRef>
+        </p:style>
+      </p:cxnSp>
+      <p:cxnSp>
+        <p:nvCxnSpPr>
+          <p:cNvPr id="27" name="Straight Arrow Connector 26"/>
+          <p:cNvCxnSpPr>
+            <a:stCxn id="10" idx="3"/>
+            <a:endCxn id="9" idx="1"/>
+          </p:cNvCxnSpPr>
+          <p:nvPr/>
+        </p:nvCxnSpPr>
+        <p:spPr>
+          <a:xfrm>
+            <a:off x="5868144" y="3379391"/>
+            <a:ext cx="864096" cy="0"/>
+          </a:xfrm>
+          <a:prstGeom prst="straightConnector1">
+            <a:avLst/>
+          </a:prstGeom>
+          <a:ln>
+            <a:tailEnd type="arrow"/>
+          </a:ln>
+        </p:spPr>
+        <p:style>
+          <a:lnRef idx="1">
+            <a:schemeClr val="accent1"/>
+          </a:lnRef>
+          <a:fillRef idx="0">
+            <a:schemeClr val="accent1"/>
+          </a:fillRef>
+          <a:effectRef idx="0">
+            <a:schemeClr val="accent1"/>
+          </a:effectRef>
+          <a:fontRef idx="minor">
+            <a:schemeClr val="tx1"/>
+          </a:fontRef>
+        </p:style>
+      </p:cxnSp>
+      <p:sp>
+        <p:nvSpPr>
+          <p:cNvPr id="48" name="Rounded Rectangle 47"/>
+          <p:cNvSpPr/>
+          <p:nvPr/>
+        </p:nvSpPr>
+        <p:spPr>
+          <a:xfrm>
+            <a:off x="3491880" y="5589240"/>
+            <a:ext cx="2376264" cy="648072"/>
+          </a:xfrm>
+          <a:prstGeom prst="roundRect">
+            <a:avLst/>
+          </a:prstGeom>
+        </p:spPr>
+        <p:style>
+          <a:lnRef idx="2">
+            <a:schemeClr val="accent3">
+              <a:shade val="50000"/>
+            </a:schemeClr>
+          </a:lnRef>
+          <a:fillRef idx="1">
+            <a:schemeClr val="accent3"/>
+          </a:fillRef>
+          <a:effectRef idx="0">
+            <a:schemeClr val="accent3"/>
+          </a:effectRef>
+          <a:fontRef idx="minor">
+            <a:schemeClr val="lt1"/>
+          </a:fontRef>
+        </p:style>
+        <p:txBody>
+          <a:bodyPr rtlCol="0" anchor="ctr"/>
+          <a:lstStyle/>
+          <a:p>
+            <a:pPr algn="ctr"/>
+            <a:r>
+              <a:rPr lang="pt-PT" dirty="0" smtClean="0"/>
+              <a:t>WSDL</a:t>
+            </a:r>
+            <a:endParaRPr lang="en-US" dirty="0"/>
+          </a:p>
+        </p:txBody>
+      </p:sp>
+      <p:cxnSp>
+        <p:nvCxnSpPr>
+          <p:cNvPr id="49" name="Straight Arrow Connector 48"/>
+          <p:cNvCxnSpPr>
+            <a:stCxn id="10" idx="2"/>
+            <a:endCxn id="48" idx="0"/>
+          </p:cNvCxnSpPr>
+          <p:nvPr/>
+        </p:nvCxnSpPr>
+        <p:spPr>
+          <a:xfrm>
+            <a:off x="4680012" y="3703427"/>
+            <a:ext cx="0" cy="1885813"/>
+          </a:xfrm>
+          <a:prstGeom prst="straightConnector1">
+            <a:avLst/>
+          </a:prstGeom>
+          <a:ln>
+            <a:tailEnd type="arrow"/>
+          </a:ln>
+        </p:spPr>
+        <p:style>
+          <a:lnRef idx="1">
+            <a:schemeClr val="accent1"/>
+          </a:lnRef>
+          <a:fillRef idx="0">
+            <a:schemeClr val="accent1"/>
+          </a:fillRef>
+          <a:effectRef idx="0">
+            <a:schemeClr val="accent1"/>
+          </a:effectRef>
+          <a:fontRef idx="minor">
+            <a:schemeClr val="tx1"/>
+          </a:fontRef>
+        </p:style>
+      </p:cxnSp>
+      <p:cxnSp>
+        <p:nvCxnSpPr>
+          <p:cNvPr id="56" name="Elbow Connector 55"/>
+          <p:cNvCxnSpPr>
+            <a:stCxn id="48" idx="1"/>
+            <a:endCxn id="14" idx="1"/>
+          </p:cNvCxnSpPr>
+          <p:nvPr/>
+        </p:nvCxnSpPr>
+        <p:spPr>
+          <a:xfrm rot="10800000">
+            <a:off x="611560" y="4590880"/>
+            <a:ext cx="2880320" cy="1322397"/>
+          </a:xfrm>
+          <a:prstGeom prst="bentConnector3">
+            <a:avLst>
+              <a:gd name="adj1" fmla="val 107937"/>
+            </a:avLst>
+          </a:prstGeom>
+          <a:ln>
+            <a:tailEnd type="arrow"/>
+          </a:ln>
+        </p:spPr>
+        <p:style>
+          <a:lnRef idx="1">
+            <a:schemeClr val="accent3"/>
+          </a:lnRef>
+          <a:fillRef idx="0">
+            <a:schemeClr val="accent3"/>
+          </a:fillRef>
+          <a:effectRef idx="0">
+            <a:schemeClr val="accent3"/>
+          </a:effectRef>
+          <a:fontRef idx="minor">
+            <a:schemeClr val="tx1"/>
+          </a:fontRef>
+        </p:style>
+      </p:cxnSp>
+      <p:cxnSp>
+        <p:nvCxnSpPr>
+          <p:cNvPr id="57" name="Elbow Connector 56"/>
+          <p:cNvCxnSpPr>
+            <a:stCxn id="48" idx="1"/>
+            <a:endCxn id="12" idx="1"/>
+          </p:cNvCxnSpPr>
+          <p:nvPr/>
+        </p:nvCxnSpPr>
+        <p:spPr>
+          <a:xfrm rot="10800000">
+            <a:off x="611560" y="3089646"/>
+            <a:ext cx="2880320" cy="2823630"/>
+          </a:xfrm>
+          <a:prstGeom prst="bentConnector3">
+            <a:avLst>
+              <a:gd name="adj1" fmla="val 107937"/>
+            </a:avLst>
+          </a:prstGeom>
+          <a:ln>
+            <a:tailEnd type="arrow"/>
+          </a:ln>
+        </p:spPr>
+        <p:style>
+          <a:lnRef idx="1">
+            <a:schemeClr val="accent3"/>
+          </a:lnRef>
+          <a:fillRef idx="0">
+            <a:schemeClr val="accent3"/>
+          </a:fillRef>
+          <a:effectRef idx="0">
+            <a:schemeClr val="accent3"/>
+          </a:effectRef>
+          <a:fontRef idx="minor">
+            <a:schemeClr val="tx1"/>
+          </a:fontRef>
+        </p:style>
+      </p:cxnSp>
+      <p:cxnSp>
+        <p:nvCxnSpPr>
+          <p:cNvPr id="60" name="Elbow Connector 59"/>
+          <p:cNvCxnSpPr>
+            <a:stCxn id="48" idx="1"/>
+            <a:endCxn id="11" idx="1"/>
+          </p:cNvCxnSpPr>
+          <p:nvPr/>
+        </p:nvCxnSpPr>
+        <p:spPr>
+          <a:xfrm rot="10800000">
+            <a:off x="611560" y="2377364"/>
+            <a:ext cx="2880320" cy="3535912"/>
+          </a:xfrm>
+          <a:prstGeom prst="bentConnector3">
+            <a:avLst>
+              <a:gd name="adj1" fmla="val 107937"/>
+            </a:avLst>
+          </a:prstGeom>
+          <a:ln>
+            <a:tailEnd type="arrow"/>
+          </a:ln>
+        </p:spPr>
+        <p:style>
+          <a:lnRef idx="1">
+            <a:schemeClr val="accent3"/>
+          </a:lnRef>
+          <a:fillRef idx="0">
+            <a:schemeClr val="accent3"/>
+          </a:fillRef>
+          <a:effectRef idx="0">
+            <a:schemeClr val="accent3"/>
+          </a:effectRef>
+          <a:fontRef idx="minor">
+            <a:schemeClr val="tx1"/>
+          </a:fontRef>
+        </p:style>
+      </p:cxnSp>
+    </p:spTree>
+    <p:extLst>
+      <p:ext uri="{BB962C8B-B14F-4D97-AF65-F5344CB8AC3E}">
+        <p14:creationId xmlns:p14="http://schemas.microsoft.com/office/powerpoint/2010/main" val="2956775525"/>
+      </p:ext>
+    </p:extLst>
+  </p:cSld>
+  <p:clrMapOvr>
+    <a:masterClrMapping/>
+  </p:clrMapOvr>
+</p:sld>
+</file>
+
+<file path=ppt/slides/slide9.xml><?xml version="1.0" encoding="utf-8"?>
+<p:sld xmlns:a="http://schemas.openxmlformats.org/drawingml/2006/main" xmlns:r="http://schemas.openxmlformats.org/officeDocument/2006/relationships" xmlns:p="http://schemas.openxmlformats.org/presentationml/2006/main">
+  <p:cSld>
+    <p:spTree>
+      <p:nvGrpSpPr>
+        <p:cNvPr id="1" name=""/>
+        <p:cNvGrpSpPr/>
+        <p:nvPr/>
+      </p:nvGrpSpPr>
+      <p:grpSpPr>
+        <a:xfrm>
+          <a:off x="0" y="0"/>
+          <a:ext cx="0" cy="0"/>
+          <a:chOff x="0" y="0"/>
+          <a:chExt cx="0" cy="0"/>
+        </a:xfrm>
+      </p:grpSpPr>
+      <p:sp>
+        <p:nvSpPr>
+          <p:cNvPr id="2" name="Rounded Rectangle 1"/>
+          <p:cNvSpPr/>
+          <p:nvPr/>
+        </p:nvSpPr>
+        <p:spPr bwMode="auto">
+          <a:xfrm>
+            <a:off x="134754" y="837397"/>
+            <a:ext cx="2079058" cy="385011"/>
+          </a:xfrm>
+          <a:prstGeom prst="roundRect">
+            <a:avLst/>
+          </a:prstGeom>
+          <a:ln>
+            <a:headEnd type="none" w="med" len="med"/>
+            <a:tailEnd type="none" w="med" len="med"/>
+          </a:ln>
+        </p:spPr>
+        <p:style>
+          <a:lnRef idx="0">
+            <a:schemeClr val="accent1"/>
+          </a:lnRef>
+          <a:fillRef idx="3">
+            <a:schemeClr val="accent1"/>
+          </a:fillRef>
+          <a:effectRef idx="3">
+            <a:schemeClr val="accent1"/>
+          </a:effectRef>
+          <a:fontRef idx="minor">
+            <a:schemeClr val="lt1"/>
+          </a:fontRef>
+        </p:style>
+        <p:txBody>
+          <a:bodyPr vert="horz" wrap="square" lIns="91440" tIns="45720" rIns="91440" bIns="45720" numCol="1" rtlCol="0" anchor="t" anchorCtr="0" compatLnSpc="1">
+            <a:prstTxWarp prst="textNoShape">
+              <a:avLst/>
+            </a:prstTxWarp>
+          </a:bodyPr>
+          <a:lstStyle/>
+          <a:p>
+            <a:pPr marL="342900" marR="0" indent="-342900" algn="ctr" defTabSz="914400" rtl="0" eaLnBrk="1" fontAlgn="base" latinLnBrk="0" hangingPunct="1">
+              <a:lnSpc>
+                <a:spcPct val="100000"/>
+              </a:lnSpc>
+              <a:spcBef>
+                <a:spcPct val="20000"/>
+              </a:spcBef>
+              <a:spcAft>
+                <a:spcPct val="0"/>
+              </a:spcAft>
+              <a:buClrTx/>
+              <a:buSzTx/>
+              <a:tabLst/>
+            </a:pPr>
+            <a:r>
+              <a:rPr kumimoji="0" lang="pt-PT" sz="1400" b="1" i="0" u="none" strike="noStrike" cap="none" normalizeH="0" baseline="0" dirty="0" err="1" smtClean="0">
+                <a:ln>
+                  <a:noFill/>
+                </a:ln>
+                <a:solidFill>
+                  <a:srgbClr val="000066"/>
+                </a:solidFill>
+                <a:effectLst/>
+                <a:latin typeface="Consolas" pitchFamily="49" charset="0"/>
+              </a:rPr>
+              <a:t>Service</a:t>
+            </a:r>
+            <a:r>
+              <a:rPr kumimoji="0" lang="pt-PT" sz="1400" i="0" u="none" strike="noStrike" cap="none" normalizeH="0" baseline="0" dirty="0" err="1" smtClean="0">
+                <a:ln>
+                  <a:noFill/>
+                </a:ln>
+                <a:solidFill>
+                  <a:srgbClr val="000066"/>
+                </a:solidFill>
+                <a:effectLst/>
+                <a:latin typeface="Consolas" pitchFamily="49" charset="0"/>
+              </a:rPr>
+              <a:t>Description</a:t>
+            </a:r>
+            <a:endParaRPr kumimoji="0" lang="pt-PT" sz="1400" i="0" u="none" strike="noStrike" cap="none" normalizeH="0" baseline="0" dirty="0" smtClean="0">
+              <a:ln>
+                <a:noFill/>
+              </a:ln>
+              <a:solidFill>
+                <a:srgbClr val="000066"/>
+              </a:solidFill>
+              <a:effectLst/>
+              <a:latin typeface="Consolas" pitchFamily="49" charset="0"/>
+            </a:endParaRPr>
+          </a:p>
+        </p:txBody>
+      </p:sp>
+      <p:sp>
+        <p:nvSpPr>
+          <p:cNvPr id="3" name="Rounded Rectangle 2"/>
+          <p:cNvSpPr/>
+          <p:nvPr/>
+        </p:nvSpPr>
+        <p:spPr bwMode="auto">
+          <a:xfrm>
+            <a:off x="1511168" y="2136808"/>
+            <a:ext cx="2079058" cy="394636"/>
+          </a:xfrm>
+          <a:prstGeom prst="roundRect">
+            <a:avLst/>
+          </a:prstGeom>
+          <a:ln>
+            <a:headEnd type="none" w="med" len="med"/>
+            <a:tailEnd type="none" w="med" len="med"/>
+          </a:ln>
+        </p:spPr>
+        <p:style>
+          <a:lnRef idx="0">
+            <a:schemeClr val="accent1"/>
+          </a:lnRef>
+          <a:fillRef idx="3">
+            <a:schemeClr val="accent1"/>
+          </a:fillRef>
+          <a:effectRef idx="3">
+            <a:schemeClr val="accent1"/>
+          </a:effectRef>
+          <a:fontRef idx="minor">
+            <a:schemeClr val="lt1"/>
+          </a:fontRef>
+        </p:style>
+        <p:txBody>
+          <a:bodyPr vert="horz" wrap="square" lIns="91440" tIns="45720" rIns="91440" bIns="45720" numCol="1" rtlCol="0" anchor="t" anchorCtr="0" compatLnSpc="1">
+            <a:prstTxWarp prst="textNoShape">
+              <a:avLst/>
+            </a:prstTxWarp>
+          </a:bodyPr>
+          <a:lstStyle/>
+          <a:p>
+            <a:pPr marL="342900" marR="0" indent="-342900" algn="ctr" defTabSz="914400" rtl="0" eaLnBrk="1" fontAlgn="base" latinLnBrk="0" hangingPunct="1">
+              <a:lnSpc>
+                <a:spcPct val="100000"/>
+              </a:lnSpc>
+              <a:spcBef>
+                <a:spcPct val="20000"/>
+              </a:spcBef>
+              <a:spcAft>
+                <a:spcPct val="0"/>
+              </a:spcAft>
+              <a:buClrTx/>
+              <a:buSzTx/>
+              <a:tabLst/>
+            </a:pPr>
+            <a:r>
+              <a:rPr kumimoji="0" lang="pt-PT" sz="1400" i="0" u="none" strike="noStrike" cap="none" normalizeH="0" baseline="0" dirty="0" err="1" smtClean="0">
+                <a:ln>
+                  <a:noFill/>
+                </a:ln>
+                <a:solidFill>
+                  <a:srgbClr val="000066"/>
+                </a:solidFill>
+                <a:effectLst/>
+                <a:latin typeface="Consolas" pitchFamily="49" charset="0"/>
+              </a:rPr>
+              <a:t>Service</a:t>
+            </a:r>
+            <a:r>
+              <a:rPr kumimoji="0" lang="pt-PT" sz="1400" b="1" i="0" u="none" strike="noStrike" cap="none" normalizeH="0" baseline="0" dirty="0" err="1" smtClean="0">
+                <a:ln>
+                  <a:noFill/>
+                </a:ln>
+                <a:solidFill>
+                  <a:srgbClr val="000066"/>
+                </a:solidFill>
+                <a:effectLst/>
+                <a:latin typeface="Consolas" pitchFamily="49" charset="0"/>
+              </a:rPr>
+              <a:t>Endpoint</a:t>
+            </a:r>
+            <a:endParaRPr kumimoji="0" lang="pt-PT" sz="1400" b="1" i="0" u="none" strike="noStrike" cap="none" normalizeH="0" baseline="0" dirty="0" smtClean="0">
+              <a:ln>
+                <a:noFill/>
+              </a:ln>
+              <a:solidFill>
+                <a:srgbClr val="000066"/>
+              </a:solidFill>
+              <a:effectLst/>
+              <a:latin typeface="Consolas" pitchFamily="49" charset="0"/>
+            </a:endParaRPr>
+          </a:p>
+        </p:txBody>
+      </p:sp>
+      <p:sp>
+        <p:nvSpPr>
+          <p:cNvPr id="4" name="Rounded Rectangle 3"/>
+          <p:cNvSpPr/>
+          <p:nvPr/>
+        </p:nvSpPr>
+        <p:spPr bwMode="auto">
+          <a:xfrm>
+            <a:off x="1511167" y="1280158"/>
+            <a:ext cx="2079058" cy="394636"/>
+          </a:xfrm>
+          <a:prstGeom prst="roundRect">
+            <a:avLst/>
+          </a:prstGeom>
+          <a:ln>
+            <a:headEnd type="none" w="med" len="med"/>
+            <a:tailEnd type="none" w="med" len="med"/>
+          </a:ln>
+        </p:spPr>
+        <p:style>
+          <a:lnRef idx="0">
+            <a:schemeClr val="accent2"/>
+          </a:lnRef>
+          <a:fillRef idx="3">
+            <a:schemeClr val="accent2"/>
+          </a:fillRef>
+          <a:effectRef idx="3">
+            <a:schemeClr val="accent2"/>
+          </a:effectRef>
+          <a:fontRef idx="minor">
+            <a:schemeClr val="lt1"/>
+          </a:fontRef>
+        </p:style>
+        <p:txBody>
+          <a:bodyPr vert="horz" wrap="square" lIns="91440" tIns="45720" rIns="91440" bIns="45720" numCol="1" rtlCol="0" anchor="t" anchorCtr="0" compatLnSpc="1">
+            <a:prstTxWarp prst="textNoShape">
+              <a:avLst/>
+            </a:prstTxWarp>
+          </a:bodyPr>
+          <a:lstStyle/>
+          <a:p>
+            <a:pPr marL="342900" marR="0" indent="-342900" algn="ctr" defTabSz="914400" rtl="0" eaLnBrk="1" fontAlgn="base" latinLnBrk="0" hangingPunct="1">
+              <a:lnSpc>
+                <a:spcPct val="100000"/>
+              </a:lnSpc>
+              <a:spcBef>
+                <a:spcPct val="20000"/>
+              </a:spcBef>
+              <a:spcAft>
+                <a:spcPct val="0"/>
+              </a:spcAft>
+              <a:buClrTx/>
+              <a:buSzTx/>
+              <a:tabLst/>
+            </a:pPr>
+            <a:r>
+              <a:rPr kumimoji="0" lang="pt-PT" sz="1400" i="0" u="none" strike="noStrike" cap="none" normalizeH="0" baseline="0" dirty="0" err="1" smtClean="0">
+                <a:ln>
+                  <a:noFill/>
+                </a:ln>
+                <a:solidFill>
+                  <a:srgbClr val="000066"/>
+                </a:solidFill>
+                <a:effectLst/>
+                <a:latin typeface="Consolas" pitchFamily="49" charset="0"/>
+              </a:rPr>
+              <a:t>IService</a:t>
+            </a:r>
+            <a:r>
+              <a:rPr kumimoji="0" lang="pt-PT" sz="1400" b="1" i="0" u="none" strike="noStrike" cap="none" normalizeH="0" baseline="0" dirty="0" err="1" smtClean="0">
+                <a:ln>
+                  <a:noFill/>
+                </a:ln>
+                <a:solidFill>
+                  <a:srgbClr val="000066"/>
+                </a:solidFill>
+                <a:effectLst/>
+                <a:latin typeface="Consolas" pitchFamily="49" charset="0"/>
+              </a:rPr>
+              <a:t>Behavior</a:t>
+            </a:r>
+            <a:endParaRPr kumimoji="0" lang="pt-PT" sz="1400" b="1" i="0" u="none" strike="noStrike" cap="none" normalizeH="0" baseline="0" dirty="0" smtClean="0">
+              <a:ln>
+                <a:noFill/>
+              </a:ln>
+              <a:solidFill>
+                <a:srgbClr val="000066"/>
+              </a:solidFill>
+              <a:effectLst/>
+              <a:latin typeface="Consolas" pitchFamily="49" charset="0"/>
+            </a:endParaRPr>
+          </a:p>
+        </p:txBody>
+      </p:sp>
+      <p:cxnSp>
+        <p:nvCxnSpPr>
+          <p:cNvPr id="5" name="Shape 9"/>
+          <p:cNvCxnSpPr>
+            <a:stCxn id="2" idx="2"/>
+            <a:endCxn id="4" idx="1"/>
+          </p:cNvCxnSpPr>
+          <p:nvPr/>
+        </p:nvCxnSpPr>
+        <p:spPr bwMode="auto">
+          <a:xfrm rot="16200000" flipH="1">
+            <a:off x="1215191" y="1181500"/>
+            <a:ext cx="255068" cy="336884"/>
+          </a:xfrm>
+          <a:prstGeom prst="bentConnector2">
+            <a:avLst/>
+          </a:prstGeom>
+          <a:solidFill>
+            <a:schemeClr val="accent1"/>
+          </a:solidFill>
+          <a:ln w="9525" cap="flat" cmpd="sng" algn="ctr">
+            <a:solidFill>
+              <a:schemeClr val="tx1"/>
+            </a:solidFill>
+            <a:prstDash val="solid"/>
+            <a:round/>
+            <a:headEnd type="none" w="med" len="med"/>
+            <a:tailEnd type="arrow"/>
+          </a:ln>
+          <a:effectLst/>
+        </p:spPr>
+      </p:cxnSp>
+      <p:cxnSp>
+        <p:nvCxnSpPr>
+          <p:cNvPr id="6" name="Shape 10"/>
+          <p:cNvCxnSpPr>
+            <a:stCxn id="2" idx="2"/>
+            <a:endCxn id="3" idx="1"/>
+          </p:cNvCxnSpPr>
+          <p:nvPr/>
+        </p:nvCxnSpPr>
+        <p:spPr bwMode="auto">
+          <a:xfrm rot="16200000" flipH="1">
+            <a:off x="786866" y="1609824"/>
+            <a:ext cx="1111718" cy="336885"/>
+          </a:xfrm>
+          <a:prstGeom prst="bentConnector2">
+            <a:avLst/>
+          </a:prstGeom>
+          <a:solidFill>
+            <a:schemeClr val="accent1"/>
+          </a:solidFill>
+          <a:ln w="9525" cap="flat" cmpd="sng" algn="ctr">
+            <a:solidFill>
+              <a:schemeClr val="tx1"/>
+            </a:solidFill>
+            <a:prstDash val="solid"/>
+            <a:round/>
+            <a:headEnd type="none" w="med" len="med"/>
+            <a:tailEnd type="arrow"/>
+          </a:ln>
+          <a:effectLst/>
+        </p:spPr>
+      </p:cxnSp>
+      <p:sp>
+        <p:nvSpPr>
+          <p:cNvPr id="7" name="TextBox 6"/>
+          <p:cNvSpPr txBox="1"/>
+          <p:nvPr/>
+        </p:nvSpPr>
+        <p:spPr>
+          <a:xfrm>
+            <a:off x="1212784" y="1270535"/>
+            <a:ext cx="284052" cy="307777"/>
+          </a:xfrm>
+          <a:prstGeom prst="rect">
+            <a:avLst/>
+          </a:prstGeom>
+          <a:noFill/>
+        </p:spPr>
+        <p:txBody>
+          <a:bodyPr wrap="none" rtlCol="0">
+            <a:spAutoFit/>
+          </a:bodyPr>
+          <a:lstStyle/>
+          <a:p>
+            <a:r>
+              <a:rPr lang="pt-PT" sz="1400" dirty="0" smtClean="0">
+                <a:latin typeface="Consolas" pitchFamily="49" charset="0"/>
+              </a:rPr>
+              <a:t>*</a:t>
+            </a:r>
+            <a:endParaRPr lang="pt-PT" sz="1400" dirty="0">
+              <a:latin typeface="Consolas" pitchFamily="49" charset="0"/>
+            </a:endParaRPr>
+          </a:p>
+        </p:txBody>
+      </p:sp>
+      <p:sp>
+        <p:nvSpPr>
+          <p:cNvPr id="8" name="TextBox 7"/>
+          <p:cNvSpPr txBox="1"/>
+          <p:nvPr/>
+        </p:nvSpPr>
+        <p:spPr>
+          <a:xfrm>
+            <a:off x="1203159" y="2011680"/>
+            <a:ext cx="284052" cy="307777"/>
+          </a:xfrm>
+          <a:prstGeom prst="rect">
+            <a:avLst/>
+          </a:prstGeom>
+          <a:noFill/>
+        </p:spPr>
+        <p:txBody>
+          <a:bodyPr wrap="none" rtlCol="0">
+            <a:spAutoFit/>
+          </a:bodyPr>
+          <a:lstStyle/>
+          <a:p>
+            <a:r>
+              <a:rPr lang="pt-PT" sz="1400" dirty="0" smtClean="0">
+                <a:latin typeface="Consolas" pitchFamily="49" charset="0"/>
+              </a:rPr>
+              <a:t>*</a:t>
+            </a:r>
+            <a:endParaRPr lang="pt-PT" sz="1400" dirty="0">
+              <a:latin typeface="Consolas" pitchFamily="49" charset="0"/>
+            </a:endParaRPr>
+          </a:p>
+        </p:txBody>
+      </p:sp>
+      <p:sp>
+        <p:nvSpPr>
+          <p:cNvPr id="9" name="Rounded Rectangle 8"/>
+          <p:cNvSpPr/>
+          <p:nvPr/>
+        </p:nvSpPr>
+        <p:spPr bwMode="auto">
+          <a:xfrm>
+            <a:off x="2887580" y="3070459"/>
+            <a:ext cx="2184933" cy="394636"/>
+          </a:xfrm>
+          <a:prstGeom prst="roundRect">
+            <a:avLst/>
+          </a:prstGeom>
+          <a:ln>
+            <a:headEnd type="none" w="med" len="med"/>
+            <a:tailEnd type="none" w="med" len="med"/>
+          </a:ln>
+        </p:spPr>
+        <p:style>
+          <a:lnRef idx="0">
+            <a:schemeClr val="accent1"/>
+          </a:lnRef>
+          <a:fillRef idx="3">
+            <a:schemeClr val="accent1"/>
+          </a:fillRef>
+          <a:effectRef idx="3">
+            <a:schemeClr val="accent1"/>
+          </a:effectRef>
+          <a:fontRef idx="minor">
+            <a:schemeClr val="lt1"/>
+          </a:fontRef>
+        </p:style>
+        <p:txBody>
+          <a:bodyPr vert="horz" wrap="square" lIns="91440" tIns="45720" rIns="91440" bIns="45720" numCol="1" rtlCol="0" anchor="t" anchorCtr="0" compatLnSpc="1">
+            <a:prstTxWarp prst="textNoShape">
+              <a:avLst/>
+            </a:prstTxWarp>
+          </a:bodyPr>
+          <a:lstStyle/>
+          <a:p>
+            <a:pPr marL="342900" marR="0" indent="-342900" algn="ctr" defTabSz="914400" rtl="0" eaLnBrk="1" fontAlgn="base" latinLnBrk="0" hangingPunct="1">
+              <a:lnSpc>
+                <a:spcPct val="100000"/>
+              </a:lnSpc>
+              <a:spcBef>
+                <a:spcPct val="20000"/>
+              </a:spcBef>
+              <a:spcAft>
+                <a:spcPct val="0"/>
+              </a:spcAft>
+              <a:buClrTx/>
+              <a:buSzTx/>
+              <a:tabLst/>
+            </a:pPr>
+            <a:r>
+              <a:rPr kumimoji="0" lang="pt-PT" sz="1400" i="0" u="none" strike="noStrike" cap="none" normalizeH="0" baseline="0" dirty="0" err="1" smtClean="0">
+                <a:ln>
+                  <a:noFill/>
+                </a:ln>
+                <a:solidFill>
+                  <a:srgbClr val="000066"/>
+                </a:solidFill>
+                <a:effectLst/>
+                <a:latin typeface="Consolas" pitchFamily="49" charset="0"/>
+              </a:rPr>
+              <a:t>Endpoint</a:t>
+            </a:r>
+            <a:r>
+              <a:rPr kumimoji="0" lang="pt-PT" sz="1400" b="1" i="0" u="none" strike="noStrike" cap="none" normalizeH="0" baseline="0" dirty="0" err="1" smtClean="0">
+                <a:ln>
+                  <a:noFill/>
+                </a:ln>
+                <a:solidFill>
+                  <a:srgbClr val="000066"/>
+                </a:solidFill>
+                <a:effectLst/>
+                <a:latin typeface="Consolas" pitchFamily="49" charset="0"/>
+              </a:rPr>
+              <a:t>Address</a:t>
+            </a:r>
+            <a:endParaRPr kumimoji="0" lang="pt-PT" sz="1400" b="1" i="0" u="none" strike="noStrike" cap="none" normalizeH="0" baseline="0" dirty="0" smtClean="0">
+              <a:ln>
+                <a:noFill/>
+              </a:ln>
+              <a:solidFill>
+                <a:srgbClr val="000066"/>
+              </a:solidFill>
+              <a:effectLst/>
+              <a:latin typeface="Consolas" pitchFamily="49" charset="0"/>
+            </a:endParaRPr>
+          </a:p>
+        </p:txBody>
+      </p:sp>
+      <p:sp>
+        <p:nvSpPr>
+          <p:cNvPr id="10" name="Rounded Rectangle 9"/>
+          <p:cNvSpPr/>
+          <p:nvPr/>
+        </p:nvSpPr>
+        <p:spPr bwMode="auto">
+          <a:xfrm>
+            <a:off x="2887580" y="2589196"/>
+            <a:ext cx="2184933" cy="394636"/>
+          </a:xfrm>
+          <a:prstGeom prst="roundRect">
+            <a:avLst/>
+          </a:prstGeom>
+          <a:ln>
+            <a:headEnd type="none" w="med" len="med"/>
+            <a:tailEnd type="none" w="med" len="med"/>
+          </a:ln>
+        </p:spPr>
+        <p:style>
+          <a:lnRef idx="0">
+            <a:schemeClr val="accent2"/>
+          </a:lnRef>
+          <a:fillRef idx="3">
+            <a:schemeClr val="accent2"/>
+          </a:fillRef>
+          <a:effectRef idx="3">
+            <a:schemeClr val="accent2"/>
+          </a:effectRef>
+          <a:fontRef idx="minor">
+            <a:schemeClr val="lt1"/>
+          </a:fontRef>
+        </p:style>
+        <p:txBody>
+          <a:bodyPr vert="horz" wrap="square" lIns="91440" tIns="45720" rIns="91440" bIns="45720" numCol="1" rtlCol="0" anchor="t" anchorCtr="0" compatLnSpc="1">
+            <a:prstTxWarp prst="textNoShape">
+              <a:avLst/>
+            </a:prstTxWarp>
+          </a:bodyPr>
+          <a:lstStyle/>
+          <a:p>
+            <a:pPr marL="342900" marR="0" indent="-342900" algn="ctr" defTabSz="914400" rtl="0" eaLnBrk="1" fontAlgn="base" latinLnBrk="0" hangingPunct="1">
+              <a:lnSpc>
+                <a:spcPct val="100000"/>
+              </a:lnSpc>
+              <a:spcBef>
+                <a:spcPct val="20000"/>
+              </a:spcBef>
+              <a:spcAft>
+                <a:spcPct val="0"/>
+              </a:spcAft>
+              <a:buClrTx/>
+              <a:buSzTx/>
+              <a:tabLst/>
+            </a:pPr>
+            <a:r>
+              <a:rPr kumimoji="0" lang="pt-PT" sz="1400" i="0" u="none" strike="noStrike" cap="none" normalizeH="0" baseline="0" dirty="0" err="1" smtClean="0">
+                <a:ln>
+                  <a:noFill/>
+                </a:ln>
+                <a:solidFill>
+                  <a:srgbClr val="000066"/>
+                </a:solidFill>
+                <a:effectLst/>
+                <a:latin typeface="Consolas" pitchFamily="49" charset="0"/>
+              </a:rPr>
+              <a:t>IEndpoint</a:t>
+            </a:r>
+            <a:r>
+              <a:rPr kumimoji="0" lang="pt-PT" sz="1400" b="1" i="0" u="none" strike="noStrike" cap="none" normalizeH="0" baseline="0" dirty="0" err="1" smtClean="0">
+                <a:ln>
+                  <a:noFill/>
+                </a:ln>
+                <a:solidFill>
+                  <a:srgbClr val="000066"/>
+                </a:solidFill>
+                <a:effectLst/>
+                <a:latin typeface="Consolas" pitchFamily="49" charset="0"/>
+              </a:rPr>
+              <a:t>Behavior</a:t>
+            </a:r>
+            <a:endParaRPr kumimoji="0" lang="pt-PT" sz="1400" b="1" i="0" u="none" strike="noStrike" cap="none" normalizeH="0" baseline="0" dirty="0" smtClean="0">
+              <a:ln>
+                <a:noFill/>
+              </a:ln>
+              <a:solidFill>
+                <a:srgbClr val="000066"/>
+              </a:solidFill>
+              <a:effectLst/>
+              <a:latin typeface="Consolas" pitchFamily="49" charset="0"/>
+            </a:endParaRPr>
+          </a:p>
+        </p:txBody>
+      </p:sp>
+      <p:sp>
+        <p:nvSpPr>
+          <p:cNvPr id="11" name="Rounded Rectangle 10"/>
+          <p:cNvSpPr/>
+          <p:nvPr/>
+        </p:nvSpPr>
+        <p:spPr bwMode="auto">
+          <a:xfrm>
+            <a:off x="2887580" y="3513220"/>
+            <a:ext cx="2184933" cy="394636"/>
+          </a:xfrm>
+          <a:prstGeom prst="roundRect">
+            <a:avLst/>
+          </a:prstGeom>
+          <a:ln>
+            <a:headEnd type="none" w="med" len="med"/>
+            <a:tailEnd type="none" w="med" len="med"/>
+          </a:ln>
+        </p:spPr>
+        <p:style>
+          <a:lnRef idx="0">
+            <a:schemeClr val="accent1"/>
+          </a:lnRef>
+          <a:fillRef idx="3">
+            <a:schemeClr val="accent1"/>
+          </a:fillRef>
+          <a:effectRef idx="3">
+            <a:schemeClr val="accent1"/>
+          </a:effectRef>
+          <a:fontRef idx="minor">
+            <a:schemeClr val="lt1"/>
+          </a:fontRef>
+        </p:style>
+        <p:txBody>
+          <a:bodyPr vert="horz" wrap="square" lIns="91440" tIns="45720" rIns="91440" bIns="45720" numCol="1" rtlCol="0" anchor="t" anchorCtr="0" compatLnSpc="1">
+            <a:prstTxWarp prst="textNoShape">
+              <a:avLst/>
+            </a:prstTxWarp>
+          </a:bodyPr>
+          <a:lstStyle/>
+          <a:p>
+            <a:pPr marL="342900" marR="0" indent="-342900" algn="ctr" defTabSz="914400" rtl="0" eaLnBrk="1" fontAlgn="base" latinLnBrk="0" hangingPunct="1">
+              <a:lnSpc>
+                <a:spcPct val="100000"/>
+              </a:lnSpc>
+              <a:spcBef>
+                <a:spcPct val="20000"/>
+              </a:spcBef>
+              <a:spcAft>
+                <a:spcPct val="0"/>
+              </a:spcAft>
+              <a:buClrTx/>
+              <a:buSzTx/>
+              <a:tabLst/>
+            </a:pPr>
+            <a:r>
+              <a:rPr kumimoji="0" lang="pt-PT" sz="1400" b="1" i="0" u="none" strike="noStrike" cap="none" normalizeH="0" baseline="0" dirty="0" err="1" smtClean="0">
+                <a:ln>
+                  <a:noFill/>
+                </a:ln>
+                <a:solidFill>
+                  <a:srgbClr val="000066"/>
+                </a:solidFill>
+                <a:effectLst/>
+                <a:latin typeface="Consolas" pitchFamily="49" charset="0"/>
+              </a:rPr>
+              <a:t>Binding</a:t>
+            </a:r>
+            <a:endParaRPr kumimoji="0" lang="pt-PT" sz="1400" b="1" i="0" u="none" strike="noStrike" cap="none" normalizeH="0" baseline="0" dirty="0" smtClean="0">
+              <a:ln>
+                <a:noFill/>
+              </a:ln>
+              <a:solidFill>
+                <a:srgbClr val="000066"/>
+              </a:solidFill>
+              <a:effectLst/>
+              <a:latin typeface="Consolas" pitchFamily="49" charset="0"/>
+            </a:endParaRPr>
+          </a:p>
+        </p:txBody>
+      </p:sp>
+      <p:sp>
+        <p:nvSpPr>
+          <p:cNvPr id="12" name="Rounded Rectangle 11"/>
+          <p:cNvSpPr/>
+          <p:nvPr/>
+        </p:nvSpPr>
+        <p:spPr bwMode="auto">
+          <a:xfrm>
+            <a:off x="2887581" y="3984858"/>
+            <a:ext cx="2175308" cy="394636"/>
+          </a:xfrm>
+          <a:prstGeom prst="roundRect">
+            <a:avLst/>
+          </a:prstGeom>
+          <a:ln>
+            <a:headEnd type="none" w="med" len="med"/>
+            <a:tailEnd type="none" w="med" len="med"/>
+          </a:ln>
+        </p:spPr>
+        <p:style>
+          <a:lnRef idx="0">
+            <a:schemeClr val="accent1"/>
+          </a:lnRef>
+          <a:fillRef idx="3">
+            <a:schemeClr val="accent1"/>
+          </a:fillRef>
+          <a:effectRef idx="3">
+            <a:schemeClr val="accent1"/>
+          </a:effectRef>
+          <a:fontRef idx="minor">
+            <a:schemeClr val="lt1"/>
+          </a:fontRef>
+        </p:style>
+        <p:txBody>
+          <a:bodyPr vert="horz" wrap="square" lIns="91440" tIns="45720" rIns="91440" bIns="45720" numCol="1" rtlCol="0" anchor="t" anchorCtr="0" compatLnSpc="1">
+            <a:prstTxWarp prst="textNoShape">
+              <a:avLst/>
+            </a:prstTxWarp>
+          </a:bodyPr>
+          <a:lstStyle/>
+          <a:p>
+            <a:pPr marL="342900" marR="0" indent="-342900" algn="ctr" defTabSz="914400" rtl="0" eaLnBrk="1" fontAlgn="base" latinLnBrk="0" hangingPunct="1">
+              <a:lnSpc>
+                <a:spcPct val="100000"/>
+              </a:lnSpc>
+              <a:spcBef>
+                <a:spcPct val="20000"/>
+              </a:spcBef>
+              <a:spcAft>
+                <a:spcPct val="0"/>
+              </a:spcAft>
+              <a:buClrTx/>
+              <a:buSzTx/>
+              <a:tabLst/>
+            </a:pPr>
+            <a:r>
+              <a:rPr lang="pt-PT" sz="1400" b="1" dirty="0" err="1" smtClean="0">
+                <a:solidFill>
+                  <a:srgbClr val="000066"/>
+                </a:solidFill>
+                <a:latin typeface="Consolas" pitchFamily="49" charset="0"/>
+              </a:rPr>
+              <a:t>Contract</a:t>
+            </a:r>
+            <a:r>
+              <a:rPr lang="pt-PT" sz="1400" dirty="0" err="1" smtClean="0">
+                <a:solidFill>
+                  <a:srgbClr val="000066"/>
+                </a:solidFill>
+                <a:latin typeface="Consolas" pitchFamily="49" charset="0"/>
+              </a:rPr>
+              <a:t>Description</a:t>
+            </a:r>
+            <a:endParaRPr kumimoji="0" lang="pt-PT" sz="1400" i="0" u="none" strike="noStrike" cap="none" normalizeH="0" baseline="0" dirty="0" smtClean="0">
+              <a:ln>
+                <a:noFill/>
+              </a:ln>
+              <a:solidFill>
+                <a:srgbClr val="000066"/>
+              </a:solidFill>
+              <a:effectLst/>
+              <a:latin typeface="Consolas" pitchFamily="49" charset="0"/>
+            </a:endParaRPr>
+          </a:p>
+        </p:txBody>
+      </p:sp>
+      <p:cxnSp>
+        <p:nvCxnSpPr>
+          <p:cNvPr id="13" name="Shape 20"/>
+          <p:cNvCxnSpPr>
+            <a:stCxn id="3" idx="2"/>
+            <a:endCxn id="10" idx="1"/>
+          </p:cNvCxnSpPr>
+          <p:nvPr/>
+        </p:nvCxnSpPr>
+        <p:spPr bwMode="auto">
+          <a:xfrm rot="16200000" flipH="1">
+            <a:off x="2591603" y="2490537"/>
+            <a:ext cx="255070" cy="336883"/>
+          </a:xfrm>
+          <a:prstGeom prst="bentConnector2">
+            <a:avLst/>
+          </a:prstGeom>
+          <a:solidFill>
+            <a:schemeClr val="accent1"/>
+          </a:solidFill>
+          <a:ln w="9525" cap="flat" cmpd="sng" algn="ctr">
+            <a:solidFill>
+              <a:schemeClr val="tx1"/>
+            </a:solidFill>
+            <a:prstDash val="solid"/>
+            <a:round/>
+            <a:headEnd type="none" w="med" len="med"/>
+            <a:tailEnd type="arrow"/>
+          </a:ln>
+          <a:effectLst/>
+        </p:spPr>
+      </p:cxnSp>
+      <p:sp>
+        <p:nvSpPr>
+          <p:cNvPr id="14" name="TextBox 13"/>
+          <p:cNvSpPr txBox="1"/>
+          <p:nvPr/>
+        </p:nvSpPr>
+        <p:spPr>
+          <a:xfrm>
+            <a:off x="2569946" y="2531445"/>
+            <a:ext cx="284052" cy="307777"/>
+          </a:xfrm>
+          <a:prstGeom prst="rect">
+            <a:avLst/>
+          </a:prstGeom>
+          <a:noFill/>
+        </p:spPr>
+        <p:txBody>
+          <a:bodyPr wrap="none" rtlCol="0">
+            <a:spAutoFit/>
+          </a:bodyPr>
+          <a:lstStyle/>
+          <a:p>
+            <a:r>
+              <a:rPr lang="pt-PT" sz="1400" dirty="0" smtClean="0">
+                <a:latin typeface="Consolas" pitchFamily="49" charset="0"/>
+              </a:rPr>
+              <a:t>*</a:t>
+            </a:r>
+            <a:endParaRPr lang="pt-PT" sz="1400" dirty="0">
+              <a:latin typeface="Consolas" pitchFamily="49" charset="0"/>
+            </a:endParaRPr>
+          </a:p>
+        </p:txBody>
+      </p:sp>
+      <p:sp>
+        <p:nvSpPr>
+          <p:cNvPr id="15" name="TextBox 14"/>
+          <p:cNvSpPr txBox="1"/>
+          <p:nvPr/>
+        </p:nvSpPr>
+        <p:spPr>
+          <a:xfrm>
+            <a:off x="2589197" y="2993458"/>
+            <a:ext cx="284052" cy="307777"/>
+          </a:xfrm>
+          <a:prstGeom prst="rect">
+            <a:avLst/>
+          </a:prstGeom>
+          <a:noFill/>
+        </p:spPr>
+        <p:txBody>
+          <a:bodyPr wrap="none" rtlCol="0">
+            <a:spAutoFit/>
+          </a:bodyPr>
+          <a:lstStyle/>
+          <a:p>
+            <a:r>
+              <a:rPr lang="pt-PT" sz="1400" dirty="0" smtClean="0">
+                <a:latin typeface="Consolas" pitchFamily="49" charset="0"/>
+              </a:rPr>
+              <a:t>1</a:t>
+            </a:r>
+            <a:endParaRPr lang="pt-PT" sz="1400" dirty="0">
+              <a:latin typeface="Consolas" pitchFamily="49" charset="0"/>
+            </a:endParaRPr>
+          </a:p>
+        </p:txBody>
+      </p:sp>
+      <p:sp>
+        <p:nvSpPr>
+          <p:cNvPr id="16" name="TextBox 15"/>
+          <p:cNvSpPr txBox="1"/>
+          <p:nvPr/>
+        </p:nvSpPr>
+        <p:spPr>
+          <a:xfrm>
+            <a:off x="2579572" y="3465095"/>
+            <a:ext cx="284052" cy="307777"/>
+          </a:xfrm>
+          <a:prstGeom prst="rect">
+            <a:avLst/>
+          </a:prstGeom>
+          <a:noFill/>
+        </p:spPr>
+        <p:txBody>
+          <a:bodyPr wrap="none" rtlCol="0">
+            <a:spAutoFit/>
+          </a:bodyPr>
+          <a:lstStyle/>
+          <a:p>
+            <a:r>
+              <a:rPr lang="pt-PT" sz="1400" dirty="0" smtClean="0">
+                <a:latin typeface="Consolas" pitchFamily="49" charset="0"/>
+              </a:rPr>
+              <a:t>1</a:t>
+            </a:r>
+            <a:endParaRPr lang="pt-PT" sz="1400" dirty="0">
+              <a:latin typeface="Consolas" pitchFamily="49" charset="0"/>
+            </a:endParaRPr>
+          </a:p>
+        </p:txBody>
+      </p:sp>
+      <p:sp>
+        <p:nvSpPr>
+          <p:cNvPr id="17" name="TextBox 16"/>
+          <p:cNvSpPr txBox="1"/>
+          <p:nvPr/>
+        </p:nvSpPr>
+        <p:spPr>
+          <a:xfrm>
+            <a:off x="2579572" y="3792354"/>
+            <a:ext cx="284052" cy="307777"/>
+          </a:xfrm>
+          <a:prstGeom prst="rect">
+            <a:avLst/>
+          </a:prstGeom>
+          <a:noFill/>
+        </p:spPr>
+        <p:txBody>
+          <a:bodyPr wrap="none" rtlCol="0">
+            <a:spAutoFit/>
+          </a:bodyPr>
+          <a:lstStyle/>
+          <a:p>
+            <a:r>
+              <a:rPr lang="pt-PT" sz="1400" dirty="0" smtClean="0">
+                <a:latin typeface="Consolas" pitchFamily="49" charset="0"/>
+              </a:rPr>
+              <a:t>1</a:t>
+            </a:r>
+            <a:endParaRPr lang="pt-PT" sz="1400" dirty="0">
+              <a:latin typeface="Consolas" pitchFamily="49" charset="0"/>
+            </a:endParaRPr>
+          </a:p>
+        </p:txBody>
+      </p:sp>
+      <p:cxnSp>
+        <p:nvCxnSpPr>
+          <p:cNvPr id="18" name="Shape 33"/>
+          <p:cNvCxnSpPr>
+            <a:stCxn id="3" idx="2"/>
+            <a:endCxn id="9" idx="1"/>
+          </p:cNvCxnSpPr>
+          <p:nvPr/>
+        </p:nvCxnSpPr>
+        <p:spPr bwMode="auto">
+          <a:xfrm rot="16200000" flipH="1">
+            <a:off x="2350972" y="2731168"/>
+            <a:ext cx="736333" cy="336883"/>
+          </a:xfrm>
+          <a:prstGeom prst="bentConnector2">
+            <a:avLst/>
+          </a:prstGeom>
+          <a:solidFill>
+            <a:schemeClr val="accent1"/>
+          </a:solidFill>
+          <a:ln w="9525" cap="flat" cmpd="sng" algn="ctr">
+            <a:solidFill>
+              <a:schemeClr val="tx1"/>
+            </a:solidFill>
+            <a:prstDash val="solid"/>
+            <a:round/>
+            <a:headEnd type="none" w="med" len="med"/>
+            <a:tailEnd type="arrow"/>
+          </a:ln>
+          <a:effectLst/>
+        </p:spPr>
+      </p:cxnSp>
+      <p:cxnSp>
+        <p:nvCxnSpPr>
+          <p:cNvPr id="19" name="Shape 36"/>
+          <p:cNvCxnSpPr>
+            <a:stCxn id="3" idx="2"/>
+            <a:endCxn id="11" idx="1"/>
+          </p:cNvCxnSpPr>
+          <p:nvPr/>
+        </p:nvCxnSpPr>
+        <p:spPr bwMode="auto">
+          <a:xfrm rot="16200000" flipH="1">
+            <a:off x="2129591" y="2952549"/>
+            <a:ext cx="1179094" cy="336883"/>
+          </a:xfrm>
+          <a:prstGeom prst="bentConnector2">
+            <a:avLst/>
+          </a:prstGeom>
+          <a:solidFill>
+            <a:schemeClr val="accent1"/>
+          </a:solidFill>
+          <a:ln w="9525" cap="flat" cmpd="sng" algn="ctr">
+            <a:solidFill>
+              <a:schemeClr val="tx1"/>
+            </a:solidFill>
+            <a:prstDash val="solid"/>
+            <a:round/>
+            <a:headEnd type="none" w="med" len="med"/>
+            <a:tailEnd type="arrow"/>
+          </a:ln>
+          <a:effectLst/>
+        </p:spPr>
+      </p:cxnSp>
+      <p:cxnSp>
+        <p:nvCxnSpPr>
+          <p:cNvPr id="20" name="Shape 37"/>
+          <p:cNvCxnSpPr>
+            <a:stCxn id="3" idx="2"/>
+            <a:endCxn id="12" idx="1"/>
+          </p:cNvCxnSpPr>
+          <p:nvPr/>
+        </p:nvCxnSpPr>
+        <p:spPr bwMode="auto">
+          <a:xfrm rot="16200000" flipH="1">
+            <a:off x="1893773" y="3188368"/>
+            <a:ext cx="1650732" cy="336884"/>
+          </a:xfrm>
+          <a:prstGeom prst="bentConnector2">
+            <a:avLst/>
+          </a:prstGeom>
+          <a:solidFill>
+            <a:schemeClr val="accent1"/>
+          </a:solidFill>
+          <a:ln w="9525" cap="flat" cmpd="sng" algn="ctr">
+            <a:solidFill>
+              <a:schemeClr val="tx1"/>
+            </a:solidFill>
+            <a:prstDash val="solid"/>
+            <a:round/>
+            <a:headEnd type="none" w="med" len="med"/>
+            <a:tailEnd type="arrow"/>
+          </a:ln>
+          <a:effectLst/>
+        </p:spPr>
+      </p:cxnSp>
+      <p:sp>
+        <p:nvSpPr>
+          <p:cNvPr id="21" name="Rounded Rectangle 20"/>
+          <p:cNvSpPr/>
+          <p:nvPr/>
+        </p:nvSpPr>
+        <p:spPr bwMode="auto">
+          <a:xfrm>
+            <a:off x="5573028" y="3513220"/>
+            <a:ext cx="2069431" cy="394636"/>
+          </a:xfrm>
+          <a:prstGeom prst="roundRect">
+            <a:avLst/>
+          </a:prstGeom>
+          <a:ln>
+            <a:headEnd type="none" w="med" len="med"/>
+            <a:tailEnd type="none" w="med" len="med"/>
+          </a:ln>
+        </p:spPr>
+        <p:style>
+          <a:lnRef idx="0">
+            <a:schemeClr val="accent1"/>
+          </a:lnRef>
+          <a:fillRef idx="3">
+            <a:schemeClr val="accent1"/>
+          </a:fillRef>
+          <a:effectRef idx="3">
+            <a:schemeClr val="accent1"/>
+          </a:effectRef>
+          <a:fontRef idx="minor">
+            <a:schemeClr val="lt1"/>
+          </a:fontRef>
+        </p:style>
+        <p:txBody>
+          <a:bodyPr vert="horz" wrap="square" lIns="91440" tIns="45720" rIns="91440" bIns="45720" numCol="1" rtlCol="0" anchor="t" anchorCtr="0" compatLnSpc="1">
+            <a:prstTxWarp prst="textNoShape">
+              <a:avLst/>
+            </a:prstTxWarp>
+          </a:bodyPr>
+          <a:lstStyle/>
+          <a:p>
+            <a:pPr marL="342900" marR="0" indent="-342900" algn="ctr" defTabSz="914400" rtl="0" eaLnBrk="1" fontAlgn="base" latinLnBrk="0" hangingPunct="1">
+              <a:lnSpc>
+                <a:spcPct val="100000"/>
+              </a:lnSpc>
+              <a:spcBef>
+                <a:spcPct val="20000"/>
+              </a:spcBef>
+              <a:spcAft>
+                <a:spcPct val="0"/>
+              </a:spcAft>
+              <a:buClrTx/>
+              <a:buSzTx/>
+              <a:tabLst/>
+            </a:pPr>
+            <a:r>
+              <a:rPr kumimoji="0" lang="pt-PT" sz="1400" b="1" i="0" u="none" strike="noStrike" cap="none" normalizeH="0" baseline="0" dirty="0" err="1" smtClean="0">
+                <a:ln>
+                  <a:noFill/>
+                </a:ln>
+                <a:solidFill>
+                  <a:srgbClr val="000066"/>
+                </a:solidFill>
+                <a:effectLst/>
+                <a:latin typeface="Consolas" pitchFamily="49" charset="0"/>
+              </a:rPr>
+              <a:t>BindingElement</a:t>
+            </a:r>
+            <a:endParaRPr kumimoji="0" lang="pt-PT" sz="1400" b="1" i="0" u="none" strike="noStrike" cap="none" normalizeH="0" baseline="0" dirty="0" smtClean="0">
+              <a:ln>
+                <a:noFill/>
+              </a:ln>
+              <a:solidFill>
+                <a:srgbClr val="000066"/>
+              </a:solidFill>
+              <a:effectLst/>
+              <a:latin typeface="Consolas" pitchFamily="49" charset="0"/>
+            </a:endParaRPr>
+          </a:p>
+        </p:txBody>
+      </p:sp>
+      <p:cxnSp>
+        <p:nvCxnSpPr>
+          <p:cNvPr id="22" name="Elbow Connector 21"/>
+          <p:cNvCxnSpPr>
+            <a:stCxn id="11" idx="3"/>
+            <a:endCxn id="21" idx="1"/>
+          </p:cNvCxnSpPr>
+          <p:nvPr/>
+        </p:nvCxnSpPr>
+        <p:spPr bwMode="auto">
+          <a:xfrm>
+            <a:off x="5072513" y="3710538"/>
+            <a:ext cx="500515" cy="1588"/>
+          </a:xfrm>
+          <a:prstGeom prst="bentConnector3">
+            <a:avLst>
+              <a:gd name="adj1" fmla="val 50000"/>
+            </a:avLst>
+          </a:prstGeom>
+          <a:solidFill>
+            <a:schemeClr val="accent1"/>
+          </a:solidFill>
+          <a:ln w="9525" cap="flat" cmpd="sng" algn="ctr">
+            <a:solidFill>
+              <a:schemeClr val="tx1"/>
+            </a:solidFill>
+            <a:prstDash val="solid"/>
+            <a:round/>
+            <a:headEnd type="none" w="med" len="med"/>
+            <a:tailEnd type="arrow"/>
+          </a:ln>
+          <a:effectLst/>
+        </p:spPr>
+      </p:cxnSp>
+      <p:sp>
+        <p:nvSpPr>
+          <p:cNvPr id="23" name="TextBox 22"/>
+          <p:cNvSpPr txBox="1"/>
+          <p:nvPr/>
+        </p:nvSpPr>
+        <p:spPr>
+          <a:xfrm>
+            <a:off x="5178392" y="3378468"/>
+            <a:ext cx="284052" cy="307777"/>
+          </a:xfrm>
+          <a:prstGeom prst="rect">
+            <a:avLst/>
+          </a:prstGeom>
+          <a:noFill/>
+        </p:spPr>
+        <p:txBody>
+          <a:bodyPr wrap="none" rtlCol="0">
+            <a:spAutoFit/>
+          </a:bodyPr>
+          <a:lstStyle/>
+          <a:p>
+            <a:r>
+              <a:rPr lang="pt-PT" sz="1400" dirty="0" smtClean="0">
+                <a:latin typeface="Consolas" pitchFamily="49" charset="0"/>
+              </a:rPr>
+              <a:t>*</a:t>
+            </a:r>
+            <a:endParaRPr lang="pt-PT" sz="1400" dirty="0">
+              <a:latin typeface="Consolas" pitchFamily="49" charset="0"/>
+            </a:endParaRPr>
+          </a:p>
+        </p:txBody>
+      </p:sp>
+      <p:sp>
+        <p:nvSpPr>
+          <p:cNvPr id="24" name="Rounded Rectangle 23"/>
+          <p:cNvSpPr/>
+          <p:nvPr/>
+        </p:nvSpPr>
+        <p:spPr bwMode="auto">
+          <a:xfrm>
+            <a:off x="4302493" y="4899258"/>
+            <a:ext cx="2242686" cy="394636"/>
+          </a:xfrm>
+          <a:prstGeom prst="roundRect">
+            <a:avLst/>
+          </a:prstGeom>
+          <a:ln>
+            <a:headEnd type="none" w="med" len="med"/>
+            <a:tailEnd type="none" w="med" len="med"/>
+          </a:ln>
+        </p:spPr>
+        <p:style>
+          <a:lnRef idx="0">
+            <a:schemeClr val="accent1"/>
+          </a:lnRef>
+          <a:fillRef idx="3">
+            <a:schemeClr val="accent1"/>
+          </a:fillRef>
+          <a:effectRef idx="3">
+            <a:schemeClr val="accent1"/>
+          </a:effectRef>
+          <a:fontRef idx="minor">
+            <a:schemeClr val="lt1"/>
+          </a:fontRef>
+        </p:style>
+        <p:txBody>
+          <a:bodyPr vert="horz" wrap="square" lIns="91440" tIns="45720" rIns="91440" bIns="45720" numCol="1" rtlCol="0" anchor="t" anchorCtr="0" compatLnSpc="1">
+            <a:prstTxWarp prst="textNoShape">
+              <a:avLst/>
+            </a:prstTxWarp>
+          </a:bodyPr>
+          <a:lstStyle/>
+          <a:p>
+            <a:pPr marL="342900" marR="0" indent="-342900" algn="ctr" defTabSz="914400" rtl="0" eaLnBrk="1" fontAlgn="base" latinLnBrk="0" hangingPunct="1">
+              <a:lnSpc>
+                <a:spcPct val="100000"/>
+              </a:lnSpc>
+              <a:spcBef>
+                <a:spcPct val="20000"/>
+              </a:spcBef>
+              <a:spcAft>
+                <a:spcPct val="0"/>
+              </a:spcAft>
+              <a:buClrTx/>
+              <a:buSzTx/>
+              <a:tabLst/>
+            </a:pPr>
+            <a:r>
+              <a:rPr kumimoji="0" lang="pt-PT" sz="1400" b="1" i="0" u="none" strike="noStrike" cap="none" normalizeH="0" baseline="0" dirty="0" err="1" smtClean="0">
+                <a:ln>
+                  <a:noFill/>
+                </a:ln>
+                <a:solidFill>
+                  <a:srgbClr val="000066"/>
+                </a:solidFill>
+                <a:effectLst/>
+                <a:latin typeface="Consolas" pitchFamily="49" charset="0"/>
+              </a:rPr>
+              <a:t>Operation</a:t>
+            </a:r>
+            <a:r>
+              <a:rPr kumimoji="0" lang="pt-PT" sz="1400" i="0" u="none" strike="noStrike" cap="none" normalizeH="0" baseline="0" dirty="0" err="1" smtClean="0">
+                <a:ln>
+                  <a:noFill/>
+                </a:ln>
+                <a:solidFill>
+                  <a:srgbClr val="000066"/>
+                </a:solidFill>
+                <a:effectLst/>
+                <a:latin typeface="Consolas" pitchFamily="49" charset="0"/>
+              </a:rPr>
+              <a:t>Description</a:t>
+            </a:r>
+            <a:endParaRPr kumimoji="0" lang="pt-PT" sz="1400" i="0" u="none" strike="noStrike" cap="none" normalizeH="0" baseline="0" dirty="0" smtClean="0">
+              <a:ln>
+                <a:noFill/>
+              </a:ln>
+              <a:solidFill>
+                <a:srgbClr val="000066"/>
+              </a:solidFill>
+              <a:effectLst/>
+              <a:latin typeface="Consolas" pitchFamily="49" charset="0"/>
+            </a:endParaRPr>
+          </a:p>
+        </p:txBody>
+      </p:sp>
+      <p:sp>
+        <p:nvSpPr>
+          <p:cNvPr id="25" name="Rounded Rectangle 24"/>
+          <p:cNvSpPr/>
+          <p:nvPr/>
+        </p:nvSpPr>
+        <p:spPr bwMode="auto">
+          <a:xfrm>
+            <a:off x="4302493" y="4446871"/>
+            <a:ext cx="2242686" cy="394636"/>
+          </a:xfrm>
+          <a:prstGeom prst="roundRect">
+            <a:avLst/>
+          </a:prstGeom>
+          <a:ln>
+            <a:headEnd type="none" w="med" len="med"/>
+            <a:tailEnd type="none" w="med" len="med"/>
+          </a:ln>
+        </p:spPr>
+        <p:style>
+          <a:lnRef idx="0">
+            <a:schemeClr val="accent2"/>
+          </a:lnRef>
+          <a:fillRef idx="3">
+            <a:schemeClr val="accent2"/>
+          </a:fillRef>
+          <a:effectRef idx="3">
+            <a:schemeClr val="accent2"/>
+          </a:effectRef>
+          <a:fontRef idx="minor">
+            <a:schemeClr val="lt1"/>
+          </a:fontRef>
+        </p:style>
+        <p:txBody>
+          <a:bodyPr vert="horz" wrap="square" lIns="91440" tIns="45720" rIns="91440" bIns="45720" numCol="1" rtlCol="0" anchor="t" anchorCtr="0" compatLnSpc="1">
+            <a:prstTxWarp prst="textNoShape">
+              <a:avLst/>
+            </a:prstTxWarp>
+          </a:bodyPr>
+          <a:lstStyle/>
+          <a:p>
+            <a:pPr marL="342900" marR="0" indent="-342900" algn="ctr" defTabSz="914400" rtl="0" eaLnBrk="1" fontAlgn="base" latinLnBrk="0" hangingPunct="1">
+              <a:lnSpc>
+                <a:spcPct val="100000"/>
+              </a:lnSpc>
+              <a:spcBef>
+                <a:spcPct val="20000"/>
+              </a:spcBef>
+              <a:spcAft>
+                <a:spcPct val="0"/>
+              </a:spcAft>
+              <a:buClrTx/>
+              <a:buSzTx/>
+              <a:tabLst/>
+            </a:pPr>
+            <a:r>
+              <a:rPr kumimoji="0" lang="pt-PT" sz="1400" i="0" u="none" strike="noStrike" cap="none" normalizeH="0" baseline="0" dirty="0" err="1" smtClean="0">
+                <a:ln>
+                  <a:noFill/>
+                </a:ln>
+                <a:solidFill>
+                  <a:srgbClr val="000066"/>
+                </a:solidFill>
+                <a:effectLst/>
+                <a:latin typeface="Consolas" pitchFamily="49" charset="0"/>
+              </a:rPr>
+              <a:t>IContract</a:t>
+            </a:r>
+            <a:r>
+              <a:rPr kumimoji="0" lang="pt-PT" sz="1400" b="1" i="0" u="none" strike="noStrike" cap="none" normalizeH="0" baseline="0" dirty="0" err="1" smtClean="0">
+                <a:ln>
+                  <a:noFill/>
+                </a:ln>
+                <a:solidFill>
+                  <a:srgbClr val="000066"/>
+                </a:solidFill>
+                <a:effectLst/>
+                <a:latin typeface="Consolas" pitchFamily="49" charset="0"/>
+              </a:rPr>
+              <a:t>Behavior</a:t>
+            </a:r>
+            <a:endParaRPr kumimoji="0" lang="pt-PT" sz="1400" b="1" i="0" u="none" strike="noStrike" cap="none" normalizeH="0" baseline="0" dirty="0" smtClean="0">
+              <a:ln>
+                <a:noFill/>
+              </a:ln>
+              <a:solidFill>
+                <a:srgbClr val="000066"/>
+              </a:solidFill>
+              <a:effectLst/>
+              <a:latin typeface="Consolas" pitchFamily="49" charset="0"/>
+            </a:endParaRPr>
+          </a:p>
+        </p:txBody>
+      </p:sp>
+      <p:sp>
+        <p:nvSpPr>
+          <p:cNvPr id="26" name="Rounded Rectangle 25"/>
+          <p:cNvSpPr/>
+          <p:nvPr/>
+        </p:nvSpPr>
+        <p:spPr bwMode="auto">
+          <a:xfrm>
+            <a:off x="5746283" y="5351645"/>
+            <a:ext cx="2184933" cy="394636"/>
+          </a:xfrm>
+          <a:prstGeom prst="roundRect">
+            <a:avLst/>
+          </a:prstGeom>
+          <a:ln>
+            <a:headEnd type="none" w="med" len="med"/>
+            <a:tailEnd type="none" w="med" len="med"/>
+          </a:ln>
+        </p:spPr>
+        <p:style>
+          <a:lnRef idx="0">
+            <a:schemeClr val="accent2"/>
+          </a:lnRef>
+          <a:fillRef idx="3">
+            <a:schemeClr val="accent2"/>
+          </a:fillRef>
+          <a:effectRef idx="3">
+            <a:schemeClr val="accent2"/>
+          </a:effectRef>
+          <a:fontRef idx="minor">
+            <a:schemeClr val="lt1"/>
+          </a:fontRef>
+        </p:style>
+        <p:txBody>
+          <a:bodyPr vert="horz" wrap="square" lIns="91440" tIns="45720" rIns="91440" bIns="45720" numCol="1" rtlCol="0" anchor="t" anchorCtr="0" compatLnSpc="1">
+            <a:prstTxWarp prst="textNoShape">
+              <a:avLst/>
+            </a:prstTxWarp>
+          </a:bodyPr>
+          <a:lstStyle/>
+          <a:p>
+            <a:pPr marL="342900" marR="0" indent="-342900" algn="ctr" defTabSz="914400" rtl="0" eaLnBrk="1" fontAlgn="base" latinLnBrk="0" hangingPunct="1">
+              <a:lnSpc>
+                <a:spcPct val="100000"/>
+              </a:lnSpc>
+              <a:spcBef>
+                <a:spcPct val="20000"/>
+              </a:spcBef>
+              <a:spcAft>
+                <a:spcPct val="0"/>
+              </a:spcAft>
+              <a:buClrTx/>
+              <a:buSzTx/>
+              <a:tabLst/>
+            </a:pPr>
+            <a:r>
+              <a:rPr kumimoji="0" lang="pt-PT" sz="1400" i="0" u="none" strike="noStrike" cap="none" normalizeH="0" baseline="0" dirty="0" err="1" smtClean="0">
+                <a:ln>
+                  <a:noFill/>
+                </a:ln>
+                <a:solidFill>
+                  <a:srgbClr val="000066"/>
+                </a:solidFill>
+                <a:effectLst/>
+                <a:latin typeface="Consolas" pitchFamily="49" charset="0"/>
+              </a:rPr>
+              <a:t>IOperation</a:t>
+            </a:r>
+            <a:r>
+              <a:rPr kumimoji="0" lang="pt-PT" sz="1400" b="1" i="0" u="none" strike="noStrike" cap="none" normalizeH="0" baseline="0" dirty="0" err="1" smtClean="0">
+                <a:ln>
+                  <a:noFill/>
+                </a:ln>
+                <a:solidFill>
+                  <a:srgbClr val="000066"/>
+                </a:solidFill>
+                <a:effectLst/>
+                <a:latin typeface="Consolas" pitchFamily="49" charset="0"/>
+              </a:rPr>
+              <a:t>Behavior</a:t>
+            </a:r>
+            <a:endParaRPr kumimoji="0" lang="pt-PT" sz="1400" b="1" i="0" u="none" strike="noStrike" cap="none" normalizeH="0" baseline="0" dirty="0" smtClean="0">
+              <a:ln>
+                <a:noFill/>
+              </a:ln>
+              <a:solidFill>
+                <a:srgbClr val="000066"/>
+              </a:solidFill>
+              <a:effectLst/>
+              <a:latin typeface="Consolas" pitchFamily="49" charset="0"/>
+            </a:endParaRPr>
+          </a:p>
+        </p:txBody>
+      </p:sp>
+      <p:sp>
+        <p:nvSpPr>
+          <p:cNvPr id="27" name="Rounded Rectangle 26"/>
+          <p:cNvSpPr/>
+          <p:nvPr/>
+        </p:nvSpPr>
+        <p:spPr bwMode="auto">
+          <a:xfrm>
+            <a:off x="5746284" y="5813658"/>
+            <a:ext cx="2175308" cy="394636"/>
+          </a:xfrm>
+          <a:prstGeom prst="roundRect">
+            <a:avLst/>
+          </a:prstGeom>
+          <a:ln>
+            <a:headEnd type="none" w="med" len="med"/>
+            <a:tailEnd type="none" w="med" len="med"/>
+          </a:ln>
+        </p:spPr>
+        <p:style>
+          <a:lnRef idx="0">
+            <a:schemeClr val="accent1"/>
+          </a:lnRef>
+          <a:fillRef idx="3">
+            <a:schemeClr val="accent1"/>
+          </a:fillRef>
+          <a:effectRef idx="3">
+            <a:schemeClr val="accent1"/>
+          </a:effectRef>
+          <a:fontRef idx="minor">
+            <a:schemeClr val="lt1"/>
+          </a:fontRef>
+        </p:style>
+        <p:txBody>
+          <a:bodyPr vert="horz" wrap="square" lIns="91440" tIns="45720" rIns="91440" bIns="45720" numCol="1" rtlCol="0" anchor="t" anchorCtr="0" compatLnSpc="1">
+            <a:prstTxWarp prst="textNoShape">
+              <a:avLst/>
+            </a:prstTxWarp>
+          </a:bodyPr>
+          <a:lstStyle/>
+          <a:p>
+            <a:pPr marL="342900" marR="0" indent="-342900" algn="ctr" defTabSz="914400" rtl="0" eaLnBrk="1" fontAlgn="base" latinLnBrk="0" hangingPunct="1">
+              <a:lnSpc>
+                <a:spcPct val="100000"/>
+              </a:lnSpc>
+              <a:spcBef>
+                <a:spcPct val="20000"/>
+              </a:spcBef>
+              <a:spcAft>
+                <a:spcPct val="0"/>
+              </a:spcAft>
+              <a:buClrTx/>
+              <a:buSzTx/>
+              <a:tabLst/>
+            </a:pPr>
+            <a:r>
+              <a:rPr lang="pt-PT" sz="1400" b="1" dirty="0" err="1" smtClean="0">
+                <a:solidFill>
+                  <a:srgbClr val="000066"/>
+                </a:solidFill>
+                <a:latin typeface="Consolas" pitchFamily="49" charset="0"/>
+              </a:rPr>
+              <a:t>Message</a:t>
+            </a:r>
+            <a:r>
+              <a:rPr lang="pt-PT" sz="1400" dirty="0" err="1" smtClean="0">
+                <a:solidFill>
+                  <a:srgbClr val="000066"/>
+                </a:solidFill>
+                <a:latin typeface="Consolas" pitchFamily="49" charset="0"/>
+              </a:rPr>
+              <a:t>Description</a:t>
+            </a:r>
+            <a:endParaRPr kumimoji="0" lang="pt-PT" sz="1400" i="0" u="none" strike="noStrike" cap="none" normalizeH="0" baseline="0" dirty="0" smtClean="0">
+              <a:ln>
+                <a:noFill/>
+              </a:ln>
+              <a:solidFill>
+                <a:srgbClr val="000066"/>
+              </a:solidFill>
+              <a:effectLst/>
+              <a:latin typeface="Consolas" pitchFamily="49" charset="0"/>
+            </a:endParaRPr>
+          </a:p>
+        </p:txBody>
+      </p:sp>
+      <p:cxnSp>
+        <p:nvCxnSpPr>
+          <p:cNvPr id="28" name="Shape 55"/>
+          <p:cNvCxnSpPr>
+            <a:stCxn id="12" idx="2"/>
+            <a:endCxn id="25" idx="1"/>
+          </p:cNvCxnSpPr>
+          <p:nvPr/>
+        </p:nvCxnSpPr>
+        <p:spPr bwMode="auto">
+          <a:xfrm rot="16200000" flipH="1">
+            <a:off x="4006517" y="4348212"/>
+            <a:ext cx="264695" cy="327258"/>
+          </a:xfrm>
+          <a:prstGeom prst="bentConnector2">
+            <a:avLst/>
+          </a:prstGeom>
+          <a:solidFill>
+            <a:schemeClr val="accent1"/>
+          </a:solidFill>
+          <a:ln w="9525" cap="flat" cmpd="sng" algn="ctr">
+            <a:solidFill>
+              <a:schemeClr val="tx1"/>
+            </a:solidFill>
+            <a:prstDash val="solid"/>
+            <a:round/>
+            <a:headEnd type="none" w="med" len="med"/>
+            <a:tailEnd type="arrow"/>
+          </a:ln>
+          <a:effectLst/>
+        </p:spPr>
+      </p:cxnSp>
+      <p:sp>
+        <p:nvSpPr>
+          <p:cNvPr id="29" name="TextBox 28"/>
+          <p:cNvSpPr txBox="1"/>
+          <p:nvPr/>
+        </p:nvSpPr>
+        <p:spPr>
+          <a:xfrm>
+            <a:off x="4004111" y="4196616"/>
+            <a:ext cx="284052" cy="307777"/>
+          </a:xfrm>
+          <a:prstGeom prst="rect">
+            <a:avLst/>
+          </a:prstGeom>
+          <a:noFill/>
+        </p:spPr>
+        <p:txBody>
+          <a:bodyPr wrap="none" rtlCol="0">
+            <a:spAutoFit/>
+          </a:bodyPr>
+          <a:lstStyle/>
+          <a:p>
+            <a:r>
+              <a:rPr lang="pt-PT" sz="1400" dirty="0" smtClean="0">
+                <a:latin typeface="Consolas" pitchFamily="49" charset="0"/>
+              </a:rPr>
+              <a:t>*</a:t>
+            </a:r>
+            <a:endParaRPr lang="pt-PT" sz="1400" dirty="0">
+              <a:latin typeface="Consolas" pitchFamily="49" charset="0"/>
+            </a:endParaRPr>
+          </a:p>
+        </p:txBody>
+      </p:sp>
+      <p:sp>
+        <p:nvSpPr>
+          <p:cNvPr id="30" name="TextBox 29"/>
+          <p:cNvSpPr txBox="1"/>
+          <p:nvPr/>
+        </p:nvSpPr>
+        <p:spPr>
+          <a:xfrm>
+            <a:off x="4004110" y="4774131"/>
+            <a:ext cx="284052" cy="307777"/>
+          </a:xfrm>
+          <a:prstGeom prst="rect">
+            <a:avLst/>
+          </a:prstGeom>
+          <a:noFill/>
+        </p:spPr>
+        <p:txBody>
+          <a:bodyPr wrap="none" rtlCol="0">
+            <a:spAutoFit/>
+          </a:bodyPr>
+          <a:lstStyle/>
+          <a:p>
+            <a:r>
+              <a:rPr lang="pt-PT" sz="1400" dirty="0" smtClean="0">
+                <a:latin typeface="Consolas" pitchFamily="49" charset="0"/>
+              </a:rPr>
+              <a:t>*</a:t>
+            </a:r>
+            <a:endParaRPr lang="pt-PT" sz="1400" dirty="0">
+              <a:latin typeface="Consolas" pitchFamily="49" charset="0"/>
+            </a:endParaRPr>
+          </a:p>
+        </p:txBody>
+      </p:sp>
+      <p:sp>
+        <p:nvSpPr>
+          <p:cNvPr id="31" name="TextBox 30"/>
+          <p:cNvSpPr txBox="1"/>
+          <p:nvPr/>
+        </p:nvSpPr>
+        <p:spPr>
+          <a:xfrm>
+            <a:off x="5438275" y="5255394"/>
+            <a:ext cx="284052" cy="307777"/>
+          </a:xfrm>
+          <a:prstGeom prst="rect">
+            <a:avLst/>
+          </a:prstGeom>
+          <a:noFill/>
+        </p:spPr>
+        <p:txBody>
+          <a:bodyPr wrap="none" rtlCol="0">
+            <a:spAutoFit/>
+          </a:bodyPr>
+          <a:lstStyle/>
+          <a:p>
+            <a:r>
+              <a:rPr lang="pt-PT" sz="1400" dirty="0" smtClean="0">
+                <a:latin typeface="Consolas" pitchFamily="49" charset="0"/>
+              </a:rPr>
+              <a:t>*</a:t>
+            </a:r>
+            <a:endParaRPr lang="pt-PT" sz="1400" dirty="0">
+              <a:latin typeface="Consolas" pitchFamily="49" charset="0"/>
+            </a:endParaRPr>
+          </a:p>
+        </p:txBody>
+      </p:sp>
+      <p:sp>
+        <p:nvSpPr>
+          <p:cNvPr id="32" name="TextBox 31"/>
+          <p:cNvSpPr txBox="1"/>
+          <p:nvPr/>
+        </p:nvSpPr>
+        <p:spPr>
+          <a:xfrm>
+            <a:off x="5438275" y="5746282"/>
+            <a:ext cx="284052" cy="307777"/>
+          </a:xfrm>
+          <a:prstGeom prst="rect">
+            <a:avLst/>
+          </a:prstGeom>
+          <a:noFill/>
+        </p:spPr>
+        <p:txBody>
+          <a:bodyPr wrap="none" rtlCol="0">
+            <a:spAutoFit/>
+          </a:bodyPr>
+          <a:lstStyle/>
+          <a:p>
+            <a:r>
+              <a:rPr lang="pt-PT" sz="1400" dirty="0" smtClean="0">
+                <a:latin typeface="Consolas" pitchFamily="49" charset="0"/>
+              </a:rPr>
+              <a:t>*</a:t>
+            </a:r>
+            <a:endParaRPr lang="pt-PT" sz="1400" dirty="0">
+              <a:latin typeface="Consolas" pitchFamily="49" charset="0"/>
+            </a:endParaRPr>
+          </a:p>
+        </p:txBody>
+      </p:sp>
+      <p:cxnSp>
+        <p:nvCxnSpPr>
+          <p:cNvPr id="33" name="Shape 60"/>
+          <p:cNvCxnSpPr>
+            <a:stCxn id="12" idx="2"/>
+            <a:endCxn id="24" idx="1"/>
+          </p:cNvCxnSpPr>
+          <p:nvPr/>
+        </p:nvCxnSpPr>
+        <p:spPr bwMode="auto">
+          <a:xfrm rot="16200000" flipH="1">
+            <a:off x="3780323" y="4574406"/>
+            <a:ext cx="717082" cy="327258"/>
+          </a:xfrm>
+          <a:prstGeom prst="bentConnector2">
+            <a:avLst/>
+          </a:prstGeom>
+          <a:solidFill>
+            <a:schemeClr val="accent1"/>
+          </a:solidFill>
+          <a:ln w="9525" cap="flat" cmpd="sng" algn="ctr">
+            <a:solidFill>
+              <a:schemeClr val="tx1"/>
+            </a:solidFill>
+            <a:prstDash val="solid"/>
+            <a:round/>
+            <a:headEnd type="none" w="med" len="med"/>
+            <a:tailEnd type="arrow"/>
+          </a:ln>
+          <a:effectLst/>
+        </p:spPr>
+      </p:cxnSp>
+      <p:cxnSp>
+        <p:nvCxnSpPr>
+          <p:cNvPr id="34" name="Shape 61"/>
+          <p:cNvCxnSpPr>
+            <a:stCxn id="24" idx="2"/>
+            <a:endCxn id="26" idx="1"/>
+          </p:cNvCxnSpPr>
+          <p:nvPr/>
+        </p:nvCxnSpPr>
+        <p:spPr bwMode="auto">
+          <a:xfrm rot="16200000" flipH="1">
+            <a:off x="5457525" y="5260204"/>
+            <a:ext cx="255069" cy="322447"/>
+          </a:xfrm>
+          <a:prstGeom prst="bentConnector2">
+            <a:avLst/>
+          </a:prstGeom>
+          <a:solidFill>
+            <a:schemeClr val="accent1"/>
+          </a:solidFill>
+          <a:ln w="9525" cap="flat" cmpd="sng" algn="ctr">
+            <a:solidFill>
+              <a:schemeClr val="tx1"/>
+            </a:solidFill>
+            <a:prstDash val="solid"/>
+            <a:round/>
+            <a:headEnd type="none" w="med" len="med"/>
+            <a:tailEnd type="arrow"/>
+          </a:ln>
+          <a:effectLst/>
+        </p:spPr>
+      </p:cxnSp>
+      <p:cxnSp>
+        <p:nvCxnSpPr>
+          <p:cNvPr id="35" name="Shape 62"/>
+          <p:cNvCxnSpPr>
+            <a:stCxn id="24" idx="2"/>
+            <a:endCxn id="27" idx="1"/>
+          </p:cNvCxnSpPr>
+          <p:nvPr/>
+        </p:nvCxnSpPr>
+        <p:spPr bwMode="auto">
+          <a:xfrm rot="16200000" flipH="1">
+            <a:off x="5226519" y="5491211"/>
+            <a:ext cx="717082" cy="322448"/>
+          </a:xfrm>
+          <a:prstGeom prst="bentConnector2">
+            <a:avLst/>
+          </a:prstGeom>
+          <a:solidFill>
+            <a:schemeClr val="accent1"/>
+          </a:solidFill>
+          <a:ln w="9525" cap="flat" cmpd="sng" algn="ctr">
+            <a:solidFill>
+              <a:schemeClr val="tx1"/>
+            </a:solidFill>
+            <a:prstDash val="solid"/>
+            <a:round/>
+            <a:headEnd type="none" w="med" len="med"/>
+            <a:tailEnd type="arrow"/>
+          </a:ln>
+          <a:effectLst/>
+        </p:spPr>
+      </p:cxnSp>
+      <p:sp>
+        <p:nvSpPr>
+          <p:cNvPr id="36" name="Rounded Rectangle 35"/>
+          <p:cNvSpPr/>
+          <p:nvPr/>
+        </p:nvSpPr>
+        <p:spPr bwMode="auto">
+          <a:xfrm>
+            <a:off x="8393232" y="5813659"/>
+            <a:ext cx="548638" cy="394636"/>
+          </a:xfrm>
+          <a:prstGeom prst="roundRect">
+            <a:avLst/>
+          </a:prstGeom>
+          <a:solidFill>
+            <a:schemeClr val="accent1"/>
+          </a:solidFill>
+          <a:ln w="9525" cap="flat" cmpd="sng" algn="ctr">
+            <a:solidFill>
+              <a:schemeClr val="tx1"/>
+            </a:solidFill>
+            <a:prstDash val="solid"/>
+            <a:round/>
+            <a:headEnd type="none" w="med" len="med"/>
+            <a:tailEnd type="none" w="med" len="med"/>
+          </a:ln>
+          <a:effectLst/>
+        </p:spPr>
+        <p:txBody>
+          <a:bodyPr vert="horz" wrap="square" lIns="91440" tIns="45720" rIns="91440" bIns="45720" numCol="1" rtlCol="0" anchor="t" anchorCtr="0" compatLnSpc="1">
+            <a:prstTxWarp prst="textNoShape">
+              <a:avLst/>
+            </a:prstTxWarp>
+          </a:bodyPr>
+          <a:lstStyle/>
+          <a:p>
+            <a:pPr marL="342900" marR="0" indent="-342900" algn="ctr" defTabSz="914400" rtl="0" eaLnBrk="1" fontAlgn="base" latinLnBrk="0" hangingPunct="1">
+              <a:lnSpc>
+                <a:spcPct val="100000"/>
+              </a:lnSpc>
+              <a:spcBef>
+                <a:spcPct val="20000"/>
+              </a:spcBef>
+              <a:spcAft>
+                <a:spcPct val="0"/>
+              </a:spcAft>
+              <a:buClrTx/>
+              <a:buSzTx/>
+              <a:tabLst/>
+            </a:pPr>
+            <a:r>
+              <a:rPr kumimoji="0" lang="pt-PT" sz="1400" i="0" u="none" strike="noStrike" cap="none" normalizeH="0" baseline="0" dirty="0" smtClean="0">
+                <a:ln>
+                  <a:noFill/>
+                </a:ln>
+                <a:solidFill>
+                  <a:srgbClr val="000066"/>
+                </a:solidFill>
+                <a:effectLst/>
+                <a:latin typeface="Consolas" pitchFamily="49" charset="0"/>
+              </a:rPr>
+              <a:t>…</a:t>
+            </a:r>
+          </a:p>
+        </p:txBody>
+      </p:sp>
+      <p:cxnSp>
+        <p:nvCxnSpPr>
+          <p:cNvPr id="37" name="Elbow Connector 36"/>
+          <p:cNvCxnSpPr>
+            <a:stCxn id="27" idx="3"/>
+            <a:endCxn id="36" idx="1"/>
+          </p:cNvCxnSpPr>
+          <p:nvPr/>
+        </p:nvCxnSpPr>
+        <p:spPr bwMode="auto">
+          <a:xfrm>
+            <a:off x="7921592" y="6010976"/>
+            <a:ext cx="471640" cy="1"/>
+          </a:xfrm>
+          <a:prstGeom prst="bentConnector3">
+            <a:avLst>
+              <a:gd name="adj1" fmla="val 50000"/>
+            </a:avLst>
+          </a:prstGeom>
+          <a:solidFill>
+            <a:schemeClr val="accent1"/>
+          </a:solidFill>
+          <a:ln w="9525" cap="flat" cmpd="sng" algn="ctr">
+            <a:solidFill>
+              <a:schemeClr val="tx1"/>
+            </a:solidFill>
+            <a:prstDash val="solid"/>
+            <a:round/>
+            <a:headEnd type="none" w="med" len="med"/>
+            <a:tailEnd type="arrow"/>
+          </a:ln>
+          <a:effectLst/>
+        </p:spPr>
+      </p:cxnSp>
+      <p:sp>
+        <p:nvSpPr>
+          <p:cNvPr id="38" name="Rounded Rectangle 37"/>
+          <p:cNvSpPr/>
+          <p:nvPr/>
+        </p:nvSpPr>
+        <p:spPr bwMode="auto">
+          <a:xfrm>
+            <a:off x="1511168" y="1694046"/>
+            <a:ext cx="2079058" cy="394636"/>
+          </a:xfrm>
+          <a:prstGeom prst="roundRect">
+            <a:avLst/>
+          </a:prstGeom>
+          <a:ln>
+            <a:headEnd type="none" w="med" len="med"/>
+            <a:tailEnd type="none" w="med" len="med"/>
+          </a:ln>
+        </p:spPr>
+        <p:style>
+          <a:lnRef idx="0">
+            <a:schemeClr val="accent1"/>
+          </a:lnRef>
+          <a:fillRef idx="3">
+            <a:schemeClr val="accent1"/>
+          </a:fillRef>
+          <a:effectRef idx="3">
+            <a:schemeClr val="accent1"/>
+          </a:effectRef>
+          <a:fontRef idx="minor">
+            <a:schemeClr val="lt1"/>
+          </a:fontRef>
+        </p:style>
+        <p:txBody>
+          <a:bodyPr vert="horz" wrap="square" lIns="91440" tIns="45720" rIns="91440" bIns="45720" numCol="1" rtlCol="0" anchor="t" anchorCtr="0" compatLnSpc="1">
+            <a:prstTxWarp prst="textNoShape">
+              <a:avLst/>
+            </a:prstTxWarp>
+          </a:bodyPr>
+          <a:lstStyle/>
+          <a:p>
+            <a:pPr marL="342900" marR="0" indent="-342900" algn="ctr" defTabSz="914400" rtl="0" eaLnBrk="1" fontAlgn="base" latinLnBrk="0" hangingPunct="1">
+              <a:lnSpc>
+                <a:spcPct val="100000"/>
+              </a:lnSpc>
+              <a:spcBef>
+                <a:spcPct val="20000"/>
+              </a:spcBef>
+              <a:spcAft>
+                <a:spcPct val="0"/>
+              </a:spcAft>
+              <a:buClrTx/>
+              <a:buSzTx/>
+              <a:tabLst/>
+            </a:pPr>
+            <a:r>
+              <a:rPr kumimoji="0" lang="pt-PT" sz="1400" b="1" i="0" u="none" strike="noStrike" cap="none" normalizeH="0" baseline="0" dirty="0" err="1" smtClean="0">
+                <a:ln>
+                  <a:noFill/>
+                </a:ln>
+                <a:solidFill>
+                  <a:srgbClr val="000066"/>
+                </a:solidFill>
+                <a:effectLst/>
+                <a:latin typeface="Consolas" pitchFamily="49" charset="0"/>
+              </a:rPr>
+              <a:t>Type</a:t>
+            </a:r>
+            <a:endParaRPr kumimoji="0" lang="pt-PT" sz="1400" b="1" i="0" u="none" strike="noStrike" cap="none" normalizeH="0" baseline="0" dirty="0" smtClean="0">
+              <a:ln>
+                <a:noFill/>
+              </a:ln>
+              <a:solidFill>
+                <a:srgbClr val="000066"/>
+              </a:solidFill>
+              <a:effectLst/>
+              <a:latin typeface="Consolas" pitchFamily="49" charset="0"/>
+            </a:endParaRPr>
+          </a:p>
+        </p:txBody>
+      </p:sp>
+      <p:cxnSp>
+        <p:nvCxnSpPr>
+          <p:cNvPr id="39" name="Shape 99"/>
+          <p:cNvCxnSpPr>
+            <a:stCxn id="2" idx="2"/>
+            <a:endCxn id="38" idx="1"/>
+          </p:cNvCxnSpPr>
+          <p:nvPr/>
+        </p:nvCxnSpPr>
+        <p:spPr bwMode="auto">
+          <a:xfrm rot="16200000" flipH="1">
+            <a:off x="1008247" y="1388443"/>
+            <a:ext cx="668956" cy="336885"/>
+          </a:xfrm>
+          <a:prstGeom prst="bentConnector2">
+            <a:avLst/>
+          </a:prstGeom>
+          <a:solidFill>
+            <a:schemeClr val="accent1"/>
+          </a:solidFill>
+          <a:ln w="9525" cap="flat" cmpd="sng" algn="ctr">
+            <a:solidFill>
+              <a:schemeClr val="tx1"/>
+            </a:solidFill>
+            <a:prstDash val="solid"/>
+            <a:round/>
+            <a:headEnd type="none" w="med" len="med"/>
+            <a:tailEnd type="arrow"/>
+          </a:ln>
+          <a:effectLst/>
+        </p:spPr>
+      </p:cxnSp>
+      <p:sp>
+        <p:nvSpPr>
+          <p:cNvPr id="40" name="TextBox 39"/>
+          <p:cNvSpPr txBox="1"/>
+          <p:nvPr/>
+        </p:nvSpPr>
+        <p:spPr>
+          <a:xfrm>
+            <a:off x="1193534" y="1578543"/>
+            <a:ext cx="284052" cy="307777"/>
+          </a:xfrm>
+          <a:prstGeom prst="rect">
+            <a:avLst/>
+          </a:prstGeom>
+          <a:noFill/>
+        </p:spPr>
+        <p:txBody>
+          <a:bodyPr wrap="none" rtlCol="0">
+            <a:spAutoFit/>
+          </a:bodyPr>
+          <a:lstStyle/>
+          <a:p>
+            <a:r>
+              <a:rPr lang="pt-PT" sz="1400" dirty="0" smtClean="0">
+                <a:latin typeface="Consolas" pitchFamily="49" charset="0"/>
+              </a:rPr>
+              <a:t>1</a:t>
+            </a:r>
+            <a:endParaRPr lang="pt-PT" sz="1400" dirty="0">
+              <a:latin typeface="Consolas" pitchFamily="49" charset="0"/>
+            </a:endParaRPr>
+          </a:p>
+        </p:txBody>
+      </p:sp>
+    </p:spTree>
+    <p:extLst>
+      <p:ext uri="{BB962C8B-B14F-4D97-AF65-F5344CB8AC3E}">
+        <p14:creationId xmlns:p14="http://schemas.microsoft.com/office/powerpoint/2010/main" val="1514564168"/>
       </p:ext>
     </p:extLst>
   </p:cSld>
